--- a/hoan_thien/Công nghệ phát triển ứng dụng trên thiết bị di động.pptx
+++ b/hoan_thien/Công nghệ phát triển ứng dụng trên thiết bị di động.pptx
@@ -219,7 +219,7 @@
           <a:p>
             <a:fld id="{5BDF486E-ECEA-4CDA-BE1D-F63746FE71C8}" type="datetimeFigureOut">
               <a:rPr lang="en-US" smtClean="0"/>
-              <a:t>12/29/2015</a:t>
+              <a:t>1/6/2016</a:t>
             </a:fld>
             <a:endParaRPr lang="en-US"/>
           </a:p>
@@ -489,6 +489,2700 @@
 </p:notesMaster>
 </file>
 
+<file path=ppt/notesSlides/notesSlide1.xml><?xml version="1.0" encoding="utf-8"?>
+<p:notes xmlns:a="http://schemas.openxmlformats.org/drawingml/2006/main" xmlns:r="http://schemas.openxmlformats.org/officeDocument/2006/relationships" xmlns:p="http://schemas.openxmlformats.org/presentationml/2006/main">
+  <p:cSld>
+    <p:spTree>
+      <p:nvGrpSpPr>
+        <p:cNvPr id="1" name=""/>
+        <p:cNvGrpSpPr/>
+        <p:nvPr/>
+      </p:nvGrpSpPr>
+      <p:grpSpPr>
+        <a:xfrm>
+          <a:off x="0" y="0"/>
+          <a:ext cx="0" cy="0"/>
+          <a:chOff x="0" y="0"/>
+          <a:chExt cx="0" cy="0"/>
+        </a:xfrm>
+      </p:grpSpPr>
+      <p:sp>
+        <p:nvSpPr>
+          <p:cNvPr id="2" name="Slide Image Placeholder 1"/>
+          <p:cNvSpPr>
+            <a:spLocks noGrp="1" noRot="1" noChangeAspect="1"/>
+          </p:cNvSpPr>
+          <p:nvPr>
+            <p:ph type="sldImg"/>
+          </p:nvPr>
+        </p:nvSpPr>
+        <p:spPr/>
+      </p:sp>
+      <p:sp>
+        <p:nvSpPr>
+          <p:cNvPr id="3" name="Notes Placeholder 2"/>
+          <p:cNvSpPr>
+            <a:spLocks noGrp="1"/>
+          </p:cNvSpPr>
+          <p:nvPr>
+            <p:ph type="body" idx="1"/>
+          </p:nvPr>
+        </p:nvSpPr>
+        <p:spPr/>
+        <p:txBody>
+          <a:bodyPr/>
+          <a:lstStyle/>
+          <a:p>
+            <a:r>
+              <a:rPr lang="en-US" dirty="0" err="1" smtClean="0"/>
+              <a:t>Với</a:t>
+            </a:r>
+            <a:r>
+              <a:rPr lang="en-US" baseline="0" dirty="0" smtClean="0"/>
+              <a:t> </a:t>
+            </a:r>
+            <a:r>
+              <a:rPr lang="en-US" baseline="0" dirty="0" err="1" smtClean="0"/>
+              <a:t>việc</a:t>
+            </a:r>
+            <a:r>
+              <a:rPr lang="en-US" baseline="0" dirty="0" smtClean="0"/>
+              <a:t> </a:t>
+            </a:r>
+            <a:r>
+              <a:rPr lang="en-US" baseline="0" dirty="0" err="1" smtClean="0"/>
+              <a:t>thiết</a:t>
+            </a:r>
+            <a:r>
+              <a:rPr lang="en-US" baseline="0" dirty="0" smtClean="0"/>
+              <a:t> </a:t>
+            </a:r>
+            <a:r>
+              <a:rPr lang="en-US" baseline="0" dirty="0" err="1" smtClean="0"/>
+              <a:t>kế</a:t>
+            </a:r>
+            <a:r>
+              <a:rPr lang="en-US" baseline="0" dirty="0" smtClean="0"/>
+              <a:t> </a:t>
+            </a:r>
+            <a:r>
+              <a:rPr lang="en-US" baseline="0" dirty="0" err="1" smtClean="0"/>
+              <a:t>ứng</a:t>
+            </a:r>
+            <a:r>
+              <a:rPr lang="en-US" baseline="0" dirty="0" smtClean="0"/>
+              <a:t> </a:t>
+            </a:r>
+            <a:r>
+              <a:rPr lang="en-US" baseline="0" dirty="0" err="1" smtClean="0"/>
+              <a:t>dụng</a:t>
+            </a:r>
+            <a:r>
+              <a:rPr lang="en-US" baseline="0" dirty="0" smtClean="0"/>
+              <a:t> </a:t>
+            </a:r>
+            <a:r>
+              <a:rPr lang="en-US" baseline="0" dirty="0" err="1" smtClean="0"/>
+              <a:t>sử</a:t>
+            </a:r>
+            <a:r>
+              <a:rPr lang="en-US" baseline="0" dirty="0" smtClean="0"/>
+              <a:t> </a:t>
+            </a:r>
+            <a:r>
+              <a:rPr lang="en-US" baseline="0" dirty="0" err="1" smtClean="0"/>
+              <a:t>dụng</a:t>
+            </a:r>
+            <a:r>
+              <a:rPr lang="en-US" baseline="0" dirty="0" smtClean="0"/>
+              <a:t> </a:t>
+            </a:r>
+            <a:r>
+              <a:rPr lang="en-US" baseline="0" dirty="0" err="1" smtClean="0"/>
+              <a:t>sharedpreferences</a:t>
+            </a:r>
+            <a:r>
+              <a:rPr lang="en-US" baseline="0" dirty="0" smtClean="0"/>
+              <a:t> </a:t>
+            </a:r>
+            <a:r>
+              <a:rPr lang="en-US" baseline="0" dirty="0" err="1" smtClean="0"/>
+              <a:t>để</a:t>
+            </a:r>
+            <a:r>
+              <a:rPr lang="en-US" baseline="0" dirty="0" smtClean="0"/>
+              <a:t> </a:t>
+            </a:r>
+            <a:r>
+              <a:rPr lang="en-US" baseline="0" dirty="0" err="1" smtClean="0"/>
+              <a:t>lưu</a:t>
+            </a:r>
+            <a:r>
+              <a:rPr lang="en-US" baseline="0" dirty="0" smtClean="0"/>
+              <a:t> </a:t>
+            </a:r>
+            <a:r>
+              <a:rPr lang="en-US" baseline="0" dirty="0" err="1" smtClean="0"/>
+              <a:t>trữ</a:t>
+            </a:r>
+            <a:r>
+              <a:rPr lang="en-US" baseline="0" dirty="0" smtClean="0"/>
+              <a:t> </a:t>
+            </a:r>
+            <a:r>
+              <a:rPr lang="en-US" baseline="0" dirty="0" err="1" smtClean="0"/>
+              <a:t>mật</a:t>
+            </a:r>
+            <a:r>
+              <a:rPr lang="en-US" baseline="0" dirty="0" smtClean="0"/>
+              <a:t> </a:t>
+            </a:r>
+            <a:r>
+              <a:rPr lang="en-US" baseline="0" dirty="0" err="1" smtClean="0"/>
+              <a:t>khẩu</a:t>
+            </a:r>
+            <a:r>
+              <a:rPr lang="en-US" baseline="0" dirty="0" smtClean="0"/>
+              <a:t> </a:t>
+            </a:r>
+            <a:r>
+              <a:rPr lang="en-US" baseline="0" dirty="0" err="1" smtClean="0"/>
+              <a:t>của</a:t>
+            </a:r>
+            <a:r>
+              <a:rPr lang="en-US" baseline="0" dirty="0" smtClean="0"/>
+              <a:t> </a:t>
+            </a:r>
+            <a:r>
+              <a:rPr lang="en-US" baseline="0" dirty="0" err="1" smtClean="0"/>
+              <a:t>ứng</a:t>
+            </a:r>
+            <a:r>
+              <a:rPr lang="en-US" baseline="0" dirty="0" smtClean="0"/>
+              <a:t> </a:t>
+            </a:r>
+            <a:r>
+              <a:rPr lang="en-US" baseline="0" dirty="0" err="1" smtClean="0"/>
+              <a:t>dụng</a:t>
+            </a:r>
+            <a:endParaRPr lang="en-US" baseline="0" dirty="0" smtClean="0"/>
+          </a:p>
+          <a:p>
+            <a:r>
+              <a:rPr lang="en-US" baseline="0" dirty="0" err="1" smtClean="0"/>
+              <a:t>Lần</a:t>
+            </a:r>
+            <a:r>
+              <a:rPr lang="en-US" baseline="0" dirty="0" smtClean="0"/>
+              <a:t> </a:t>
+            </a:r>
+            <a:r>
+              <a:rPr lang="en-US" baseline="0" dirty="0" err="1" smtClean="0"/>
+              <a:t>đầu</a:t>
+            </a:r>
+            <a:r>
+              <a:rPr lang="en-US" baseline="0" dirty="0" smtClean="0"/>
+              <a:t> </a:t>
+            </a:r>
+            <a:r>
+              <a:rPr lang="en-US" baseline="0" dirty="0" err="1" smtClean="0"/>
+              <a:t>tiên</a:t>
+            </a:r>
+            <a:r>
+              <a:rPr lang="en-US" baseline="0" dirty="0" smtClean="0"/>
+              <a:t> </a:t>
+            </a:r>
+            <a:r>
+              <a:rPr lang="en-US" baseline="0" dirty="0" err="1" smtClean="0"/>
+              <a:t>chạy</a:t>
+            </a:r>
+            <a:r>
+              <a:rPr lang="en-US" baseline="0" dirty="0" smtClean="0"/>
+              <a:t> </a:t>
+            </a:r>
+            <a:r>
+              <a:rPr lang="en-US" baseline="0" dirty="0" err="1" smtClean="0"/>
+              <a:t>ứng</a:t>
+            </a:r>
+            <a:r>
+              <a:rPr lang="en-US" baseline="0" dirty="0" smtClean="0"/>
+              <a:t> </a:t>
+            </a:r>
+            <a:r>
+              <a:rPr lang="en-US" baseline="0" dirty="0" err="1" smtClean="0"/>
+              <a:t>dụng</a:t>
+            </a:r>
+            <a:r>
+              <a:rPr lang="en-US" baseline="0" dirty="0" smtClean="0"/>
+              <a:t> </a:t>
+            </a:r>
+            <a:r>
+              <a:rPr lang="en-US" baseline="0" dirty="0" err="1" smtClean="0"/>
+              <a:t>nếu</a:t>
+            </a:r>
+            <a:r>
+              <a:rPr lang="en-US" baseline="0" dirty="0" smtClean="0"/>
+              <a:t> </a:t>
+            </a:r>
+            <a:r>
+              <a:rPr lang="en-US" baseline="0" dirty="0" err="1" smtClean="0"/>
+              <a:t>chưa</a:t>
+            </a:r>
+            <a:r>
+              <a:rPr lang="en-US" baseline="0" dirty="0" smtClean="0"/>
+              <a:t> </a:t>
+            </a:r>
+            <a:r>
+              <a:rPr lang="en-US" baseline="0" dirty="0" err="1" smtClean="0"/>
+              <a:t>lưu</a:t>
+            </a:r>
+            <a:r>
+              <a:rPr lang="en-US" baseline="0" dirty="0" smtClean="0"/>
+              <a:t> </a:t>
+            </a:r>
+            <a:r>
+              <a:rPr lang="en-US" baseline="0" dirty="0" err="1" smtClean="0"/>
+              <a:t>trữ</a:t>
+            </a:r>
+            <a:r>
+              <a:rPr lang="en-US" baseline="0" dirty="0" smtClean="0"/>
+              <a:t> </a:t>
+            </a:r>
+            <a:r>
+              <a:rPr lang="en-US" baseline="0" dirty="0" err="1" smtClean="0"/>
+              <a:t>sẽ</a:t>
+            </a:r>
+            <a:r>
+              <a:rPr lang="en-US" baseline="0" dirty="0" smtClean="0"/>
+              <a:t> </a:t>
+            </a:r>
+            <a:r>
+              <a:rPr lang="en-US" baseline="0" dirty="0" err="1" smtClean="0"/>
+              <a:t>hiện</a:t>
+            </a:r>
+            <a:r>
+              <a:rPr lang="en-US" baseline="0" dirty="0" smtClean="0"/>
+              <a:t> </a:t>
+            </a:r>
+            <a:r>
+              <a:rPr lang="en-US" baseline="0" dirty="0" err="1" smtClean="0"/>
+              <a:t>giao</a:t>
+            </a:r>
+            <a:r>
+              <a:rPr lang="en-US" baseline="0" dirty="0" smtClean="0"/>
+              <a:t> </a:t>
+            </a:r>
+            <a:r>
+              <a:rPr lang="en-US" baseline="0" dirty="0" err="1" smtClean="0"/>
+              <a:t>diện</a:t>
+            </a:r>
+            <a:r>
+              <a:rPr lang="en-US" baseline="0" dirty="0" smtClean="0"/>
+              <a:t> </a:t>
+            </a:r>
+            <a:r>
+              <a:rPr lang="en-US" baseline="0" dirty="0" err="1" smtClean="0"/>
+              <a:t>tạo</a:t>
+            </a:r>
+            <a:r>
+              <a:rPr lang="en-US" baseline="0" dirty="0" smtClean="0"/>
+              <a:t> </a:t>
+            </a:r>
+            <a:r>
+              <a:rPr lang="en-US" baseline="0" dirty="0" err="1" smtClean="0"/>
+              <a:t>mật</a:t>
+            </a:r>
+            <a:r>
+              <a:rPr lang="en-US" baseline="0" dirty="0" smtClean="0"/>
+              <a:t> </a:t>
+            </a:r>
+            <a:r>
+              <a:rPr lang="en-US" baseline="0" dirty="0" err="1" smtClean="0"/>
+              <a:t>khẩu</a:t>
+            </a:r>
+            <a:endParaRPr lang="en-US" dirty="0"/>
+          </a:p>
+        </p:txBody>
+      </p:sp>
+      <p:sp>
+        <p:nvSpPr>
+          <p:cNvPr id="4" name="Slide Number Placeholder 3"/>
+          <p:cNvSpPr>
+            <a:spLocks noGrp="1"/>
+          </p:cNvSpPr>
+          <p:nvPr>
+            <p:ph type="sldNum" sz="quarter" idx="10"/>
+          </p:nvPr>
+        </p:nvSpPr>
+        <p:spPr/>
+        <p:txBody>
+          <a:bodyPr/>
+          <a:lstStyle/>
+          <a:p>
+            <a:fld id="{D8F4D0B3-74D8-494A-8A9D-528819ECFAA0}" type="slidenum">
+              <a:rPr lang="en-US" smtClean="0"/>
+              <a:t>4</a:t>
+            </a:fld>
+            <a:endParaRPr lang="en-US"/>
+          </a:p>
+        </p:txBody>
+      </p:sp>
+    </p:spTree>
+    <p:extLst>
+      <p:ext uri="{BB962C8B-B14F-4D97-AF65-F5344CB8AC3E}">
+        <p14:creationId xmlns:p14="http://schemas.microsoft.com/office/powerpoint/2010/main" val="3435607068"/>
+      </p:ext>
+    </p:extLst>
+  </p:cSld>
+  <p:clrMapOvr>
+    <a:masterClrMapping/>
+  </p:clrMapOvr>
+</p:notes>
+</file>
+
+<file path=ppt/notesSlides/notesSlide2.xml><?xml version="1.0" encoding="utf-8"?>
+<p:notes xmlns:a="http://schemas.openxmlformats.org/drawingml/2006/main" xmlns:r="http://schemas.openxmlformats.org/officeDocument/2006/relationships" xmlns:p="http://schemas.openxmlformats.org/presentationml/2006/main">
+  <p:cSld>
+    <p:spTree>
+      <p:nvGrpSpPr>
+        <p:cNvPr id="1" name=""/>
+        <p:cNvGrpSpPr/>
+        <p:nvPr/>
+      </p:nvGrpSpPr>
+      <p:grpSpPr>
+        <a:xfrm>
+          <a:off x="0" y="0"/>
+          <a:ext cx="0" cy="0"/>
+          <a:chOff x="0" y="0"/>
+          <a:chExt cx="0" cy="0"/>
+        </a:xfrm>
+      </p:grpSpPr>
+      <p:sp>
+        <p:nvSpPr>
+          <p:cNvPr id="2" name="Slide Image Placeholder 1"/>
+          <p:cNvSpPr>
+            <a:spLocks noGrp="1" noRot="1" noChangeAspect="1"/>
+          </p:cNvSpPr>
+          <p:nvPr>
+            <p:ph type="sldImg"/>
+          </p:nvPr>
+        </p:nvSpPr>
+        <p:spPr/>
+      </p:sp>
+      <p:sp>
+        <p:nvSpPr>
+          <p:cNvPr id="3" name="Notes Placeholder 2"/>
+          <p:cNvSpPr>
+            <a:spLocks noGrp="1"/>
+          </p:cNvSpPr>
+          <p:nvPr>
+            <p:ph type="body" idx="1"/>
+          </p:nvPr>
+        </p:nvSpPr>
+        <p:spPr/>
+        <p:txBody>
+          <a:bodyPr/>
+          <a:lstStyle/>
+          <a:p>
+            <a:r>
+              <a:rPr lang="en-US" dirty="0" smtClean="0"/>
+              <a:t>Sau </a:t>
+            </a:r>
+            <a:r>
+              <a:rPr lang="en-US" dirty="0" err="1" smtClean="0"/>
+              <a:t>khi</a:t>
+            </a:r>
+            <a:r>
+              <a:rPr lang="en-US" dirty="0" smtClean="0"/>
+              <a:t> </a:t>
+            </a:r>
+            <a:r>
+              <a:rPr lang="en-US" dirty="0" err="1" smtClean="0"/>
+              <a:t>tạo</a:t>
+            </a:r>
+            <a:r>
+              <a:rPr lang="en-US" baseline="0" dirty="0" smtClean="0"/>
+              <a:t> </a:t>
+            </a:r>
+            <a:r>
+              <a:rPr lang="en-US" baseline="0" dirty="0" err="1" smtClean="0"/>
+              <a:t>mật</a:t>
+            </a:r>
+            <a:r>
+              <a:rPr lang="en-US" baseline="0" dirty="0" smtClean="0"/>
+              <a:t> </a:t>
+            </a:r>
+            <a:r>
+              <a:rPr lang="en-US" baseline="0" dirty="0" err="1" smtClean="0"/>
+              <a:t>khẩu</a:t>
+            </a:r>
+            <a:r>
+              <a:rPr lang="en-US" baseline="0" dirty="0" smtClean="0"/>
+              <a:t>, </a:t>
+            </a:r>
+            <a:r>
+              <a:rPr lang="en-US" baseline="0" dirty="0" err="1" smtClean="0"/>
+              <a:t>hoặc</a:t>
+            </a:r>
+            <a:r>
+              <a:rPr lang="en-US" baseline="0" dirty="0" smtClean="0"/>
+              <a:t> </a:t>
+            </a:r>
+            <a:r>
+              <a:rPr lang="en-US" baseline="0" dirty="0" err="1" smtClean="0"/>
+              <a:t>lần</a:t>
+            </a:r>
+            <a:r>
+              <a:rPr lang="en-US" baseline="0" dirty="0" smtClean="0"/>
+              <a:t> </a:t>
+            </a:r>
+            <a:r>
+              <a:rPr lang="en-US" baseline="0" dirty="0" err="1" smtClean="0"/>
+              <a:t>chạy</a:t>
+            </a:r>
+            <a:r>
+              <a:rPr lang="en-US" baseline="0" dirty="0" smtClean="0"/>
+              <a:t> </a:t>
+            </a:r>
+            <a:r>
+              <a:rPr lang="en-US" baseline="0" dirty="0" err="1" smtClean="0"/>
+              <a:t>tiếp</a:t>
+            </a:r>
+            <a:r>
+              <a:rPr lang="en-US" baseline="0" dirty="0" smtClean="0"/>
+              <a:t> </a:t>
+            </a:r>
+            <a:r>
+              <a:rPr lang="en-US" baseline="0" dirty="0" err="1" smtClean="0"/>
+              <a:t>theo</a:t>
+            </a:r>
+            <a:r>
+              <a:rPr lang="en-US" baseline="0" dirty="0" smtClean="0"/>
+              <a:t> </a:t>
+            </a:r>
+            <a:r>
+              <a:rPr lang="en-US" baseline="0" dirty="0" err="1" smtClean="0"/>
+              <a:t>của</a:t>
+            </a:r>
+            <a:r>
+              <a:rPr lang="en-US" baseline="0" dirty="0" smtClean="0"/>
+              <a:t> </a:t>
+            </a:r>
+            <a:r>
+              <a:rPr lang="en-US" baseline="0" dirty="0" err="1" smtClean="0"/>
+              <a:t>ứng</a:t>
+            </a:r>
+            <a:r>
+              <a:rPr lang="en-US" baseline="0" dirty="0" smtClean="0"/>
+              <a:t> </a:t>
+            </a:r>
+            <a:r>
+              <a:rPr lang="en-US" baseline="0" dirty="0" err="1" smtClean="0"/>
+              <a:t>dụng</a:t>
+            </a:r>
+            <a:r>
+              <a:rPr lang="en-US" baseline="0" dirty="0" smtClean="0"/>
+              <a:t>, </a:t>
+            </a:r>
+            <a:r>
+              <a:rPr lang="en-US" baseline="0" dirty="0" err="1" smtClean="0"/>
+              <a:t>sẽ</a:t>
+            </a:r>
+            <a:r>
+              <a:rPr lang="en-US" baseline="0" dirty="0" smtClean="0"/>
+              <a:t> </a:t>
+            </a:r>
+            <a:r>
+              <a:rPr lang="en-US" baseline="0" dirty="0" err="1" smtClean="0"/>
+              <a:t>hiện</a:t>
+            </a:r>
+            <a:r>
+              <a:rPr lang="en-US" baseline="0" dirty="0" smtClean="0"/>
+              <a:t> </a:t>
+            </a:r>
+            <a:r>
+              <a:rPr lang="en-US" baseline="0" dirty="0" err="1" smtClean="0"/>
+              <a:t>màn</a:t>
+            </a:r>
+            <a:r>
+              <a:rPr lang="en-US" baseline="0" dirty="0" smtClean="0"/>
+              <a:t> </a:t>
+            </a:r>
+            <a:r>
+              <a:rPr lang="en-US" baseline="0" dirty="0" err="1" smtClean="0"/>
+              <a:t>hình</a:t>
+            </a:r>
+            <a:r>
+              <a:rPr lang="en-US" baseline="0" dirty="0" smtClean="0"/>
+              <a:t> </a:t>
+            </a:r>
+            <a:r>
+              <a:rPr lang="en-US" baseline="0" dirty="0" smtClean="0"/>
+              <a:t>login. </a:t>
+            </a:r>
+            <a:r>
+              <a:rPr lang="en-US" baseline="0" dirty="0" err="1" smtClean="0"/>
+              <a:t>Với</a:t>
+            </a:r>
+            <a:r>
+              <a:rPr lang="en-US" baseline="0" dirty="0" smtClean="0"/>
+              <a:t> </a:t>
+            </a:r>
+            <a:r>
+              <a:rPr lang="en-US" baseline="0" dirty="0" err="1" smtClean="0"/>
+              <a:t>kỹ</a:t>
+            </a:r>
+            <a:r>
+              <a:rPr lang="en-US" baseline="0" dirty="0" smtClean="0"/>
+              <a:t> </a:t>
+            </a:r>
+            <a:r>
+              <a:rPr lang="en-US" baseline="0" dirty="0" err="1" smtClean="0"/>
+              <a:t>thuật</a:t>
+            </a:r>
+            <a:r>
+              <a:rPr lang="en-US" baseline="0" dirty="0" smtClean="0"/>
+              <a:t> </a:t>
+            </a:r>
+            <a:r>
+              <a:rPr lang="en-US" baseline="0" dirty="0" err="1" smtClean="0"/>
+              <a:t>lấy</a:t>
+            </a:r>
+            <a:r>
+              <a:rPr lang="en-US" baseline="0" dirty="0" smtClean="0"/>
+              <a:t> </a:t>
+            </a:r>
+            <a:r>
+              <a:rPr lang="en-US" baseline="0" dirty="0" err="1" smtClean="0"/>
+              <a:t>ra</a:t>
+            </a:r>
+            <a:r>
+              <a:rPr lang="en-US" baseline="0" dirty="0" smtClean="0"/>
+              <a:t> </a:t>
+            </a:r>
+            <a:r>
+              <a:rPr lang="en-US" baseline="0" dirty="0" err="1" smtClean="0"/>
+              <a:t>sharedprefrences</a:t>
+            </a:r>
+            <a:r>
+              <a:rPr lang="en-US" baseline="0" dirty="0" smtClean="0"/>
+              <a:t> </a:t>
+            </a:r>
+            <a:r>
+              <a:rPr lang="en-US" baseline="0" dirty="0" err="1" smtClean="0"/>
+              <a:t>để</a:t>
+            </a:r>
+            <a:r>
+              <a:rPr lang="en-US" baseline="0" dirty="0" smtClean="0"/>
+              <a:t> </a:t>
+            </a:r>
+            <a:r>
+              <a:rPr lang="en-US" baseline="0" dirty="0" err="1" smtClean="0"/>
+              <a:t>kiểm</a:t>
+            </a:r>
+            <a:r>
+              <a:rPr lang="en-US" baseline="0" dirty="0" smtClean="0"/>
+              <a:t> </a:t>
+            </a:r>
+            <a:r>
+              <a:rPr lang="en-US" baseline="0" dirty="0" err="1" smtClean="0"/>
+              <a:t>tra</a:t>
+            </a:r>
+            <a:r>
+              <a:rPr lang="en-US" baseline="0" dirty="0" smtClean="0"/>
+              <a:t> </a:t>
+            </a:r>
+            <a:r>
+              <a:rPr lang="en-US" baseline="0" dirty="0" err="1" smtClean="0"/>
+              <a:t>dữ</a:t>
+            </a:r>
+            <a:r>
+              <a:rPr lang="en-US" baseline="0" dirty="0" smtClean="0"/>
+              <a:t> </a:t>
+            </a:r>
+            <a:r>
+              <a:rPr lang="en-US" baseline="0" dirty="0" err="1" smtClean="0"/>
+              <a:t>liệu</a:t>
+            </a:r>
+            <a:r>
+              <a:rPr lang="en-US" baseline="0" dirty="0" smtClean="0"/>
+              <a:t> </a:t>
+            </a:r>
+            <a:r>
+              <a:rPr lang="en-US" baseline="0" dirty="0" err="1" smtClean="0"/>
+              <a:t>cũng</a:t>
+            </a:r>
+            <a:r>
+              <a:rPr lang="en-US" baseline="0" dirty="0" smtClean="0"/>
+              <a:t> </a:t>
+            </a:r>
+            <a:r>
+              <a:rPr lang="en-US" baseline="0" dirty="0" err="1" smtClean="0"/>
+              <a:t>như</a:t>
+            </a:r>
+            <a:r>
+              <a:rPr lang="en-US" baseline="0" dirty="0" smtClean="0"/>
+              <a:t> </a:t>
+            </a:r>
+            <a:r>
+              <a:rPr lang="en-US" baseline="0" dirty="0" err="1" smtClean="0"/>
+              <a:t>sử</a:t>
+            </a:r>
+            <a:r>
+              <a:rPr lang="en-US" baseline="0" dirty="0" smtClean="0"/>
+              <a:t> </a:t>
+            </a:r>
+            <a:r>
+              <a:rPr lang="en-US" baseline="0" dirty="0" err="1" smtClean="0"/>
+              <a:t>dụng</a:t>
+            </a:r>
+            <a:r>
+              <a:rPr lang="en-US" baseline="0" dirty="0" smtClean="0"/>
+              <a:t> </a:t>
+            </a:r>
+            <a:r>
+              <a:rPr lang="en-US" baseline="0" dirty="0" err="1" smtClean="0"/>
+              <a:t>hàm</a:t>
+            </a:r>
+            <a:r>
+              <a:rPr lang="en-US" baseline="0" dirty="0" smtClean="0"/>
+              <a:t> </a:t>
+            </a:r>
+            <a:r>
+              <a:rPr lang="en-US" baseline="0" dirty="0" err="1" smtClean="0"/>
+              <a:t>setVisibility</a:t>
+            </a:r>
+            <a:r>
+              <a:rPr lang="en-US" baseline="0" dirty="0" smtClean="0"/>
+              <a:t> </a:t>
+            </a:r>
+            <a:r>
+              <a:rPr lang="en-US" baseline="0" dirty="0" err="1" smtClean="0"/>
+              <a:t>của</a:t>
+            </a:r>
+            <a:r>
+              <a:rPr lang="en-US" baseline="0" dirty="0" smtClean="0"/>
+              <a:t> component </a:t>
+            </a:r>
+            <a:r>
+              <a:rPr lang="en-US" baseline="0" dirty="0" err="1" smtClean="0"/>
+              <a:t>LeanerLayout</a:t>
+            </a:r>
+            <a:r>
+              <a:rPr lang="en-US" baseline="0" dirty="0" smtClean="0"/>
+              <a:t> </a:t>
+            </a:r>
+            <a:r>
+              <a:rPr lang="en-US" baseline="0" dirty="0" err="1" smtClean="0"/>
+              <a:t>để</a:t>
+            </a:r>
+            <a:r>
+              <a:rPr lang="en-US" baseline="0" dirty="0" smtClean="0"/>
+              <a:t> </a:t>
+            </a:r>
+            <a:r>
+              <a:rPr lang="en-US" baseline="0" dirty="0" err="1" smtClean="0"/>
+              <a:t>ẩn</a:t>
+            </a:r>
+            <a:r>
+              <a:rPr lang="en-US" baseline="0" dirty="0" smtClean="0"/>
+              <a:t> </a:t>
+            </a:r>
+            <a:r>
+              <a:rPr lang="en-US" baseline="0" dirty="0" err="1" smtClean="0"/>
+              <a:t>hiện</a:t>
+            </a:r>
+            <a:r>
+              <a:rPr lang="en-US" baseline="0" dirty="0" smtClean="0"/>
+              <a:t> </a:t>
+            </a:r>
+            <a:r>
+              <a:rPr lang="en-US" baseline="0" dirty="0" err="1" smtClean="0"/>
+              <a:t>các</a:t>
+            </a:r>
+            <a:r>
+              <a:rPr lang="en-US" baseline="0" dirty="0" smtClean="0"/>
+              <a:t> form </a:t>
+            </a:r>
+            <a:r>
+              <a:rPr lang="en-US" baseline="0" dirty="0" err="1" smtClean="0"/>
+              <a:t>tương</a:t>
+            </a:r>
+            <a:r>
+              <a:rPr lang="en-US" baseline="0" dirty="0" smtClean="0"/>
+              <a:t> </a:t>
+            </a:r>
+            <a:r>
+              <a:rPr lang="en-US" baseline="0" dirty="0" err="1" smtClean="0"/>
+              <a:t>ứng</a:t>
+            </a:r>
+            <a:r>
+              <a:rPr lang="en-US" baseline="0" dirty="0" smtClean="0"/>
+              <a:t> </a:t>
+            </a:r>
+            <a:r>
+              <a:rPr lang="en-US" baseline="0" dirty="0" err="1" smtClean="0"/>
+              <a:t>cũng</a:t>
+            </a:r>
+            <a:r>
+              <a:rPr lang="en-US" baseline="0" dirty="0" smtClean="0"/>
+              <a:t> </a:t>
+            </a:r>
+            <a:r>
+              <a:rPr lang="en-US" baseline="0" dirty="0" err="1" smtClean="0"/>
+              <a:t>như</a:t>
+            </a:r>
+            <a:r>
+              <a:rPr lang="en-US" baseline="0" dirty="0" smtClean="0"/>
+              <a:t> </a:t>
+            </a:r>
+            <a:r>
+              <a:rPr lang="en-US" baseline="0" dirty="0" err="1" smtClean="0"/>
+              <a:t>ảnh</a:t>
+            </a:r>
+            <a:r>
+              <a:rPr lang="en-US" baseline="0" dirty="0" smtClean="0"/>
+              <a:t> </a:t>
+            </a:r>
+            <a:r>
+              <a:rPr lang="en-US" baseline="0" dirty="0" err="1" smtClean="0"/>
+              <a:t>động</a:t>
+            </a:r>
+            <a:r>
+              <a:rPr lang="en-US" baseline="0" dirty="0" smtClean="0"/>
+              <a:t> progress bar quay</a:t>
+            </a:r>
+            <a:endParaRPr lang="en-US" dirty="0"/>
+          </a:p>
+        </p:txBody>
+      </p:sp>
+      <p:sp>
+        <p:nvSpPr>
+          <p:cNvPr id="4" name="Slide Number Placeholder 3"/>
+          <p:cNvSpPr>
+            <a:spLocks noGrp="1"/>
+          </p:cNvSpPr>
+          <p:nvPr>
+            <p:ph type="sldNum" sz="quarter" idx="10"/>
+          </p:nvPr>
+        </p:nvSpPr>
+        <p:spPr/>
+        <p:txBody>
+          <a:bodyPr/>
+          <a:lstStyle/>
+          <a:p>
+            <a:fld id="{D8F4D0B3-74D8-494A-8A9D-528819ECFAA0}" type="slidenum">
+              <a:rPr lang="en-US" smtClean="0"/>
+              <a:t>5</a:t>
+            </a:fld>
+            <a:endParaRPr lang="en-US"/>
+          </a:p>
+        </p:txBody>
+      </p:sp>
+    </p:spTree>
+    <p:extLst>
+      <p:ext uri="{BB962C8B-B14F-4D97-AF65-F5344CB8AC3E}">
+        <p14:creationId xmlns:p14="http://schemas.microsoft.com/office/powerpoint/2010/main" val="183763256"/>
+      </p:ext>
+    </p:extLst>
+  </p:cSld>
+  <p:clrMapOvr>
+    <a:masterClrMapping/>
+  </p:clrMapOvr>
+</p:notes>
+</file>
+
+<file path=ppt/notesSlides/notesSlide3.xml><?xml version="1.0" encoding="utf-8"?>
+<p:notes xmlns:a="http://schemas.openxmlformats.org/drawingml/2006/main" xmlns:r="http://schemas.openxmlformats.org/officeDocument/2006/relationships" xmlns:p="http://schemas.openxmlformats.org/presentationml/2006/main">
+  <p:cSld>
+    <p:spTree>
+      <p:nvGrpSpPr>
+        <p:cNvPr id="1" name=""/>
+        <p:cNvGrpSpPr/>
+        <p:nvPr/>
+      </p:nvGrpSpPr>
+      <p:grpSpPr>
+        <a:xfrm>
+          <a:off x="0" y="0"/>
+          <a:ext cx="0" cy="0"/>
+          <a:chOff x="0" y="0"/>
+          <a:chExt cx="0" cy="0"/>
+        </a:xfrm>
+      </p:grpSpPr>
+      <p:sp>
+        <p:nvSpPr>
+          <p:cNvPr id="2" name="Slide Image Placeholder 1"/>
+          <p:cNvSpPr>
+            <a:spLocks noGrp="1" noRot="1" noChangeAspect="1"/>
+          </p:cNvSpPr>
+          <p:nvPr>
+            <p:ph type="sldImg"/>
+          </p:nvPr>
+        </p:nvSpPr>
+        <p:spPr/>
+      </p:sp>
+      <p:sp>
+        <p:nvSpPr>
+          <p:cNvPr id="3" name="Notes Placeholder 2"/>
+          <p:cNvSpPr>
+            <a:spLocks noGrp="1"/>
+          </p:cNvSpPr>
+          <p:nvPr>
+            <p:ph type="body" idx="1"/>
+          </p:nvPr>
+        </p:nvSpPr>
+        <p:spPr/>
+        <p:txBody>
+          <a:bodyPr/>
+          <a:lstStyle/>
+          <a:p>
+            <a:r>
+              <a:rPr lang="en-US" dirty="0" err="1" smtClean="0"/>
+              <a:t>Chức</a:t>
+            </a:r>
+            <a:r>
+              <a:rPr lang="en-US" baseline="0" dirty="0" smtClean="0"/>
+              <a:t> </a:t>
+            </a:r>
+            <a:r>
+              <a:rPr lang="en-US" baseline="0" dirty="0" err="1" smtClean="0"/>
+              <a:t>năng</a:t>
+            </a:r>
+            <a:r>
+              <a:rPr lang="en-US" baseline="0" dirty="0" smtClean="0"/>
+              <a:t> ở </a:t>
+            </a:r>
+            <a:r>
+              <a:rPr lang="en-US" baseline="0" dirty="0" err="1" smtClean="0"/>
+              <a:t>đây</a:t>
+            </a:r>
+            <a:r>
+              <a:rPr lang="en-US" baseline="0" dirty="0" smtClean="0"/>
+              <a:t> </a:t>
+            </a:r>
+            <a:r>
+              <a:rPr lang="en-US" baseline="0" dirty="0" err="1" smtClean="0"/>
+              <a:t>chính</a:t>
+            </a:r>
+            <a:r>
+              <a:rPr lang="en-US" baseline="0" dirty="0" smtClean="0"/>
+              <a:t> </a:t>
+            </a:r>
+            <a:r>
+              <a:rPr lang="en-US" baseline="0" dirty="0" err="1" smtClean="0"/>
+              <a:t>là</a:t>
+            </a:r>
+            <a:r>
+              <a:rPr lang="en-US" baseline="0" dirty="0" smtClean="0"/>
+              <a:t> </a:t>
+            </a:r>
+            <a:r>
+              <a:rPr lang="en-US" baseline="0" dirty="0" err="1" smtClean="0"/>
+              <a:t>bảo</a:t>
+            </a:r>
+            <a:r>
+              <a:rPr lang="en-US" baseline="0" dirty="0" smtClean="0"/>
+              <a:t> </a:t>
+            </a:r>
+            <a:r>
+              <a:rPr lang="en-US" baseline="0" dirty="0" err="1" smtClean="0"/>
+              <a:t>mật</a:t>
+            </a:r>
+            <a:r>
+              <a:rPr lang="en-US" baseline="0" dirty="0" smtClean="0"/>
+              <a:t>, </a:t>
+            </a:r>
+            <a:r>
+              <a:rPr lang="en-US" baseline="0" dirty="0" err="1" smtClean="0"/>
+              <a:t>sau</a:t>
+            </a:r>
+            <a:r>
+              <a:rPr lang="en-US" baseline="0" dirty="0" smtClean="0"/>
+              <a:t> </a:t>
+            </a:r>
+            <a:r>
+              <a:rPr lang="en-US" baseline="0" dirty="0" err="1" smtClean="0"/>
+              <a:t>là</a:t>
+            </a:r>
+            <a:r>
+              <a:rPr lang="en-US" baseline="0" dirty="0" smtClean="0"/>
+              <a:t> </a:t>
+            </a:r>
+            <a:r>
+              <a:rPr lang="en-US" baseline="0" dirty="0" err="1" smtClean="0"/>
+              <a:t>lưu</a:t>
+            </a:r>
+            <a:r>
+              <a:rPr lang="en-US" baseline="0" dirty="0" smtClean="0"/>
+              <a:t> </a:t>
+            </a:r>
+            <a:r>
+              <a:rPr lang="en-US" baseline="0" dirty="0" err="1" smtClean="0"/>
+              <a:t>trữ</a:t>
+            </a:r>
+            <a:r>
+              <a:rPr lang="en-US" baseline="0" dirty="0" smtClean="0"/>
+              <a:t> </a:t>
+            </a:r>
+            <a:r>
+              <a:rPr lang="en-US" baseline="0" dirty="0" err="1" smtClean="0"/>
+              <a:t>các</a:t>
+            </a:r>
+            <a:r>
+              <a:rPr lang="en-US" baseline="0" dirty="0" smtClean="0"/>
+              <a:t> </a:t>
+            </a:r>
+            <a:r>
+              <a:rPr lang="en-US" baseline="0" dirty="0" err="1" smtClean="0"/>
+              <a:t>thông</a:t>
+            </a:r>
+            <a:r>
+              <a:rPr lang="en-US" baseline="0" dirty="0" smtClean="0"/>
+              <a:t> tin </a:t>
+            </a:r>
+            <a:r>
+              <a:rPr lang="en-US" baseline="0" dirty="0" err="1" smtClean="0"/>
+              <a:t>về</a:t>
+            </a:r>
+            <a:r>
+              <a:rPr lang="en-US" baseline="0" dirty="0" smtClean="0"/>
+              <a:t> </a:t>
+            </a:r>
+            <a:r>
+              <a:rPr lang="en-US" baseline="0" dirty="0" err="1" smtClean="0"/>
+              <a:t>giao</a:t>
+            </a:r>
+            <a:r>
+              <a:rPr lang="en-US" baseline="0" dirty="0" smtClean="0"/>
+              <a:t> </a:t>
+            </a:r>
+            <a:r>
+              <a:rPr lang="en-US" baseline="0" dirty="0" err="1" smtClean="0"/>
+              <a:t>diện</a:t>
+            </a:r>
+            <a:r>
+              <a:rPr lang="en-US" baseline="0" dirty="0" smtClean="0"/>
+              <a:t> </a:t>
+            </a:r>
+            <a:r>
+              <a:rPr lang="en-US" baseline="0" dirty="0" err="1" smtClean="0"/>
+              <a:t>trang</a:t>
+            </a:r>
+            <a:r>
+              <a:rPr lang="en-US" baseline="0" dirty="0" smtClean="0"/>
+              <a:t> </a:t>
+            </a:r>
+            <a:r>
+              <a:rPr lang="en-US" baseline="0" dirty="0" err="1" smtClean="0"/>
+              <a:t>chủ</a:t>
+            </a:r>
+            <a:r>
+              <a:rPr lang="en-US" baseline="0" dirty="0" smtClean="0"/>
+              <a:t> </a:t>
+            </a:r>
+            <a:r>
+              <a:rPr lang="en-US" baseline="0" dirty="0" err="1" smtClean="0"/>
+              <a:t>đều</a:t>
+            </a:r>
+            <a:r>
+              <a:rPr lang="en-US" baseline="0" dirty="0" smtClean="0"/>
+              <a:t> </a:t>
+            </a:r>
+            <a:r>
+              <a:rPr lang="en-US" baseline="0" dirty="0" err="1" smtClean="0"/>
+              <a:t>sử</a:t>
+            </a:r>
+            <a:r>
+              <a:rPr lang="en-US" baseline="0" dirty="0" smtClean="0"/>
+              <a:t> </a:t>
+            </a:r>
+            <a:r>
+              <a:rPr lang="en-US" baseline="0" dirty="0" err="1" smtClean="0"/>
+              <a:t>dụng</a:t>
+            </a:r>
+            <a:r>
+              <a:rPr lang="en-US" baseline="0" dirty="0" smtClean="0"/>
+              <a:t> </a:t>
+            </a:r>
+            <a:r>
+              <a:rPr lang="en-US" baseline="0" dirty="0" err="1" smtClean="0"/>
+              <a:t>sharedpreferences</a:t>
+            </a:r>
+            <a:r>
+              <a:rPr lang="en-US" baseline="0" dirty="0" smtClean="0"/>
+              <a:t> </a:t>
+            </a:r>
+            <a:r>
+              <a:rPr lang="en-US" baseline="0" dirty="0" err="1" smtClean="0"/>
+              <a:t>để</a:t>
+            </a:r>
+            <a:r>
+              <a:rPr lang="en-US" baseline="0" dirty="0" smtClean="0"/>
+              <a:t> </a:t>
+            </a:r>
+            <a:r>
+              <a:rPr lang="en-US" baseline="0" dirty="0" err="1" smtClean="0"/>
+              <a:t>lưu</a:t>
+            </a:r>
+            <a:endParaRPr lang="en-US" baseline="0" dirty="0" smtClean="0"/>
+          </a:p>
+          <a:p>
+            <a:r>
+              <a:rPr lang="en-US" baseline="0" dirty="0" err="1" smtClean="0"/>
+              <a:t>Về</a:t>
+            </a:r>
+            <a:r>
+              <a:rPr lang="en-US" baseline="0" dirty="0" smtClean="0"/>
+              <a:t> </a:t>
+            </a:r>
+            <a:r>
+              <a:rPr lang="en-US" baseline="0" dirty="0" err="1" smtClean="0"/>
+              <a:t>bảo</a:t>
+            </a:r>
+            <a:r>
+              <a:rPr lang="en-US" baseline="0" dirty="0" smtClean="0"/>
+              <a:t> </a:t>
+            </a:r>
+            <a:r>
+              <a:rPr lang="en-US" baseline="0" dirty="0" err="1" smtClean="0"/>
+              <a:t>mật</a:t>
+            </a:r>
+            <a:r>
+              <a:rPr lang="en-US" baseline="0" dirty="0" smtClean="0"/>
+              <a:t> </a:t>
+            </a:r>
+            <a:r>
+              <a:rPr lang="en-US" baseline="0" dirty="0" err="1" smtClean="0"/>
+              <a:t>khi</a:t>
+            </a:r>
+            <a:r>
+              <a:rPr lang="en-US" baseline="0" dirty="0" smtClean="0"/>
+              <a:t> </a:t>
+            </a:r>
+            <a:r>
+              <a:rPr lang="en-US" baseline="0" dirty="0" err="1" smtClean="0"/>
+              <a:t>không</a:t>
+            </a:r>
+            <a:r>
+              <a:rPr lang="en-US" baseline="0" dirty="0" smtClean="0"/>
+              <a:t> </a:t>
+            </a:r>
+            <a:r>
+              <a:rPr lang="en-US" baseline="0" dirty="0" err="1" smtClean="0"/>
+              <a:t>dùng</a:t>
+            </a:r>
+            <a:r>
+              <a:rPr lang="en-US" baseline="0" dirty="0" smtClean="0"/>
+              <a:t> </a:t>
+            </a:r>
+            <a:r>
+              <a:rPr lang="en-US" baseline="0" dirty="0" err="1" smtClean="0"/>
+              <a:t>thì</a:t>
+            </a:r>
+            <a:r>
+              <a:rPr lang="en-US" baseline="0" dirty="0" smtClean="0"/>
+              <a:t> </a:t>
+            </a:r>
+            <a:r>
+              <a:rPr lang="en-US" baseline="0" dirty="0" err="1" smtClean="0"/>
+              <a:t>có</a:t>
+            </a:r>
+            <a:r>
+              <a:rPr lang="en-US" baseline="0" dirty="0" smtClean="0"/>
+              <a:t> </a:t>
+            </a:r>
+            <a:r>
+              <a:rPr lang="en-US" baseline="0" dirty="0" err="1" smtClean="0"/>
+              <a:t>thể</a:t>
+            </a:r>
+            <a:r>
+              <a:rPr lang="en-US" baseline="0" dirty="0" smtClean="0"/>
+              <a:t> </a:t>
+            </a:r>
+            <a:r>
+              <a:rPr lang="en-US" baseline="0" dirty="0" err="1" smtClean="0"/>
+              <a:t>chủ</a:t>
+            </a:r>
+            <a:r>
+              <a:rPr lang="en-US" baseline="0" dirty="0" smtClean="0"/>
+              <a:t> </a:t>
+            </a:r>
+            <a:r>
+              <a:rPr lang="en-US" baseline="0" dirty="0" err="1" smtClean="0"/>
+              <a:t>động</a:t>
+            </a:r>
+            <a:r>
+              <a:rPr lang="en-US" baseline="0" dirty="0" smtClean="0"/>
+              <a:t> </a:t>
+            </a:r>
+            <a:r>
+              <a:rPr lang="en-US" baseline="0" dirty="0" err="1" smtClean="0"/>
+              <a:t>khóa</a:t>
+            </a:r>
+            <a:r>
+              <a:rPr lang="en-US" baseline="0" dirty="0" smtClean="0"/>
+              <a:t> </a:t>
+            </a:r>
+            <a:r>
+              <a:rPr lang="en-US" baseline="0" dirty="0" err="1" smtClean="0"/>
+              <a:t>ứng</a:t>
+            </a:r>
+            <a:r>
+              <a:rPr lang="en-US" baseline="0" dirty="0" smtClean="0"/>
+              <a:t> </a:t>
+            </a:r>
+            <a:r>
+              <a:rPr lang="en-US" baseline="0" dirty="0" err="1" smtClean="0"/>
+              <a:t>dụng</a:t>
+            </a:r>
+            <a:r>
+              <a:rPr lang="en-US" baseline="0" dirty="0" smtClean="0"/>
+              <a:t> </a:t>
+            </a:r>
+            <a:r>
+              <a:rPr lang="en-US" baseline="0" dirty="0" err="1" smtClean="0"/>
+              <a:t>lại</a:t>
+            </a:r>
+            <a:r>
+              <a:rPr lang="en-US" baseline="0" dirty="0" smtClean="0"/>
+              <a:t> </a:t>
+            </a:r>
+            <a:r>
+              <a:rPr lang="en-US" baseline="0" dirty="0" err="1" smtClean="0"/>
+              <a:t>bằng</a:t>
+            </a:r>
+            <a:r>
+              <a:rPr lang="en-US" baseline="0" dirty="0" smtClean="0"/>
+              <a:t> </a:t>
+            </a:r>
+            <a:r>
+              <a:rPr lang="en-US" baseline="0" dirty="0" err="1" smtClean="0"/>
+              <a:t>việc</a:t>
+            </a:r>
+            <a:r>
+              <a:rPr lang="en-US" baseline="0" dirty="0" smtClean="0"/>
+              <a:t> </a:t>
+            </a:r>
+            <a:r>
+              <a:rPr lang="en-US" baseline="0" dirty="0" err="1" smtClean="0"/>
+              <a:t>nhấn</a:t>
+            </a:r>
+            <a:r>
+              <a:rPr lang="en-US" baseline="0" dirty="0" smtClean="0"/>
+              <a:t> </a:t>
+            </a:r>
+            <a:r>
+              <a:rPr lang="en-US" baseline="0" dirty="0" err="1" smtClean="0"/>
+              <a:t>vào</a:t>
+            </a:r>
+            <a:r>
+              <a:rPr lang="en-US" baseline="0" dirty="0" smtClean="0"/>
+              <a:t> button </a:t>
+            </a:r>
+            <a:r>
+              <a:rPr lang="en-US" baseline="0" dirty="0" err="1" smtClean="0"/>
+              <a:t>khóa</a:t>
+            </a:r>
+            <a:r>
+              <a:rPr lang="en-US" baseline="0" dirty="0" smtClean="0"/>
+              <a:t> </a:t>
+            </a:r>
+            <a:r>
+              <a:rPr lang="en-US" baseline="0" dirty="0" err="1" smtClean="0"/>
+              <a:t>ứng</a:t>
+            </a:r>
+            <a:r>
+              <a:rPr lang="en-US" baseline="0" dirty="0" smtClean="0"/>
+              <a:t> </a:t>
+            </a:r>
+            <a:r>
+              <a:rPr lang="en-US" baseline="0" dirty="0" err="1" smtClean="0"/>
+              <a:t>dụng</a:t>
+            </a:r>
+            <a:endParaRPr lang="en-US" dirty="0"/>
+          </a:p>
+        </p:txBody>
+      </p:sp>
+      <p:sp>
+        <p:nvSpPr>
+          <p:cNvPr id="4" name="Slide Number Placeholder 3"/>
+          <p:cNvSpPr>
+            <a:spLocks noGrp="1"/>
+          </p:cNvSpPr>
+          <p:nvPr>
+            <p:ph type="sldNum" sz="quarter" idx="10"/>
+          </p:nvPr>
+        </p:nvSpPr>
+        <p:spPr/>
+        <p:txBody>
+          <a:bodyPr/>
+          <a:lstStyle/>
+          <a:p>
+            <a:fld id="{D8F4D0B3-74D8-494A-8A9D-528819ECFAA0}" type="slidenum">
+              <a:rPr lang="en-US" smtClean="0"/>
+              <a:t>6</a:t>
+            </a:fld>
+            <a:endParaRPr lang="en-US"/>
+          </a:p>
+        </p:txBody>
+      </p:sp>
+    </p:spTree>
+    <p:extLst>
+      <p:ext uri="{BB962C8B-B14F-4D97-AF65-F5344CB8AC3E}">
+        <p14:creationId xmlns:p14="http://schemas.microsoft.com/office/powerpoint/2010/main" val="621584728"/>
+      </p:ext>
+    </p:extLst>
+  </p:cSld>
+  <p:clrMapOvr>
+    <a:masterClrMapping/>
+  </p:clrMapOvr>
+</p:notes>
+</file>
+
+<file path=ppt/notesSlides/notesSlide4.xml><?xml version="1.0" encoding="utf-8"?>
+<p:notes xmlns:a="http://schemas.openxmlformats.org/drawingml/2006/main" xmlns:r="http://schemas.openxmlformats.org/officeDocument/2006/relationships" xmlns:p="http://schemas.openxmlformats.org/presentationml/2006/main">
+  <p:cSld>
+    <p:spTree>
+      <p:nvGrpSpPr>
+        <p:cNvPr id="1" name=""/>
+        <p:cNvGrpSpPr/>
+        <p:nvPr/>
+      </p:nvGrpSpPr>
+      <p:grpSpPr>
+        <a:xfrm>
+          <a:off x="0" y="0"/>
+          <a:ext cx="0" cy="0"/>
+          <a:chOff x="0" y="0"/>
+          <a:chExt cx="0" cy="0"/>
+        </a:xfrm>
+      </p:grpSpPr>
+      <p:sp>
+        <p:nvSpPr>
+          <p:cNvPr id="2" name="Slide Image Placeholder 1"/>
+          <p:cNvSpPr>
+            <a:spLocks noGrp="1" noRot="1" noChangeAspect="1"/>
+          </p:cNvSpPr>
+          <p:nvPr>
+            <p:ph type="sldImg"/>
+          </p:nvPr>
+        </p:nvSpPr>
+        <p:spPr/>
+      </p:sp>
+      <p:sp>
+        <p:nvSpPr>
+          <p:cNvPr id="3" name="Notes Placeholder 2"/>
+          <p:cNvSpPr>
+            <a:spLocks noGrp="1"/>
+          </p:cNvSpPr>
+          <p:nvPr>
+            <p:ph type="body" idx="1"/>
+          </p:nvPr>
+        </p:nvSpPr>
+        <p:spPr/>
+        <p:txBody>
+          <a:bodyPr/>
+          <a:lstStyle/>
+          <a:p>
+            <a:r>
+              <a:rPr lang="en-US" dirty="0" err="1" smtClean="0"/>
+              <a:t>Sử</a:t>
+            </a:r>
+            <a:r>
+              <a:rPr lang="en-US" baseline="0" dirty="0" smtClean="0"/>
+              <a:t> </a:t>
+            </a:r>
+            <a:r>
+              <a:rPr lang="en-US" baseline="0" dirty="0" err="1" smtClean="0"/>
+              <a:t>dụng</a:t>
+            </a:r>
+            <a:r>
+              <a:rPr lang="en-US" baseline="0" dirty="0" smtClean="0"/>
+              <a:t> </a:t>
+            </a:r>
+            <a:r>
+              <a:rPr lang="en-US" baseline="0" dirty="0" err="1" smtClean="0"/>
+              <a:t>hàm</a:t>
+            </a:r>
+            <a:r>
+              <a:rPr lang="en-US" baseline="0" dirty="0" smtClean="0"/>
+              <a:t> </a:t>
+            </a:r>
+            <a:r>
+              <a:rPr lang="en-US" baseline="0" dirty="0" err="1" smtClean="0"/>
+              <a:t>tiện</a:t>
+            </a:r>
+            <a:r>
+              <a:rPr lang="en-US" baseline="0" dirty="0" smtClean="0"/>
+              <a:t> </a:t>
+            </a:r>
+            <a:r>
+              <a:rPr lang="en-US" baseline="0" dirty="0" err="1" smtClean="0"/>
+              <a:t>ích</a:t>
+            </a:r>
+            <a:r>
+              <a:rPr lang="en-US" baseline="0" dirty="0" smtClean="0"/>
+              <a:t> </a:t>
+            </a:r>
+            <a:r>
+              <a:rPr lang="en-US" baseline="0" dirty="0" err="1" smtClean="0"/>
+              <a:t>để</a:t>
+            </a:r>
+            <a:r>
+              <a:rPr lang="en-US" baseline="0" dirty="0" smtClean="0"/>
+              <a:t> </a:t>
+            </a:r>
+            <a:r>
+              <a:rPr lang="en-US" baseline="0" dirty="0" err="1" smtClean="0"/>
+              <a:t>kiểm</a:t>
+            </a:r>
+            <a:r>
+              <a:rPr lang="en-US" baseline="0" dirty="0" smtClean="0"/>
+              <a:t> </a:t>
+            </a:r>
+            <a:r>
+              <a:rPr lang="en-US" baseline="0" dirty="0" err="1" smtClean="0"/>
+              <a:t>tra</a:t>
+            </a:r>
+            <a:r>
+              <a:rPr lang="en-US" baseline="0" dirty="0" smtClean="0"/>
+              <a:t> </a:t>
+            </a:r>
+            <a:r>
+              <a:rPr lang="en-US" baseline="0" dirty="0" err="1" smtClean="0"/>
+              <a:t>điều</a:t>
+            </a:r>
+            <a:r>
+              <a:rPr lang="en-US" baseline="0" dirty="0" smtClean="0"/>
+              <a:t> </a:t>
+            </a:r>
+            <a:r>
+              <a:rPr lang="en-US" baseline="0" dirty="0" err="1" smtClean="0"/>
+              <a:t>kiện</a:t>
+            </a:r>
+            <a:r>
+              <a:rPr lang="en-US" baseline="0" dirty="0" smtClean="0"/>
+              <a:t> </a:t>
+            </a:r>
+            <a:r>
+              <a:rPr lang="en-US" baseline="0" dirty="0" err="1" smtClean="0"/>
+              <a:t>của</a:t>
+            </a:r>
+            <a:r>
+              <a:rPr lang="en-US" baseline="0" dirty="0" smtClean="0"/>
+              <a:t> </a:t>
+            </a:r>
+            <a:r>
+              <a:rPr lang="en-US" baseline="0" dirty="0" err="1" smtClean="0"/>
+              <a:t>mật</a:t>
+            </a:r>
+            <a:r>
+              <a:rPr lang="en-US" baseline="0" dirty="0" smtClean="0"/>
+              <a:t> </a:t>
+            </a:r>
+            <a:r>
+              <a:rPr lang="en-US" baseline="0" dirty="0" err="1" smtClean="0"/>
+              <a:t>khẩu</a:t>
+            </a:r>
+            <a:r>
+              <a:rPr lang="en-US" baseline="0" dirty="0" smtClean="0"/>
+              <a:t> , </a:t>
+            </a:r>
+            <a:r>
+              <a:rPr lang="en-US" baseline="0" dirty="0" err="1" smtClean="0"/>
+              <a:t>không</a:t>
+            </a:r>
+            <a:r>
+              <a:rPr lang="en-US" baseline="0" dirty="0" smtClean="0"/>
+              <a:t> </a:t>
+            </a:r>
+            <a:r>
+              <a:rPr lang="en-US" baseline="0" dirty="0" err="1" smtClean="0"/>
+              <a:t>được</a:t>
+            </a:r>
+            <a:r>
+              <a:rPr lang="en-US" baseline="0" dirty="0" smtClean="0"/>
+              <a:t> </a:t>
+            </a:r>
+            <a:r>
+              <a:rPr lang="en-US" baseline="0" dirty="0" err="1" smtClean="0"/>
+              <a:t>để</a:t>
+            </a:r>
+            <a:r>
+              <a:rPr lang="en-US" baseline="0" dirty="0" smtClean="0"/>
+              <a:t> </a:t>
+            </a:r>
+            <a:r>
+              <a:rPr lang="en-US" baseline="0" dirty="0" err="1" smtClean="0"/>
+              <a:t>trống</a:t>
+            </a:r>
+            <a:r>
+              <a:rPr lang="en-US" baseline="0" dirty="0" smtClean="0"/>
+              <a:t>, </a:t>
+            </a:r>
+            <a:r>
+              <a:rPr lang="en-US" baseline="0" dirty="0" err="1" smtClean="0"/>
+              <a:t>không</a:t>
+            </a:r>
+            <a:r>
+              <a:rPr lang="en-US" baseline="0" dirty="0" smtClean="0"/>
+              <a:t> </a:t>
+            </a:r>
+            <a:r>
+              <a:rPr lang="en-US" baseline="0" dirty="0" err="1" smtClean="0"/>
+              <a:t>được</a:t>
+            </a:r>
+            <a:r>
+              <a:rPr lang="en-US" baseline="0" dirty="0" smtClean="0"/>
+              <a:t> </a:t>
+            </a:r>
+            <a:r>
+              <a:rPr lang="en-US" baseline="0" dirty="0" err="1" smtClean="0"/>
+              <a:t>ngắn</a:t>
+            </a:r>
+            <a:r>
+              <a:rPr lang="en-US" baseline="0" dirty="0" smtClean="0"/>
+              <a:t> </a:t>
+            </a:r>
+            <a:r>
+              <a:rPr lang="en-US" baseline="0" dirty="0" err="1" smtClean="0"/>
+              <a:t>hơn</a:t>
+            </a:r>
+            <a:r>
+              <a:rPr lang="en-US" baseline="0" dirty="0" smtClean="0"/>
+              <a:t> 4 </a:t>
+            </a:r>
+            <a:r>
+              <a:rPr lang="en-US" baseline="0" dirty="0" err="1" smtClean="0"/>
+              <a:t>ký</a:t>
+            </a:r>
+            <a:r>
+              <a:rPr lang="en-US" baseline="0" dirty="0" smtClean="0"/>
+              <a:t> </a:t>
+            </a:r>
+            <a:r>
+              <a:rPr lang="en-US" baseline="0" dirty="0" err="1" smtClean="0"/>
+              <a:t>tự</a:t>
+            </a:r>
+            <a:r>
+              <a:rPr lang="en-US" baseline="0" dirty="0" smtClean="0"/>
+              <a:t>, </a:t>
+            </a:r>
+            <a:r>
+              <a:rPr lang="en-US" baseline="0" dirty="0" err="1" smtClean="0"/>
+              <a:t>nếu</a:t>
+            </a:r>
+            <a:r>
+              <a:rPr lang="en-US" baseline="0" dirty="0" smtClean="0"/>
+              <a:t> vi </a:t>
+            </a:r>
+            <a:r>
+              <a:rPr lang="en-US" baseline="0" dirty="0" err="1" smtClean="0"/>
+              <a:t>phạm</a:t>
+            </a:r>
+            <a:r>
+              <a:rPr lang="en-US" baseline="0" dirty="0" smtClean="0"/>
+              <a:t> 2 </a:t>
+            </a:r>
+            <a:r>
+              <a:rPr lang="en-US" baseline="0" dirty="0" err="1" smtClean="0"/>
+              <a:t>điều</a:t>
+            </a:r>
+            <a:r>
+              <a:rPr lang="en-US" baseline="0" dirty="0" smtClean="0"/>
+              <a:t> </a:t>
+            </a:r>
+            <a:r>
+              <a:rPr lang="en-US" baseline="0" dirty="0" err="1" smtClean="0"/>
+              <a:t>kiện</a:t>
+            </a:r>
+            <a:r>
+              <a:rPr lang="en-US" baseline="0" dirty="0" smtClean="0"/>
+              <a:t> </a:t>
+            </a:r>
+            <a:r>
+              <a:rPr lang="en-US" baseline="0" dirty="0" err="1" smtClean="0"/>
+              <a:t>trên</a:t>
+            </a:r>
+            <a:r>
+              <a:rPr lang="en-US" baseline="0" dirty="0" smtClean="0"/>
+              <a:t> </a:t>
+            </a:r>
+            <a:r>
+              <a:rPr lang="en-US" baseline="0" dirty="0" err="1" smtClean="0"/>
+              <a:t>đều</a:t>
+            </a:r>
+            <a:r>
+              <a:rPr lang="en-US" baseline="0" dirty="0" smtClean="0"/>
+              <a:t> </a:t>
+            </a:r>
+            <a:r>
+              <a:rPr lang="en-US" baseline="0" dirty="0" err="1" smtClean="0"/>
+              <a:t>có</a:t>
+            </a:r>
+            <a:r>
+              <a:rPr lang="en-US" baseline="0" dirty="0" smtClean="0"/>
+              <a:t> </a:t>
+            </a:r>
+            <a:r>
+              <a:rPr lang="en-US" baseline="0" dirty="0" err="1" smtClean="0"/>
+              <a:t>thông</a:t>
+            </a:r>
+            <a:r>
+              <a:rPr lang="en-US" baseline="0" dirty="0" smtClean="0"/>
+              <a:t> </a:t>
+            </a:r>
+            <a:r>
+              <a:rPr lang="en-US" baseline="0" dirty="0" err="1" smtClean="0"/>
+              <a:t>báo</a:t>
+            </a:r>
+            <a:r>
+              <a:rPr lang="en-US" baseline="0" dirty="0" smtClean="0"/>
+              <a:t> </a:t>
+            </a:r>
+            <a:r>
+              <a:rPr lang="en-US" baseline="0" dirty="0" err="1" smtClean="0"/>
+              <a:t>cảnh</a:t>
+            </a:r>
+            <a:r>
+              <a:rPr lang="en-US" baseline="0" dirty="0" smtClean="0"/>
+              <a:t> </a:t>
+            </a:r>
+            <a:r>
+              <a:rPr lang="en-US" baseline="0" dirty="0" err="1" smtClean="0"/>
+              <a:t>báo</a:t>
+            </a:r>
+            <a:r>
+              <a:rPr lang="en-US" baseline="0" dirty="0" smtClean="0"/>
+              <a:t> </a:t>
+            </a:r>
+            <a:r>
+              <a:rPr lang="en-US" baseline="0" dirty="0" err="1" smtClean="0"/>
+              <a:t>hiện</a:t>
+            </a:r>
+            <a:r>
+              <a:rPr lang="en-US" baseline="0" dirty="0" smtClean="0"/>
+              <a:t> </a:t>
+            </a:r>
+            <a:r>
+              <a:rPr lang="en-US" baseline="0" dirty="0" err="1" smtClean="0"/>
+              <a:t>lên</a:t>
+            </a:r>
+            <a:endParaRPr lang="en-US" dirty="0"/>
+          </a:p>
+        </p:txBody>
+      </p:sp>
+      <p:sp>
+        <p:nvSpPr>
+          <p:cNvPr id="4" name="Slide Number Placeholder 3"/>
+          <p:cNvSpPr>
+            <a:spLocks noGrp="1"/>
+          </p:cNvSpPr>
+          <p:nvPr>
+            <p:ph type="sldNum" sz="quarter" idx="10"/>
+          </p:nvPr>
+        </p:nvSpPr>
+        <p:spPr/>
+        <p:txBody>
+          <a:bodyPr/>
+          <a:lstStyle/>
+          <a:p>
+            <a:fld id="{D8F4D0B3-74D8-494A-8A9D-528819ECFAA0}" type="slidenum">
+              <a:rPr lang="en-US" smtClean="0"/>
+              <a:t>7</a:t>
+            </a:fld>
+            <a:endParaRPr lang="en-US"/>
+          </a:p>
+        </p:txBody>
+      </p:sp>
+    </p:spTree>
+    <p:extLst>
+      <p:ext uri="{BB962C8B-B14F-4D97-AF65-F5344CB8AC3E}">
+        <p14:creationId xmlns:p14="http://schemas.microsoft.com/office/powerpoint/2010/main" val="1102977038"/>
+      </p:ext>
+    </p:extLst>
+  </p:cSld>
+  <p:clrMapOvr>
+    <a:masterClrMapping/>
+  </p:clrMapOvr>
+</p:notes>
+</file>
+
+<file path=ppt/notesSlides/notesSlide5.xml><?xml version="1.0" encoding="utf-8"?>
+<p:notes xmlns:a="http://schemas.openxmlformats.org/drawingml/2006/main" xmlns:r="http://schemas.openxmlformats.org/officeDocument/2006/relationships" xmlns:p="http://schemas.openxmlformats.org/presentationml/2006/main">
+  <p:cSld>
+    <p:spTree>
+      <p:nvGrpSpPr>
+        <p:cNvPr id="1" name=""/>
+        <p:cNvGrpSpPr/>
+        <p:nvPr/>
+      </p:nvGrpSpPr>
+      <p:grpSpPr>
+        <a:xfrm>
+          <a:off x="0" y="0"/>
+          <a:ext cx="0" cy="0"/>
+          <a:chOff x="0" y="0"/>
+          <a:chExt cx="0" cy="0"/>
+        </a:xfrm>
+      </p:grpSpPr>
+      <p:sp>
+        <p:nvSpPr>
+          <p:cNvPr id="2" name="Slide Image Placeholder 1"/>
+          <p:cNvSpPr>
+            <a:spLocks noGrp="1" noRot="1" noChangeAspect="1"/>
+          </p:cNvSpPr>
+          <p:nvPr>
+            <p:ph type="sldImg"/>
+          </p:nvPr>
+        </p:nvSpPr>
+        <p:spPr/>
+      </p:sp>
+      <p:sp>
+        <p:nvSpPr>
+          <p:cNvPr id="3" name="Notes Placeholder 2"/>
+          <p:cNvSpPr>
+            <a:spLocks noGrp="1"/>
+          </p:cNvSpPr>
+          <p:nvPr>
+            <p:ph type="body" idx="1"/>
+          </p:nvPr>
+        </p:nvSpPr>
+        <p:spPr/>
+        <p:txBody>
+          <a:bodyPr/>
+          <a:lstStyle/>
+          <a:p>
+            <a:r>
+              <a:rPr lang="en-US" dirty="0" err="1" smtClean="0"/>
+              <a:t>Giao</a:t>
+            </a:r>
+            <a:r>
+              <a:rPr lang="en-US" dirty="0" smtClean="0"/>
+              <a:t> </a:t>
+            </a:r>
+            <a:r>
+              <a:rPr lang="en-US" dirty="0" err="1" smtClean="0"/>
+              <a:t>diện</a:t>
+            </a:r>
+            <a:r>
+              <a:rPr lang="en-US" baseline="0" dirty="0" smtClean="0"/>
+              <a:t> </a:t>
+            </a:r>
+            <a:r>
+              <a:rPr lang="en-US" baseline="0" dirty="0" err="1" smtClean="0"/>
+              <a:t>thiết</a:t>
+            </a:r>
+            <a:r>
+              <a:rPr lang="en-US" baseline="0" dirty="0" smtClean="0"/>
+              <a:t> </a:t>
+            </a:r>
+            <a:r>
+              <a:rPr lang="en-US" baseline="0" dirty="0" err="1" smtClean="0"/>
+              <a:t>kế</a:t>
+            </a:r>
+            <a:r>
+              <a:rPr lang="en-US" baseline="0" dirty="0" smtClean="0"/>
+              <a:t> </a:t>
+            </a:r>
+            <a:r>
+              <a:rPr lang="en-US" baseline="0" dirty="0" err="1" smtClean="0"/>
+              <a:t>dựa</a:t>
+            </a:r>
+            <a:r>
+              <a:rPr lang="en-US" baseline="0" dirty="0" smtClean="0"/>
+              <a:t> </a:t>
+            </a:r>
+            <a:r>
+              <a:rPr lang="en-US" baseline="0" dirty="0" err="1" smtClean="0"/>
+              <a:t>trên</a:t>
+            </a:r>
+            <a:r>
+              <a:rPr lang="en-US" baseline="0" dirty="0" smtClean="0"/>
+              <a:t> </a:t>
+            </a:r>
+            <a:r>
+              <a:rPr lang="en-US" baseline="0" dirty="0" err="1" smtClean="0"/>
+              <a:t>cấu</a:t>
+            </a:r>
+            <a:r>
+              <a:rPr lang="en-US" baseline="0" dirty="0" smtClean="0"/>
+              <a:t> </a:t>
+            </a:r>
+            <a:r>
+              <a:rPr lang="en-US" baseline="0" dirty="0" err="1" smtClean="0"/>
+              <a:t>hình</a:t>
+            </a:r>
+            <a:r>
+              <a:rPr lang="en-US" baseline="0" dirty="0" smtClean="0"/>
+              <a:t> file </a:t>
+            </a:r>
+            <a:r>
+              <a:rPr lang="en-US" baseline="0" dirty="0" err="1" smtClean="0"/>
+              <a:t>giao</a:t>
+            </a:r>
+            <a:r>
+              <a:rPr lang="en-US" baseline="0" dirty="0" smtClean="0"/>
+              <a:t> </a:t>
+            </a:r>
+            <a:r>
+              <a:rPr lang="en-US" baseline="0" dirty="0" err="1" smtClean="0"/>
+              <a:t>diện</a:t>
+            </a:r>
+            <a:r>
+              <a:rPr lang="en-US" baseline="0" dirty="0" smtClean="0"/>
+              <a:t> xml </a:t>
+            </a:r>
+            <a:endParaRPr lang="en-US" dirty="0"/>
+          </a:p>
+        </p:txBody>
+      </p:sp>
+      <p:sp>
+        <p:nvSpPr>
+          <p:cNvPr id="4" name="Slide Number Placeholder 3"/>
+          <p:cNvSpPr>
+            <a:spLocks noGrp="1"/>
+          </p:cNvSpPr>
+          <p:nvPr>
+            <p:ph type="sldNum" sz="quarter" idx="10"/>
+          </p:nvPr>
+        </p:nvSpPr>
+        <p:spPr/>
+        <p:txBody>
+          <a:bodyPr/>
+          <a:lstStyle/>
+          <a:p>
+            <a:fld id="{D8F4D0B3-74D8-494A-8A9D-528819ECFAA0}" type="slidenum">
+              <a:rPr lang="en-US" smtClean="0"/>
+              <a:t>8</a:t>
+            </a:fld>
+            <a:endParaRPr lang="en-US"/>
+          </a:p>
+        </p:txBody>
+      </p:sp>
+    </p:spTree>
+    <p:extLst>
+      <p:ext uri="{BB962C8B-B14F-4D97-AF65-F5344CB8AC3E}">
+        <p14:creationId xmlns:p14="http://schemas.microsoft.com/office/powerpoint/2010/main" val="2743839019"/>
+      </p:ext>
+    </p:extLst>
+  </p:cSld>
+  <p:clrMapOvr>
+    <a:masterClrMapping/>
+  </p:clrMapOvr>
+</p:notes>
+</file>
+
+<file path=ppt/notesSlides/notesSlide6.xml><?xml version="1.0" encoding="utf-8"?>
+<p:notes xmlns:a="http://schemas.openxmlformats.org/drawingml/2006/main" xmlns:r="http://schemas.openxmlformats.org/officeDocument/2006/relationships" xmlns:p="http://schemas.openxmlformats.org/presentationml/2006/main">
+  <p:cSld>
+    <p:spTree>
+      <p:nvGrpSpPr>
+        <p:cNvPr id="1" name=""/>
+        <p:cNvGrpSpPr/>
+        <p:nvPr/>
+      </p:nvGrpSpPr>
+      <p:grpSpPr>
+        <a:xfrm>
+          <a:off x="0" y="0"/>
+          <a:ext cx="0" cy="0"/>
+          <a:chOff x="0" y="0"/>
+          <a:chExt cx="0" cy="0"/>
+        </a:xfrm>
+      </p:grpSpPr>
+      <p:sp>
+        <p:nvSpPr>
+          <p:cNvPr id="2" name="Slide Image Placeholder 1"/>
+          <p:cNvSpPr>
+            <a:spLocks noGrp="1" noRot="1" noChangeAspect="1"/>
+          </p:cNvSpPr>
+          <p:nvPr>
+            <p:ph type="sldImg"/>
+          </p:nvPr>
+        </p:nvSpPr>
+        <p:spPr/>
+      </p:sp>
+      <p:sp>
+        <p:nvSpPr>
+          <p:cNvPr id="3" name="Notes Placeholder 2"/>
+          <p:cNvSpPr>
+            <a:spLocks noGrp="1"/>
+          </p:cNvSpPr>
+          <p:nvPr>
+            <p:ph type="body" idx="1"/>
+          </p:nvPr>
+        </p:nvSpPr>
+        <p:spPr/>
+        <p:txBody>
+          <a:bodyPr/>
+          <a:lstStyle/>
+          <a:p>
+            <a:r>
+              <a:rPr lang="en-US" dirty="0" err="1" smtClean="0"/>
+              <a:t>Với</a:t>
+            </a:r>
+            <a:r>
+              <a:rPr lang="en-US" baseline="0" dirty="0" smtClean="0"/>
+              <a:t> </a:t>
+            </a:r>
+            <a:r>
+              <a:rPr lang="en-US" baseline="0" dirty="0" err="1" smtClean="0"/>
+              <a:t>việc</a:t>
+            </a:r>
+            <a:r>
+              <a:rPr lang="en-US" baseline="0" dirty="0" smtClean="0"/>
+              <a:t> </a:t>
+            </a:r>
+            <a:r>
+              <a:rPr lang="en-US" baseline="0" dirty="0" err="1" smtClean="0"/>
+              <a:t>sử</a:t>
+            </a:r>
+            <a:r>
+              <a:rPr lang="en-US" baseline="0" dirty="0" smtClean="0"/>
+              <a:t> </a:t>
+            </a:r>
+            <a:r>
+              <a:rPr lang="en-US" baseline="0" dirty="0" err="1" smtClean="0"/>
+              <a:t>dụng</a:t>
+            </a:r>
+            <a:r>
+              <a:rPr lang="en-US" baseline="0" dirty="0" smtClean="0"/>
+              <a:t> adapter </a:t>
+            </a:r>
+            <a:r>
+              <a:rPr lang="en-US" baseline="0" dirty="0" err="1" smtClean="0"/>
+              <a:t>và</a:t>
+            </a:r>
+            <a:r>
+              <a:rPr lang="en-US" baseline="0" dirty="0" smtClean="0"/>
+              <a:t> query </a:t>
+            </a:r>
+            <a:r>
+              <a:rPr lang="en-US" baseline="0" dirty="0" err="1" smtClean="0"/>
+              <a:t>dữ</a:t>
+            </a:r>
+            <a:r>
+              <a:rPr lang="en-US" baseline="0" dirty="0" smtClean="0"/>
+              <a:t> </a:t>
+            </a:r>
+            <a:r>
+              <a:rPr lang="en-US" baseline="0" dirty="0" err="1" smtClean="0"/>
+              <a:t>liệu</a:t>
+            </a:r>
+            <a:r>
+              <a:rPr lang="en-US" baseline="0" dirty="0" smtClean="0"/>
+              <a:t> </a:t>
+            </a:r>
+            <a:r>
+              <a:rPr lang="en-US" baseline="0" dirty="0" err="1" smtClean="0"/>
+              <a:t>từ</a:t>
+            </a:r>
+            <a:r>
+              <a:rPr lang="en-US" baseline="0" dirty="0" smtClean="0"/>
+              <a:t> </a:t>
+            </a:r>
+            <a:r>
+              <a:rPr lang="en-US" baseline="0" dirty="0" err="1" smtClean="0"/>
+              <a:t>sqlite</a:t>
+            </a:r>
+            <a:r>
+              <a:rPr lang="en-US" baseline="0" dirty="0" smtClean="0"/>
+              <a:t>, </a:t>
+            </a:r>
+            <a:r>
+              <a:rPr lang="en-US" baseline="0" dirty="0" err="1" smtClean="0"/>
+              <a:t>giao</a:t>
+            </a:r>
+            <a:r>
+              <a:rPr lang="en-US" baseline="0" dirty="0" smtClean="0"/>
+              <a:t> </a:t>
+            </a:r>
+            <a:r>
+              <a:rPr lang="en-US" baseline="0" dirty="0" err="1" smtClean="0"/>
+              <a:t>diện</a:t>
+            </a:r>
+            <a:r>
+              <a:rPr lang="en-US" baseline="0" dirty="0" smtClean="0"/>
+              <a:t> </a:t>
+            </a:r>
+            <a:r>
+              <a:rPr lang="en-US" baseline="0" dirty="0" err="1" smtClean="0"/>
+              <a:t>chính</a:t>
+            </a:r>
+            <a:r>
+              <a:rPr lang="en-US" baseline="0" dirty="0" smtClean="0"/>
+              <a:t> </a:t>
+            </a:r>
+            <a:r>
+              <a:rPr lang="en-US" baseline="0" dirty="0" err="1" smtClean="0"/>
+              <a:t>hiện</a:t>
+            </a:r>
+            <a:r>
+              <a:rPr lang="en-US" baseline="0" dirty="0" smtClean="0"/>
+              <a:t> </a:t>
+            </a:r>
+            <a:r>
+              <a:rPr lang="en-US" baseline="0" dirty="0" err="1" smtClean="0"/>
+              <a:t>danh</a:t>
+            </a:r>
+            <a:r>
+              <a:rPr lang="en-US" baseline="0" dirty="0" smtClean="0"/>
+              <a:t> </a:t>
+            </a:r>
+            <a:r>
+              <a:rPr lang="en-US" baseline="0" dirty="0" err="1" smtClean="0"/>
+              <a:t>sách</a:t>
+            </a:r>
+            <a:r>
+              <a:rPr lang="en-US" baseline="0" dirty="0" smtClean="0"/>
+              <a:t> </a:t>
+            </a:r>
+            <a:r>
+              <a:rPr lang="en-US" baseline="0" dirty="0" err="1" smtClean="0"/>
+              <a:t>ghi</a:t>
+            </a:r>
+            <a:r>
+              <a:rPr lang="en-US" baseline="0" dirty="0" smtClean="0"/>
+              <a:t> </a:t>
+            </a:r>
+            <a:r>
+              <a:rPr lang="en-US" baseline="0" dirty="0" err="1" smtClean="0"/>
+              <a:t>chú</a:t>
+            </a:r>
+            <a:r>
+              <a:rPr lang="en-US" baseline="0" dirty="0" smtClean="0"/>
+              <a:t> </a:t>
+            </a:r>
+            <a:r>
+              <a:rPr lang="en-US" baseline="0" dirty="0" err="1" smtClean="0"/>
+              <a:t>đã</a:t>
+            </a:r>
+            <a:r>
+              <a:rPr lang="en-US" baseline="0" dirty="0" smtClean="0"/>
+              <a:t> </a:t>
+            </a:r>
+            <a:r>
+              <a:rPr lang="en-US" baseline="0" dirty="0" err="1" smtClean="0"/>
+              <a:t>lưu</a:t>
+            </a:r>
+            <a:r>
+              <a:rPr lang="en-US" baseline="0" dirty="0" smtClean="0"/>
+              <a:t> </a:t>
+            </a:r>
+            <a:r>
+              <a:rPr lang="en-US" baseline="0" dirty="0" err="1" smtClean="0"/>
+              <a:t>cũng</a:t>
+            </a:r>
+            <a:r>
+              <a:rPr lang="en-US" baseline="0" dirty="0" smtClean="0"/>
+              <a:t> </a:t>
+            </a:r>
+            <a:r>
+              <a:rPr lang="en-US" baseline="0" dirty="0" err="1" smtClean="0"/>
+              <a:t>như</a:t>
+            </a:r>
+            <a:r>
+              <a:rPr lang="en-US" baseline="0" dirty="0" smtClean="0"/>
+              <a:t> </a:t>
+            </a:r>
+            <a:r>
+              <a:rPr lang="en-US" baseline="0" dirty="0" err="1" smtClean="0"/>
+              <a:t>các</a:t>
+            </a:r>
+            <a:r>
+              <a:rPr lang="en-US" baseline="0" dirty="0" smtClean="0"/>
+              <a:t> </a:t>
+            </a:r>
+            <a:r>
+              <a:rPr lang="en-US" baseline="0" dirty="0" err="1" smtClean="0"/>
+              <a:t>nút</a:t>
+            </a:r>
+            <a:r>
+              <a:rPr lang="en-US" baseline="0" dirty="0" smtClean="0"/>
+              <a:t> </a:t>
+            </a:r>
+            <a:r>
+              <a:rPr lang="en-US" baseline="0" dirty="0" err="1" smtClean="0"/>
+              <a:t>chức</a:t>
+            </a:r>
+            <a:r>
+              <a:rPr lang="en-US" baseline="0" dirty="0" smtClean="0"/>
+              <a:t> </a:t>
+            </a:r>
+            <a:r>
+              <a:rPr lang="en-US" baseline="0" dirty="0" err="1" smtClean="0"/>
+              <a:t>năng</a:t>
+            </a:r>
+            <a:endParaRPr lang="en-US" dirty="0"/>
+          </a:p>
+        </p:txBody>
+      </p:sp>
+      <p:sp>
+        <p:nvSpPr>
+          <p:cNvPr id="4" name="Slide Number Placeholder 3"/>
+          <p:cNvSpPr>
+            <a:spLocks noGrp="1"/>
+          </p:cNvSpPr>
+          <p:nvPr>
+            <p:ph type="sldNum" sz="quarter" idx="10"/>
+          </p:nvPr>
+        </p:nvSpPr>
+        <p:spPr/>
+        <p:txBody>
+          <a:bodyPr/>
+          <a:lstStyle/>
+          <a:p>
+            <a:fld id="{D8F4D0B3-74D8-494A-8A9D-528819ECFAA0}" type="slidenum">
+              <a:rPr lang="en-US" smtClean="0"/>
+              <a:t>11</a:t>
+            </a:fld>
+            <a:endParaRPr lang="en-US"/>
+          </a:p>
+        </p:txBody>
+      </p:sp>
+    </p:spTree>
+    <p:extLst>
+      <p:ext uri="{BB962C8B-B14F-4D97-AF65-F5344CB8AC3E}">
+        <p14:creationId xmlns:p14="http://schemas.microsoft.com/office/powerpoint/2010/main" val="3924279292"/>
+      </p:ext>
+    </p:extLst>
+  </p:cSld>
+  <p:clrMapOvr>
+    <a:masterClrMapping/>
+  </p:clrMapOvr>
+</p:notes>
+</file>
+
+<file path=ppt/notesSlides/notesSlide7.xml><?xml version="1.0" encoding="utf-8"?>
+<p:notes xmlns:a="http://schemas.openxmlformats.org/drawingml/2006/main" xmlns:r="http://schemas.openxmlformats.org/officeDocument/2006/relationships" xmlns:p="http://schemas.openxmlformats.org/presentationml/2006/main">
+  <p:cSld>
+    <p:spTree>
+      <p:nvGrpSpPr>
+        <p:cNvPr id="1" name=""/>
+        <p:cNvGrpSpPr/>
+        <p:nvPr/>
+      </p:nvGrpSpPr>
+      <p:grpSpPr>
+        <a:xfrm>
+          <a:off x="0" y="0"/>
+          <a:ext cx="0" cy="0"/>
+          <a:chOff x="0" y="0"/>
+          <a:chExt cx="0" cy="0"/>
+        </a:xfrm>
+      </p:grpSpPr>
+      <p:sp>
+        <p:nvSpPr>
+          <p:cNvPr id="2" name="Slide Image Placeholder 1"/>
+          <p:cNvSpPr>
+            <a:spLocks noGrp="1" noRot="1" noChangeAspect="1"/>
+          </p:cNvSpPr>
+          <p:nvPr>
+            <p:ph type="sldImg"/>
+          </p:nvPr>
+        </p:nvSpPr>
+        <p:spPr/>
+      </p:sp>
+      <p:sp>
+        <p:nvSpPr>
+          <p:cNvPr id="3" name="Notes Placeholder 2"/>
+          <p:cNvSpPr>
+            <a:spLocks noGrp="1"/>
+          </p:cNvSpPr>
+          <p:nvPr>
+            <p:ph type="body" idx="1"/>
+          </p:nvPr>
+        </p:nvSpPr>
+        <p:spPr/>
+        <p:txBody>
+          <a:bodyPr/>
+          <a:lstStyle/>
+          <a:p>
+            <a:r>
+              <a:rPr lang="en-US" dirty="0" err="1" smtClean="0"/>
+              <a:t>Việc</a:t>
+            </a:r>
+            <a:r>
+              <a:rPr lang="en-US" baseline="0" dirty="0" smtClean="0"/>
+              <a:t> </a:t>
+            </a:r>
+            <a:r>
+              <a:rPr lang="en-US" baseline="0" dirty="0" err="1" smtClean="0"/>
+              <a:t>chạm</a:t>
+            </a:r>
+            <a:r>
+              <a:rPr lang="en-US" baseline="0" dirty="0" smtClean="0"/>
+              <a:t> </a:t>
+            </a:r>
+            <a:r>
+              <a:rPr lang="en-US" baseline="0" dirty="0" err="1" smtClean="0"/>
+              <a:t>vào</a:t>
+            </a:r>
+            <a:r>
+              <a:rPr lang="en-US" baseline="0" dirty="0" smtClean="0"/>
+              <a:t> </a:t>
+            </a:r>
+            <a:r>
+              <a:rPr lang="en-US" baseline="0" dirty="0" err="1" smtClean="0"/>
+              <a:t>nút</a:t>
+            </a:r>
+            <a:r>
+              <a:rPr lang="en-US" baseline="0" dirty="0" smtClean="0"/>
+              <a:t> </a:t>
+            </a:r>
+            <a:r>
+              <a:rPr lang="en-US" baseline="0" dirty="0" err="1" smtClean="0"/>
+              <a:t>chức</a:t>
+            </a:r>
+            <a:r>
+              <a:rPr lang="en-US" baseline="0" dirty="0" smtClean="0"/>
+              <a:t> </a:t>
+            </a:r>
+            <a:r>
+              <a:rPr lang="en-US" baseline="0" dirty="0" err="1" smtClean="0"/>
+              <a:t>năng</a:t>
+            </a:r>
+            <a:r>
+              <a:rPr lang="en-US" baseline="0" dirty="0" smtClean="0"/>
+              <a:t> </a:t>
+            </a:r>
+            <a:r>
+              <a:rPr lang="en-US" baseline="0" dirty="0" err="1" smtClean="0"/>
+              <a:t>chuyển</a:t>
+            </a:r>
+            <a:r>
+              <a:rPr lang="en-US" baseline="0" dirty="0" smtClean="0"/>
+              <a:t> view, </a:t>
+            </a:r>
+            <a:r>
+              <a:rPr lang="en-US" baseline="0" dirty="0" err="1" smtClean="0"/>
+              <a:t>và</a:t>
+            </a:r>
+            <a:r>
+              <a:rPr lang="en-US" baseline="0" dirty="0" smtClean="0"/>
+              <a:t> load </a:t>
+            </a:r>
+            <a:r>
+              <a:rPr lang="en-US" baseline="0" dirty="0" err="1" smtClean="0"/>
+              <a:t>lại</a:t>
+            </a:r>
+            <a:r>
+              <a:rPr lang="en-US" baseline="0" dirty="0" smtClean="0"/>
+              <a:t> </a:t>
+            </a:r>
+            <a:r>
+              <a:rPr lang="en-US" baseline="0" dirty="0" err="1" smtClean="0"/>
+              <a:t>dữ</a:t>
+            </a:r>
+            <a:r>
+              <a:rPr lang="en-US" baseline="0" dirty="0" smtClean="0"/>
+              <a:t> </a:t>
+            </a:r>
+            <a:r>
+              <a:rPr lang="en-US" baseline="0" dirty="0" err="1" smtClean="0"/>
+              <a:t>liệu</a:t>
+            </a:r>
+            <a:r>
+              <a:rPr lang="en-US" baseline="0" dirty="0" smtClean="0"/>
+              <a:t> </a:t>
+            </a:r>
+            <a:r>
+              <a:rPr lang="en-US" baseline="0" dirty="0" err="1" smtClean="0"/>
+              <a:t>với</a:t>
+            </a:r>
+            <a:r>
+              <a:rPr lang="en-US" baseline="0" dirty="0" smtClean="0"/>
+              <a:t> adapter  </a:t>
+            </a:r>
+            <a:r>
+              <a:rPr lang="en-US" baseline="0" dirty="0" err="1" smtClean="0"/>
+              <a:t>khác</a:t>
+            </a:r>
+            <a:r>
+              <a:rPr lang="en-US" baseline="0" dirty="0" smtClean="0"/>
+              <a:t> </a:t>
+            </a:r>
+            <a:r>
+              <a:rPr lang="en-US" baseline="0" dirty="0" err="1" smtClean="0"/>
+              <a:t>chúng</a:t>
+            </a:r>
+            <a:r>
+              <a:rPr lang="en-US" baseline="0" dirty="0" smtClean="0"/>
+              <a:t> ta </a:t>
+            </a:r>
+            <a:r>
+              <a:rPr lang="en-US" baseline="0" dirty="0" err="1" smtClean="0"/>
+              <a:t>sẽ</a:t>
+            </a:r>
+            <a:r>
+              <a:rPr lang="en-US" baseline="0" dirty="0" smtClean="0"/>
+              <a:t> </a:t>
+            </a:r>
+            <a:r>
+              <a:rPr lang="en-US" baseline="0" dirty="0" err="1" smtClean="0"/>
+              <a:t>thấy</a:t>
+            </a:r>
+            <a:r>
+              <a:rPr lang="en-US" baseline="0" dirty="0" smtClean="0"/>
+              <a:t> </a:t>
+            </a:r>
+            <a:r>
+              <a:rPr lang="en-US" baseline="0" dirty="0" err="1" smtClean="0"/>
+              <a:t>giao</a:t>
+            </a:r>
+            <a:r>
+              <a:rPr lang="en-US" baseline="0" dirty="0" smtClean="0"/>
+              <a:t> </a:t>
+            </a:r>
+            <a:r>
+              <a:rPr lang="en-US" baseline="0" dirty="0" err="1" smtClean="0"/>
+              <a:t>diện</a:t>
+            </a:r>
+            <a:r>
+              <a:rPr lang="en-US" baseline="0" dirty="0" smtClean="0"/>
+              <a:t> </a:t>
+            </a:r>
+            <a:r>
+              <a:rPr lang="en-US" baseline="0" dirty="0" err="1" smtClean="0"/>
+              <a:t>thay</a:t>
+            </a:r>
+            <a:r>
+              <a:rPr lang="en-US" baseline="0" dirty="0" smtClean="0"/>
+              <a:t> </a:t>
+            </a:r>
+            <a:r>
+              <a:rPr lang="en-US" baseline="0" dirty="0" err="1" smtClean="0"/>
+              <a:t>đổi</a:t>
+            </a:r>
+            <a:r>
+              <a:rPr lang="en-US" baseline="0" dirty="0" smtClean="0"/>
+              <a:t> </a:t>
+            </a:r>
+            <a:endParaRPr lang="en-US" dirty="0"/>
+          </a:p>
+        </p:txBody>
+      </p:sp>
+      <p:sp>
+        <p:nvSpPr>
+          <p:cNvPr id="4" name="Slide Number Placeholder 3"/>
+          <p:cNvSpPr>
+            <a:spLocks noGrp="1"/>
+          </p:cNvSpPr>
+          <p:nvPr>
+            <p:ph type="sldNum" sz="quarter" idx="10"/>
+          </p:nvPr>
+        </p:nvSpPr>
+        <p:spPr/>
+        <p:txBody>
+          <a:bodyPr/>
+          <a:lstStyle/>
+          <a:p>
+            <a:fld id="{D8F4D0B3-74D8-494A-8A9D-528819ECFAA0}" type="slidenum">
+              <a:rPr lang="en-US" smtClean="0"/>
+              <a:t>12</a:t>
+            </a:fld>
+            <a:endParaRPr lang="en-US"/>
+          </a:p>
+        </p:txBody>
+      </p:sp>
+    </p:spTree>
+    <p:extLst>
+      <p:ext uri="{BB962C8B-B14F-4D97-AF65-F5344CB8AC3E}">
+        <p14:creationId xmlns:p14="http://schemas.microsoft.com/office/powerpoint/2010/main" val="3015981322"/>
+      </p:ext>
+    </p:extLst>
+  </p:cSld>
+  <p:clrMapOvr>
+    <a:masterClrMapping/>
+  </p:clrMapOvr>
+</p:notes>
+</file>
+
+<file path=ppt/notesSlides/notesSlide8.xml><?xml version="1.0" encoding="utf-8"?>
+<p:notes xmlns:a="http://schemas.openxmlformats.org/drawingml/2006/main" xmlns:r="http://schemas.openxmlformats.org/officeDocument/2006/relationships" xmlns:p="http://schemas.openxmlformats.org/presentationml/2006/main">
+  <p:cSld>
+    <p:spTree>
+      <p:nvGrpSpPr>
+        <p:cNvPr id="1" name=""/>
+        <p:cNvGrpSpPr/>
+        <p:nvPr/>
+      </p:nvGrpSpPr>
+      <p:grpSpPr>
+        <a:xfrm>
+          <a:off x="0" y="0"/>
+          <a:ext cx="0" cy="0"/>
+          <a:chOff x="0" y="0"/>
+          <a:chExt cx="0" cy="0"/>
+        </a:xfrm>
+      </p:grpSpPr>
+      <p:sp>
+        <p:nvSpPr>
+          <p:cNvPr id="2" name="Slide Image Placeholder 1"/>
+          <p:cNvSpPr>
+            <a:spLocks noGrp="1" noRot="1" noChangeAspect="1"/>
+          </p:cNvSpPr>
+          <p:nvPr>
+            <p:ph type="sldImg"/>
+          </p:nvPr>
+        </p:nvSpPr>
+        <p:spPr/>
+      </p:sp>
+      <p:sp>
+        <p:nvSpPr>
+          <p:cNvPr id="3" name="Notes Placeholder 2"/>
+          <p:cNvSpPr>
+            <a:spLocks noGrp="1"/>
+          </p:cNvSpPr>
+          <p:nvPr>
+            <p:ph type="body" idx="1"/>
+          </p:nvPr>
+        </p:nvSpPr>
+        <p:spPr/>
+        <p:txBody>
+          <a:bodyPr/>
+          <a:lstStyle/>
+          <a:p>
+            <a:r>
+              <a:rPr lang="en-US" dirty="0" err="1" smtClean="0"/>
+              <a:t>Việc</a:t>
+            </a:r>
+            <a:r>
+              <a:rPr lang="en-US" baseline="0" dirty="0" smtClean="0"/>
+              <a:t> </a:t>
+            </a:r>
+            <a:r>
+              <a:rPr lang="en-US" baseline="0" dirty="0" err="1" smtClean="0"/>
+              <a:t>cài</a:t>
+            </a:r>
+            <a:r>
+              <a:rPr lang="en-US" baseline="0" dirty="0" smtClean="0"/>
+              <a:t> </a:t>
+            </a:r>
+            <a:r>
+              <a:rPr lang="en-US" baseline="0" dirty="0" err="1" smtClean="0"/>
+              <a:t>đặt</a:t>
+            </a:r>
+            <a:r>
+              <a:rPr lang="en-US" baseline="0" dirty="0" smtClean="0"/>
+              <a:t> </a:t>
+            </a:r>
+            <a:r>
+              <a:rPr lang="en-US" baseline="0" dirty="0" err="1" smtClean="0"/>
+              <a:t>tìm</a:t>
+            </a:r>
+            <a:r>
+              <a:rPr lang="en-US" baseline="0" dirty="0" smtClean="0"/>
+              <a:t> </a:t>
+            </a:r>
+            <a:r>
+              <a:rPr lang="en-US" baseline="0" dirty="0" err="1" smtClean="0"/>
+              <a:t>kiếm</a:t>
+            </a:r>
+            <a:r>
+              <a:rPr lang="en-US" baseline="0" dirty="0" smtClean="0"/>
+              <a:t> </a:t>
+            </a:r>
+            <a:r>
+              <a:rPr lang="en-US" baseline="0" dirty="0" err="1" smtClean="0"/>
+              <a:t>sử</a:t>
+            </a:r>
+            <a:r>
+              <a:rPr lang="en-US" baseline="0" dirty="0" smtClean="0"/>
+              <a:t> </a:t>
+            </a:r>
+            <a:r>
+              <a:rPr lang="en-US" baseline="0" dirty="0" err="1" smtClean="0"/>
+              <a:t>dụng</a:t>
+            </a:r>
+            <a:r>
+              <a:rPr lang="en-US" baseline="0" dirty="0" smtClean="0"/>
+              <a:t> adapter filter </a:t>
+            </a:r>
+            <a:r>
+              <a:rPr lang="en-US" baseline="0" dirty="0" err="1" smtClean="0"/>
+              <a:t>để</a:t>
+            </a:r>
+            <a:r>
+              <a:rPr lang="en-US" baseline="0" dirty="0" smtClean="0"/>
+              <a:t> </a:t>
+            </a:r>
+            <a:r>
+              <a:rPr lang="en-US" baseline="0" dirty="0" err="1" smtClean="0"/>
+              <a:t>khỏi</a:t>
+            </a:r>
+            <a:r>
+              <a:rPr lang="en-US" baseline="0" dirty="0" smtClean="0"/>
+              <a:t> </a:t>
+            </a:r>
+            <a:r>
+              <a:rPr lang="en-US" baseline="0" dirty="0" err="1" smtClean="0"/>
+              <a:t>phải</a:t>
+            </a:r>
+            <a:r>
+              <a:rPr lang="en-US" baseline="0" dirty="0" smtClean="0"/>
+              <a:t> query </a:t>
+            </a:r>
+            <a:r>
+              <a:rPr lang="en-US" baseline="0" dirty="0" err="1" smtClean="0"/>
+              <a:t>lại</a:t>
+            </a:r>
+            <a:r>
+              <a:rPr lang="en-US" baseline="0" dirty="0" smtClean="0"/>
+              <a:t> </a:t>
+            </a:r>
+            <a:r>
+              <a:rPr lang="en-US" baseline="0" dirty="0" err="1" smtClean="0"/>
+              <a:t>dữ</a:t>
+            </a:r>
+            <a:r>
+              <a:rPr lang="en-US" baseline="0" dirty="0" smtClean="0"/>
+              <a:t> </a:t>
+            </a:r>
+            <a:r>
+              <a:rPr lang="en-US" baseline="0" dirty="0" err="1" smtClean="0"/>
+              <a:t>liệu</a:t>
+            </a:r>
+            <a:r>
+              <a:rPr lang="en-US" baseline="0" dirty="0" smtClean="0"/>
+              <a:t> </a:t>
+            </a:r>
+            <a:r>
+              <a:rPr lang="en-US" baseline="0" dirty="0" err="1" smtClean="0"/>
+              <a:t>từ</a:t>
+            </a:r>
+            <a:r>
+              <a:rPr lang="en-US" baseline="0" dirty="0" smtClean="0"/>
+              <a:t> SQLite</a:t>
+            </a:r>
+            <a:endParaRPr lang="en-US" dirty="0"/>
+          </a:p>
+        </p:txBody>
+      </p:sp>
+      <p:sp>
+        <p:nvSpPr>
+          <p:cNvPr id="4" name="Slide Number Placeholder 3"/>
+          <p:cNvSpPr>
+            <a:spLocks noGrp="1"/>
+          </p:cNvSpPr>
+          <p:nvPr>
+            <p:ph type="sldNum" sz="quarter" idx="10"/>
+          </p:nvPr>
+        </p:nvSpPr>
+        <p:spPr/>
+        <p:txBody>
+          <a:bodyPr/>
+          <a:lstStyle/>
+          <a:p>
+            <a:fld id="{D8F4D0B3-74D8-494A-8A9D-528819ECFAA0}" type="slidenum">
+              <a:rPr lang="en-US" smtClean="0"/>
+              <a:t>13</a:t>
+            </a:fld>
+            <a:endParaRPr lang="en-US"/>
+          </a:p>
+        </p:txBody>
+      </p:sp>
+    </p:spTree>
+    <p:extLst>
+      <p:ext uri="{BB962C8B-B14F-4D97-AF65-F5344CB8AC3E}">
+        <p14:creationId xmlns:p14="http://schemas.microsoft.com/office/powerpoint/2010/main" val="2114474307"/>
+      </p:ext>
+    </p:extLst>
+  </p:cSld>
+  <p:clrMapOvr>
+    <a:masterClrMapping/>
+  </p:clrMapOvr>
+</p:notes>
+</file>
+
+<file path=ppt/notesSlides/notesSlide9.xml><?xml version="1.0" encoding="utf-8"?>
+<p:notes xmlns:a="http://schemas.openxmlformats.org/drawingml/2006/main" xmlns:r="http://schemas.openxmlformats.org/officeDocument/2006/relationships" xmlns:p="http://schemas.openxmlformats.org/presentationml/2006/main">
+  <p:cSld>
+    <p:spTree>
+      <p:nvGrpSpPr>
+        <p:cNvPr id="1" name=""/>
+        <p:cNvGrpSpPr/>
+        <p:nvPr/>
+      </p:nvGrpSpPr>
+      <p:grpSpPr>
+        <a:xfrm>
+          <a:off x="0" y="0"/>
+          <a:ext cx="0" cy="0"/>
+          <a:chOff x="0" y="0"/>
+          <a:chExt cx="0" cy="0"/>
+        </a:xfrm>
+      </p:grpSpPr>
+      <p:sp>
+        <p:nvSpPr>
+          <p:cNvPr id="2" name="Slide Image Placeholder 1"/>
+          <p:cNvSpPr>
+            <a:spLocks noGrp="1" noRot="1" noChangeAspect="1"/>
+          </p:cNvSpPr>
+          <p:nvPr>
+            <p:ph type="sldImg"/>
+          </p:nvPr>
+        </p:nvSpPr>
+        <p:spPr/>
+      </p:sp>
+      <p:sp>
+        <p:nvSpPr>
+          <p:cNvPr id="3" name="Notes Placeholder 2"/>
+          <p:cNvSpPr>
+            <a:spLocks noGrp="1"/>
+          </p:cNvSpPr>
+          <p:nvPr>
+            <p:ph type="body" idx="1"/>
+          </p:nvPr>
+        </p:nvSpPr>
+        <p:spPr/>
+        <p:txBody>
+          <a:bodyPr/>
+          <a:lstStyle/>
+          <a:p>
+            <a:r>
+              <a:rPr lang="en-US" dirty="0" err="1" smtClean="0"/>
+              <a:t>Các</a:t>
+            </a:r>
+            <a:r>
+              <a:rPr lang="en-US" baseline="0" dirty="0" smtClean="0"/>
+              <a:t> adapter </a:t>
+            </a:r>
+            <a:r>
+              <a:rPr lang="en-US" baseline="0" dirty="0" err="1" smtClean="0"/>
+              <a:t>sẽ</a:t>
+            </a:r>
+            <a:r>
+              <a:rPr lang="en-US" baseline="0" dirty="0" smtClean="0"/>
+              <a:t> load </a:t>
+            </a:r>
+            <a:r>
+              <a:rPr lang="en-US" baseline="0" dirty="0" err="1" smtClean="0"/>
+              <a:t>giao</a:t>
+            </a:r>
+            <a:r>
+              <a:rPr lang="en-US" baseline="0" dirty="0" smtClean="0"/>
+              <a:t> </a:t>
+            </a:r>
+            <a:r>
+              <a:rPr lang="en-US" baseline="0" dirty="0" err="1" smtClean="0"/>
+              <a:t>diện</a:t>
+            </a:r>
+            <a:r>
+              <a:rPr lang="en-US" baseline="0" dirty="0" smtClean="0"/>
+              <a:t> </a:t>
+            </a:r>
+            <a:r>
+              <a:rPr lang="en-US" baseline="0" dirty="0" err="1" smtClean="0"/>
+              <a:t>được</a:t>
+            </a:r>
+            <a:r>
+              <a:rPr lang="en-US" baseline="0" dirty="0" smtClean="0"/>
+              <a:t> </a:t>
+            </a:r>
+            <a:r>
+              <a:rPr lang="en-US" baseline="0" dirty="0" err="1" smtClean="0"/>
+              <a:t>cấu</a:t>
+            </a:r>
+            <a:r>
+              <a:rPr lang="en-US" baseline="0" dirty="0" smtClean="0"/>
+              <a:t> </a:t>
+            </a:r>
+            <a:r>
+              <a:rPr lang="en-US" baseline="0" dirty="0" err="1" smtClean="0"/>
+              <a:t>hình</a:t>
+            </a:r>
+            <a:r>
+              <a:rPr lang="en-US" baseline="0" dirty="0" smtClean="0"/>
+              <a:t> </a:t>
+            </a:r>
+            <a:r>
+              <a:rPr lang="en-US" baseline="0" dirty="0" err="1" smtClean="0"/>
+              <a:t>trong</a:t>
+            </a:r>
+            <a:r>
+              <a:rPr lang="en-US" baseline="0" dirty="0" smtClean="0"/>
+              <a:t> file </a:t>
+            </a:r>
+            <a:r>
+              <a:rPr lang="en-US" baseline="0" dirty="0" err="1" smtClean="0"/>
+              <a:t>cấu</a:t>
+            </a:r>
+            <a:r>
+              <a:rPr lang="en-US" baseline="0" dirty="0" smtClean="0"/>
+              <a:t> </a:t>
+            </a:r>
+            <a:r>
+              <a:rPr lang="en-US" baseline="0" dirty="0" err="1" smtClean="0"/>
+              <a:t>hình</a:t>
+            </a:r>
+            <a:r>
+              <a:rPr lang="en-US" baseline="0" dirty="0" smtClean="0"/>
+              <a:t> </a:t>
+            </a:r>
+            <a:r>
+              <a:rPr lang="en-US" baseline="0" dirty="0" err="1" smtClean="0"/>
+              <a:t>giao</a:t>
+            </a:r>
+            <a:r>
+              <a:rPr lang="en-US" baseline="0" dirty="0" smtClean="0"/>
+              <a:t> </a:t>
+            </a:r>
+            <a:r>
+              <a:rPr lang="en-US" baseline="0" dirty="0" err="1" smtClean="0"/>
+              <a:t>diện</a:t>
+            </a:r>
+            <a:r>
+              <a:rPr lang="en-US" baseline="0" dirty="0" smtClean="0"/>
+              <a:t> xml </a:t>
+            </a:r>
+            <a:r>
+              <a:rPr lang="en-US" baseline="0" dirty="0" err="1" smtClean="0"/>
+              <a:t>tương</a:t>
+            </a:r>
+            <a:r>
+              <a:rPr lang="en-US" baseline="0" dirty="0" smtClean="0"/>
+              <a:t> </a:t>
+            </a:r>
+            <a:r>
+              <a:rPr lang="en-US" baseline="0" dirty="0" err="1" smtClean="0"/>
+              <a:t>ứng</a:t>
+            </a:r>
+            <a:endParaRPr lang="en-US" dirty="0"/>
+          </a:p>
+        </p:txBody>
+      </p:sp>
+      <p:sp>
+        <p:nvSpPr>
+          <p:cNvPr id="4" name="Slide Number Placeholder 3"/>
+          <p:cNvSpPr>
+            <a:spLocks noGrp="1"/>
+          </p:cNvSpPr>
+          <p:nvPr>
+            <p:ph type="sldNum" sz="quarter" idx="10"/>
+          </p:nvPr>
+        </p:nvSpPr>
+        <p:spPr/>
+        <p:txBody>
+          <a:bodyPr/>
+          <a:lstStyle/>
+          <a:p>
+            <a:fld id="{D8F4D0B3-74D8-494A-8A9D-528819ECFAA0}" type="slidenum">
+              <a:rPr lang="en-US" smtClean="0"/>
+              <a:t>15</a:t>
+            </a:fld>
+            <a:endParaRPr lang="en-US"/>
+          </a:p>
+        </p:txBody>
+      </p:sp>
+    </p:spTree>
+    <p:extLst>
+      <p:ext uri="{BB962C8B-B14F-4D97-AF65-F5344CB8AC3E}">
+        <p14:creationId xmlns:p14="http://schemas.microsoft.com/office/powerpoint/2010/main" val="378705947"/>
+      </p:ext>
+    </p:extLst>
+  </p:cSld>
+  <p:clrMapOvr>
+    <a:masterClrMapping/>
+  </p:clrMapOvr>
+</p:notes>
+</file>
+
 <file path=ppt/slideLayouts/slideLayout1.xml><?xml version="1.0" encoding="utf-8"?>
 <p:sldLayout xmlns:a="http://schemas.openxmlformats.org/drawingml/2006/main" xmlns:r="http://schemas.openxmlformats.org/officeDocument/2006/relationships" xmlns:p="http://schemas.openxmlformats.org/presentationml/2006/main" showMasterSp="0" type="title" preserve="1">
   <p:cSld name="Title Slide">
@@ -851,7 +3545,7 @@
           <a:p>
             <a:fld id="{99F266A1-A384-4047-B0AF-32F24A57C403}" type="datetime1">
               <a:rPr lang="en-US" smtClean="0"/>
-              <a:t>12/29/2015</a:t>
+              <a:t>1/6/2016</a:t>
             </a:fld>
             <a:endParaRPr lang="en-US"/>
           </a:p>
@@ -1046,7 +3740,7 @@
           <a:p>
             <a:fld id="{5478140A-FCCC-4A88-B2B4-427043C232B6}" type="datetime1">
               <a:rPr lang="en-US" smtClean="0"/>
-              <a:t>12/29/2015</a:t>
+              <a:t>1/6/2016</a:t>
             </a:fld>
             <a:endParaRPr lang="en-US"/>
           </a:p>
@@ -1247,7 +3941,7 @@
             <a:fld id="{757EEB5B-71C9-44B2-BDDD-CD7AEB474150}" type="datetime1">
               <a:rPr lang="en-US" smtClean="0"/>
               <a:pPr/>
-              <a:t>12/29/2015</a:t>
+              <a:t>1/6/2016</a:t>
             </a:fld>
             <a:endParaRPr lang="en-US" dirty="0"/>
           </a:p>
@@ -1517,7 +4211,7 @@
           <a:p>
             <a:fld id="{00A95821-A266-4A82-A0E3-6601523D4481}" type="datetime1">
               <a:rPr lang="en-US" smtClean="0"/>
-              <a:t>12/29/2015</a:t>
+              <a:t>1/6/2016</a:t>
             </a:fld>
             <a:endParaRPr lang="en-US"/>
           </a:p>
@@ -1813,7 +4507,7 @@
           <a:p>
             <a:fld id="{C2BA552F-26F9-4241-8B8D-59BDDB1539FF}" type="datetime1">
               <a:rPr lang="en-US" smtClean="0"/>
-              <a:t>12/29/2015</a:t>
+              <a:t>1/6/2016</a:t>
             </a:fld>
             <a:endParaRPr lang="en-US"/>
           </a:p>
@@ -2249,7 +4943,7 @@
           <a:p>
             <a:fld id="{D6EED506-2E2F-458F-B10D-BB6775FCE25F}" type="datetime1">
               <a:rPr lang="en-US" smtClean="0"/>
-              <a:t>12/29/2015</a:t>
+              <a:t>1/6/2016</a:t>
             </a:fld>
             <a:endParaRPr lang="en-US"/>
           </a:p>
@@ -2380,7 +5074,7 @@
           <a:p>
             <a:fld id="{72664905-B1CD-4D5B-AF9E-52854CF892C4}" type="datetime1">
               <a:rPr lang="en-US" smtClean="0"/>
-              <a:t>12/29/2015</a:t>
+              <a:t>1/6/2016</a:t>
             </a:fld>
             <a:endParaRPr lang="en-US"/>
           </a:p>
@@ -2488,7 +5182,7 @@
           <a:p>
             <a:fld id="{95C2E03D-677C-45E8-A863-5D3635C86927}" type="datetime1">
               <a:rPr lang="en-US" smtClean="0"/>
-              <a:t>12/29/2015</a:t>
+              <a:t>1/6/2016</a:t>
             </a:fld>
             <a:endParaRPr lang="en-US"/>
           </a:p>
@@ -2762,7 +5456,7 @@
           <a:p>
             <a:fld id="{A8FAE27D-8FC8-4606-BC7C-32645CC6B67C}" type="datetime1">
               <a:rPr lang="en-US" smtClean="0"/>
-              <a:t>12/29/2015</a:t>
+              <a:t>1/6/2016</a:t>
             </a:fld>
             <a:endParaRPr lang="en-US"/>
           </a:p>
@@ -3131,7 +5825,7 @@
           <a:p>
             <a:fld id="{3BB4EC30-D2A2-4148-89EA-F21CC26554F7}" type="datetime1">
               <a:rPr lang="en-US" smtClean="0"/>
-              <a:t>12/29/2015</a:t>
+              <a:t>1/6/2016</a:t>
             </a:fld>
             <a:endParaRPr lang="en-US"/>
           </a:p>
@@ -3491,7 +6185,7 @@
           <a:p>
             <a:fld id="{1D8BBDF7-3817-4E06-BCE6-6201650DEFC6}" type="datetime1">
               <a:rPr lang="en-US" smtClean="0"/>
-              <a:t>12/29/2015</a:t>
+              <a:t>1/6/2016</a:t>
             </a:fld>
             <a:endParaRPr lang="en-US" dirty="0"/>
           </a:p>
@@ -4666,7 +7360,7 @@
           <a:p>
             <a:fld id="{46F261CE-3BB8-4F7C-AEDB-72481A5CA746}" type="datetime1">
               <a:rPr lang="en-US" smtClean="0"/>
-              <a:t>12/29/2015</a:t>
+              <a:t>1/6/2016</a:t>
             </a:fld>
             <a:endParaRPr lang="en-US"/>
           </a:p>
@@ -4985,7 +7679,7 @@
           <p:nvPr/>
         </p:nvPicPr>
         <p:blipFill>
-          <a:blip r:embed="rId2">
+          <a:blip r:embed="rId3">
             <a:extLst>
               <a:ext uri="{28A0092B-C50C-407E-A947-70E740481C1C}">
                 <a14:useLocalDpi xmlns:a14="http://schemas.microsoft.com/office/drawing/2010/main" val="0"/>
@@ -5023,7 +7717,7 @@
           <a:p>
             <a:fld id="{D92010B6-16BC-48DE-B722-5DF7E71D4815}" type="datetime1">
               <a:rPr lang="en-US" smtClean="0"/>
-              <a:t>12/29/2015</a:t>
+              <a:t>1/6/2016</a:t>
             </a:fld>
             <a:endParaRPr lang="en-US"/>
           </a:p>
@@ -5287,7 +7981,7 @@
           <p:nvPr/>
         </p:nvPicPr>
         <p:blipFill>
-          <a:blip r:embed="rId2">
+          <a:blip r:embed="rId3">
             <a:extLst>
               <a:ext uri="{28A0092B-C50C-407E-A947-70E740481C1C}">
                 <a14:useLocalDpi xmlns:a14="http://schemas.microsoft.com/office/drawing/2010/main" val="0"/>
@@ -5325,7 +8019,7 @@
           <a:p>
             <a:fld id="{6B65B16D-5CFB-43C4-BE82-6641C7AE2740}" type="datetime1">
               <a:rPr lang="en-US" smtClean="0"/>
-              <a:t>12/29/2015</a:t>
+              <a:t>1/6/2016</a:t>
             </a:fld>
             <a:endParaRPr lang="en-US"/>
           </a:p>
@@ -5662,7 +8356,7 @@
           <p:nvPr/>
         </p:nvPicPr>
         <p:blipFill>
-          <a:blip r:embed="rId2">
+          <a:blip r:embed="rId3">
             <a:extLst>
               <a:ext uri="{28A0092B-C50C-407E-A947-70E740481C1C}">
                 <a14:useLocalDpi xmlns:a14="http://schemas.microsoft.com/office/drawing/2010/main" val="0"/>
@@ -5700,7 +8394,7 @@
           <a:p>
             <a:fld id="{05CC888C-3EDD-4F50-A455-3C839C508034}" type="datetime1">
               <a:rPr lang="en-US" smtClean="0"/>
-              <a:t>12/29/2015</a:t>
+              <a:t>1/6/2016</a:t>
             </a:fld>
             <a:endParaRPr lang="en-US"/>
           </a:p>
@@ -5930,7 +8624,7 @@
           <a:p>
             <a:fld id="{186C2310-EDBE-4FF7-8EA3-74B1F2F1EB65}" type="datetime1">
               <a:rPr lang="en-US" smtClean="0"/>
-              <a:t>12/29/2015</a:t>
+              <a:t>1/6/2016</a:t>
             </a:fld>
             <a:endParaRPr lang="en-US"/>
           </a:p>
@@ -6226,7 +8920,7 @@
           <a:p>
             <a:fld id="{E39B4C1A-4E7A-4400-BA1B-1EDBEF103909}" type="datetime1">
               <a:rPr lang="en-US" smtClean="0"/>
-              <a:t>12/29/2015</a:t>
+              <a:t>1/6/2016</a:t>
             </a:fld>
             <a:endParaRPr lang="en-US"/>
           </a:p>
@@ -6693,7 +9387,7 @@
           <a:p>
             <a:fld id="{E05A0667-8F2E-4E72-B2A0-60F415AA6FC9}" type="datetime1">
               <a:rPr lang="en-US" smtClean="0"/>
-              <a:t>12/29/2015</a:t>
+              <a:t>1/6/2016</a:t>
             </a:fld>
             <a:endParaRPr lang="en-US"/>
           </a:p>
@@ -6977,7 +9671,7 @@
           <a:p>
             <a:fld id="{E63A7278-5CCD-4000-B371-DDC363862F98}" type="datetime1">
               <a:rPr lang="en-US" smtClean="0"/>
-              <a:t>12/29/2015</a:t>
+              <a:t>1/6/2016</a:t>
             </a:fld>
             <a:endParaRPr lang="en-US"/>
           </a:p>
@@ -7281,7 +9975,7 @@
           <a:p>
             <a:fld id="{7F56F263-DF34-4470-9061-7F3BA75918F1}" type="datetime1">
               <a:rPr lang="en-US" smtClean="0"/>
-              <a:t>12/29/2015</a:t>
+              <a:t>1/6/2016</a:t>
             </a:fld>
             <a:endParaRPr lang="en-US"/>
           </a:p>
@@ -7728,7 +10422,7 @@
           <a:p>
             <a:fld id="{B7B1D4CD-1360-4C53-AF87-2B2FDED253A6}" type="datetime1">
               <a:rPr lang="en-US" smtClean="0"/>
-              <a:t>12/29/2015</a:t>
+              <a:t>1/6/2016</a:t>
             </a:fld>
             <a:endParaRPr lang="en-US"/>
           </a:p>
@@ -8039,7 +10733,7 @@
           <a:p>
             <a:fld id="{BFD8FB92-8B38-44B0-A08A-8D3AC7D8AC79}" type="datetime1">
               <a:rPr lang="en-US" smtClean="0"/>
-              <a:t>12/29/2015</a:t>
+              <a:t>1/6/2016</a:t>
             </a:fld>
             <a:endParaRPr lang="en-US" dirty="0"/>
           </a:p>
@@ -8388,7 +11082,7 @@
           <a:p>
             <a:fld id="{B7B1D4CD-1360-4C53-AF87-2B2FDED253A6}" type="datetime1">
               <a:rPr lang="en-US" smtClean="0"/>
-              <a:t>12/29/2015</a:t>
+              <a:t>1/6/2016</a:t>
             </a:fld>
             <a:endParaRPr lang="en-US"/>
           </a:p>
@@ -8556,7 +11250,7 @@
           <a:p>
             <a:fld id="{AFDA7003-4906-421B-AEE6-B398DFDED997}" type="datetime1">
               <a:rPr lang="en-US" smtClean="0"/>
-              <a:t>12/29/2015</a:t>
+              <a:t>1/6/2016</a:t>
             </a:fld>
             <a:endParaRPr lang="en-US"/>
           </a:p>
@@ -8980,7 +11674,7 @@
           <a:p>
             <a:fld id="{38EF36A9-9CFB-48F1-B0D6-2EC22C10FF76}" type="datetime1">
               <a:rPr lang="en-US" smtClean="0"/>
-              <a:t>12/29/2015</a:t>
+              <a:t>1/6/2016</a:t>
             </a:fld>
             <a:endParaRPr lang="en-US"/>
           </a:p>
@@ -9137,7 +11831,7 @@
           <a:p>
             <a:fld id="{CF87E441-7704-47E6-88B5-C5B00846B13B}" type="datetime1">
               <a:rPr lang="en-US" smtClean="0"/>
-              <a:t>12/29/2015</a:t>
+              <a:t>1/6/2016</a:t>
             </a:fld>
             <a:endParaRPr lang="en-US"/>
           </a:p>
@@ -9368,7 +12062,7 @@
           <a:p>
             <a:fld id="{B10FCDA9-6AC7-4367-B4E3-5368B3CFA7F8}" type="datetime1">
               <a:rPr lang="en-US" smtClean="0"/>
-              <a:t>12/29/2015</a:t>
+              <a:t>1/6/2016</a:t>
             </a:fld>
             <a:endParaRPr lang="en-US"/>
           </a:p>
@@ -9664,7 +12358,7 @@
           <a:p>
             <a:fld id="{B10FCDA9-6AC7-4367-B4E3-5368B3CFA7F8}" type="datetime1">
               <a:rPr lang="en-US" smtClean="0"/>
-              <a:t>12/29/2015</a:t>
+              <a:t>1/6/2016</a:t>
             </a:fld>
             <a:endParaRPr lang="en-US"/>
           </a:p>
@@ -10326,7 +13020,7 @@
           <a:p>
             <a:fld id="{B10FCDA9-6AC7-4367-B4E3-5368B3CFA7F8}" type="datetime1">
               <a:rPr lang="en-US" smtClean="0"/>
-              <a:t>12/29/2015</a:t>
+              <a:t>1/6/2016</a:t>
             </a:fld>
             <a:endParaRPr lang="en-US"/>
           </a:p>
@@ -10481,7 +13175,7 @@
           <a:p>
             <a:fld id="{9EF226C4-8B4B-4FBC-B705-72131B738870}" type="datetime1">
               <a:rPr lang="en-US" smtClean="0"/>
-              <a:t>12/29/2015</a:t>
+              <a:t>1/6/2016</a:t>
             </a:fld>
             <a:endParaRPr lang="en-US"/>
           </a:p>
@@ -10627,7 +13321,7 @@
           <a:p>
             <a:fld id="{3D185893-06E4-43A5-99FB-F4D47D735F32}" type="datetime1">
               <a:rPr lang="en-US" smtClean="0"/>
-              <a:t>12/29/2015</a:t>
+              <a:t>1/6/2016</a:t>
             </a:fld>
             <a:endParaRPr lang="en-US"/>
           </a:p>
@@ -10895,7 +13589,7 @@
           <a:p>
             <a:fld id="{A6AD3434-D19F-43FF-B1AE-E87C02406ED7}" type="datetime1">
               <a:rPr lang="en-US" smtClean="0"/>
-              <a:t>12/29/2015</a:t>
+              <a:t>1/6/2016</a:t>
             </a:fld>
             <a:endParaRPr lang="en-US"/>
           </a:p>
@@ -11150,7 +13844,7 @@
           <p:nvPr/>
         </p:nvPicPr>
         <p:blipFill>
-          <a:blip r:embed="rId2">
+          <a:blip r:embed="rId3">
             <a:extLst>
               <a:ext uri="{28A0092B-C50C-407E-A947-70E740481C1C}">
                 <a14:useLocalDpi xmlns:a14="http://schemas.microsoft.com/office/drawing/2010/main" val="0"/>
@@ -11188,7 +13882,7 @@
           <a:p>
             <a:fld id="{8D88AEBA-C8BB-4F0C-B290-5DD88600AB56}" type="datetime1">
               <a:rPr lang="en-US" smtClean="0"/>
-              <a:t>12/29/2015</a:t>
+              <a:t>1/6/2016</a:t>
             </a:fld>
             <a:endParaRPr lang="en-US"/>
           </a:p>
@@ -11399,7 +14093,7 @@
           <p:nvPr/>
         </p:nvPicPr>
         <p:blipFill>
-          <a:blip r:embed="rId2">
+          <a:blip r:embed="rId3">
             <a:extLst>
               <a:ext uri="{28A0092B-C50C-407E-A947-70E740481C1C}">
                 <a14:useLocalDpi xmlns:a14="http://schemas.microsoft.com/office/drawing/2010/main" val="0"/>
@@ -11437,7 +14131,7 @@
           <a:p>
             <a:fld id="{5E854C09-E235-4402-BD7D-C345548C86E0}" type="datetime1">
               <a:rPr lang="en-US" smtClean="0"/>
-              <a:t>12/29/2015</a:t>
+              <a:t>1/6/2016</a:t>
             </a:fld>
             <a:endParaRPr lang="en-US"/>
           </a:p>
@@ -11651,7 +14345,7 @@
           <a:p>
             <a:fld id="{A80518D7-CB7C-413D-94EE-40C2CD1DA557}" type="datetime1">
               <a:rPr lang="en-US" smtClean="0"/>
-              <a:t>12/29/2015</a:t>
+              <a:t>1/6/2016</a:t>
             </a:fld>
             <a:endParaRPr lang="en-US"/>
           </a:p>
@@ -11926,7 +14620,7 @@
           <a:p>
             <a:fld id="{EA9C6536-9F2C-4953-BD8A-915882427163}" type="datetime1">
               <a:rPr lang="en-US" smtClean="0"/>
-              <a:t>12/29/2015</a:t>
+              <a:t>1/6/2016</a:t>
             </a:fld>
             <a:endParaRPr lang="en-US"/>
           </a:p>
@@ -12125,7 +14819,7 @@
           <a:p>
             <a:fld id="{9F4A2793-900C-4740-854D-CD0D99F99E45}" type="datetime1">
               <a:rPr lang="en-US" smtClean="0"/>
-              <a:t>12/29/2015</a:t>
+              <a:t>1/6/2016</a:t>
             </a:fld>
             <a:endParaRPr lang="en-US"/>
           </a:p>
@@ -12388,7 +15082,7 @@
           <a:p>
             <a:fld id="{C48452B9-5BCA-4088-99FE-BF9037E00CEF}" type="datetime1">
               <a:rPr lang="en-US" smtClean="0"/>
-              <a:t>12/29/2015</a:t>
+              <a:t>1/6/2016</a:t>
             </a:fld>
             <a:endParaRPr lang="en-US"/>
           </a:p>

--- a/hoan_thien/Công nghệ phát triển ứng dụng trên thiết bị di động.pptx
+++ b/hoan_thien/Công nghệ phát triển ứng dụng trên thiết bị di động.pptx
@@ -535,6 +535,141 @@
           <a:p>
             <a:r>
               <a:rPr lang="en-US" dirty="0" err="1" smtClean="0"/>
+              <a:t>Vì</a:t>
+            </a:r>
+            <a:r>
+              <a:rPr lang="en-US" baseline="0" dirty="0" smtClean="0"/>
+              <a:t> </a:t>
+            </a:r>
+            <a:r>
+              <a:rPr lang="en-US" baseline="0" dirty="0" err="1" smtClean="0"/>
+              <a:t>ứng</a:t>
+            </a:r>
+            <a:r>
+              <a:rPr lang="en-US" baseline="0" dirty="0" smtClean="0"/>
+              <a:t> </a:t>
+            </a:r>
+            <a:r>
+              <a:rPr lang="en-US" baseline="0" dirty="0" err="1" smtClean="0"/>
+              <a:t>dụng</a:t>
+            </a:r>
+            <a:r>
+              <a:rPr lang="en-US" baseline="0" dirty="0" smtClean="0"/>
+              <a:t> </a:t>
+            </a:r>
+            <a:r>
+              <a:rPr lang="en-US" baseline="0" dirty="0" err="1" smtClean="0"/>
+              <a:t>là</a:t>
+            </a:r>
+            <a:r>
+              <a:rPr lang="en-US" baseline="0" dirty="0" smtClean="0"/>
+              <a:t> </a:t>
+            </a:r>
+            <a:r>
+              <a:rPr lang="en-US" baseline="0" dirty="0" err="1" smtClean="0"/>
+              <a:t>lưu</a:t>
+            </a:r>
+            <a:r>
+              <a:rPr lang="en-US" baseline="0" dirty="0" smtClean="0"/>
+              <a:t> </a:t>
+            </a:r>
+            <a:r>
+              <a:rPr lang="en-US" baseline="0" dirty="0" err="1" smtClean="0"/>
+              <a:t>trữ</a:t>
+            </a:r>
+            <a:r>
+              <a:rPr lang="en-US" baseline="0" dirty="0" smtClean="0"/>
+              <a:t> </a:t>
+            </a:r>
+            <a:r>
+              <a:rPr lang="en-US" baseline="0" dirty="0" err="1" smtClean="0"/>
+              <a:t>nghi</a:t>
+            </a:r>
+            <a:r>
+              <a:rPr lang="en-US" baseline="0" dirty="0" smtClean="0"/>
+              <a:t> </a:t>
+            </a:r>
+            <a:r>
+              <a:rPr lang="en-US" baseline="0" dirty="0" err="1" smtClean="0"/>
+              <a:t>chú</a:t>
+            </a:r>
+            <a:r>
+              <a:rPr lang="en-US" baseline="0" dirty="0" smtClean="0"/>
+              <a:t> </a:t>
+            </a:r>
+            <a:r>
+              <a:rPr lang="en-US" baseline="0" dirty="0" err="1" smtClean="0"/>
+              <a:t>cá</a:t>
+            </a:r>
+            <a:r>
+              <a:rPr lang="en-US" baseline="0" dirty="0" smtClean="0"/>
+              <a:t> </a:t>
+            </a:r>
+            <a:r>
+              <a:rPr lang="en-US" baseline="0" dirty="0" err="1" smtClean="0"/>
+              <a:t>nhân</a:t>
+            </a:r>
+            <a:r>
+              <a:rPr lang="en-US" baseline="0" dirty="0" smtClean="0"/>
+              <a:t> </a:t>
+            </a:r>
+            <a:r>
+              <a:rPr lang="en-US" baseline="0" dirty="0" err="1" smtClean="0"/>
+              <a:t>nên</a:t>
+            </a:r>
+            <a:r>
+              <a:rPr lang="en-US" baseline="0" dirty="0" smtClean="0"/>
+              <a:t> </a:t>
+            </a:r>
+            <a:r>
+              <a:rPr lang="en-US" baseline="0" dirty="0" err="1" smtClean="0"/>
+              <a:t>cần</a:t>
+            </a:r>
+            <a:r>
+              <a:rPr lang="en-US" baseline="0" dirty="0" smtClean="0"/>
+              <a:t> </a:t>
+            </a:r>
+            <a:r>
+              <a:rPr lang="en-US" baseline="0" dirty="0" err="1" smtClean="0"/>
+              <a:t>có</a:t>
+            </a:r>
+            <a:r>
+              <a:rPr lang="en-US" baseline="0" dirty="0" smtClean="0"/>
+              <a:t> </a:t>
+            </a:r>
+            <a:r>
+              <a:rPr lang="en-US" baseline="0" dirty="0" err="1" smtClean="0"/>
+              <a:t>vấn</a:t>
+            </a:r>
+            <a:r>
+              <a:rPr lang="en-US" baseline="0" dirty="0" smtClean="0"/>
+              <a:t> </a:t>
+            </a:r>
+            <a:r>
+              <a:rPr lang="en-US" baseline="0" dirty="0" err="1" smtClean="0"/>
+              <a:t>đề</a:t>
+            </a:r>
+            <a:r>
+              <a:rPr lang="en-US" baseline="0" dirty="0" smtClean="0"/>
+              <a:t> </a:t>
+            </a:r>
+            <a:r>
+              <a:rPr lang="en-US" baseline="0" dirty="0" err="1" smtClean="0"/>
+              <a:t>bảo</a:t>
+            </a:r>
+            <a:r>
+              <a:rPr lang="en-US" baseline="0" dirty="0" smtClean="0"/>
+              <a:t> </a:t>
+            </a:r>
+            <a:r>
+              <a:rPr lang="en-US" baseline="0" dirty="0" err="1" smtClean="0"/>
+              <a:t>mật</a:t>
+            </a:r>
+            <a:endParaRPr lang="en-US" dirty="0" smtClean="0"/>
+          </a:p>
+          <a:p>
+            <a:r>
+              <a:rPr lang="en-US" dirty="0" err="1" smtClean="0"/>
               <a:t>Với</a:t>
             </a:r>
             <a:r>
@@ -648,6 +783,22 @@
             <a:r>
               <a:rPr lang="en-US" baseline="0" dirty="0" err="1" smtClean="0"/>
               <a:t>của</a:t>
+            </a:r>
+            <a:r>
+              <a:rPr lang="en-US" baseline="0" dirty="0" smtClean="0"/>
+              <a:t> </a:t>
+            </a:r>
+            <a:r>
+              <a:rPr lang="en-US" baseline="0" dirty="0" err="1" smtClean="0"/>
+              <a:t>người</a:t>
+            </a:r>
+            <a:r>
+              <a:rPr lang="en-US" baseline="0" dirty="0" smtClean="0"/>
+              <a:t> </a:t>
+            </a:r>
+            <a:r>
+              <a:rPr lang="en-US" baseline="0" dirty="0" err="1" smtClean="0"/>
+              <a:t>dùng</a:t>
             </a:r>
             <a:r>
               <a:rPr lang="en-US" baseline="0" dirty="0" smtClean="0"/>
@@ -831,6 +982,394 @@
     <p:extLst>
       <p:ext uri="{BB962C8B-B14F-4D97-AF65-F5344CB8AC3E}">
         <p14:creationId xmlns:p14="http://schemas.microsoft.com/office/powerpoint/2010/main" val="3435607068"/>
+      </p:ext>
+    </p:extLst>
+  </p:cSld>
+  <p:clrMapOvr>
+    <a:masterClrMapping/>
+  </p:clrMapOvr>
+</p:notes>
+</file>
+
+<file path=ppt/notesSlides/notesSlide10.xml><?xml version="1.0" encoding="utf-8"?>
+<p:notes xmlns:a="http://schemas.openxmlformats.org/drawingml/2006/main" xmlns:r="http://schemas.openxmlformats.org/officeDocument/2006/relationships" xmlns:p="http://schemas.openxmlformats.org/presentationml/2006/main">
+  <p:cSld>
+    <p:spTree>
+      <p:nvGrpSpPr>
+        <p:cNvPr id="1" name=""/>
+        <p:cNvGrpSpPr/>
+        <p:nvPr/>
+      </p:nvGrpSpPr>
+      <p:grpSpPr>
+        <a:xfrm>
+          <a:off x="0" y="0"/>
+          <a:ext cx="0" cy="0"/>
+          <a:chOff x="0" y="0"/>
+          <a:chExt cx="0" cy="0"/>
+        </a:xfrm>
+      </p:grpSpPr>
+      <p:sp>
+        <p:nvSpPr>
+          <p:cNvPr id="2" name="Slide Image Placeholder 1"/>
+          <p:cNvSpPr>
+            <a:spLocks noGrp="1" noRot="1" noChangeAspect="1"/>
+          </p:cNvSpPr>
+          <p:nvPr>
+            <p:ph type="sldImg"/>
+          </p:nvPr>
+        </p:nvSpPr>
+        <p:spPr/>
+      </p:sp>
+      <p:sp>
+        <p:nvSpPr>
+          <p:cNvPr id="3" name="Notes Placeholder 2"/>
+          <p:cNvSpPr>
+            <a:spLocks noGrp="1"/>
+          </p:cNvSpPr>
+          <p:nvPr>
+            <p:ph type="body" idx="1"/>
+          </p:nvPr>
+        </p:nvSpPr>
+        <p:spPr/>
+        <p:txBody>
+          <a:bodyPr/>
+          <a:lstStyle/>
+          <a:p>
+            <a:r>
+              <a:rPr lang="en-US" dirty="0" err="1" smtClean="0"/>
+              <a:t>Việc</a:t>
+            </a:r>
+            <a:r>
+              <a:rPr lang="en-US" baseline="0" dirty="0" smtClean="0"/>
+              <a:t> </a:t>
+            </a:r>
+            <a:r>
+              <a:rPr lang="en-US" baseline="0" dirty="0" err="1" smtClean="0"/>
+              <a:t>cài</a:t>
+            </a:r>
+            <a:r>
+              <a:rPr lang="en-US" baseline="0" dirty="0" smtClean="0"/>
+              <a:t> </a:t>
+            </a:r>
+            <a:r>
+              <a:rPr lang="en-US" baseline="0" dirty="0" err="1" smtClean="0"/>
+              <a:t>đặt</a:t>
+            </a:r>
+            <a:r>
+              <a:rPr lang="en-US" baseline="0" dirty="0" smtClean="0"/>
+              <a:t> </a:t>
+            </a:r>
+            <a:r>
+              <a:rPr lang="en-US" baseline="0" dirty="0" err="1" smtClean="0"/>
+              <a:t>tìm</a:t>
+            </a:r>
+            <a:r>
+              <a:rPr lang="en-US" baseline="0" dirty="0" smtClean="0"/>
+              <a:t> </a:t>
+            </a:r>
+            <a:r>
+              <a:rPr lang="en-US" baseline="0" dirty="0" err="1" smtClean="0"/>
+              <a:t>kiếm</a:t>
+            </a:r>
+            <a:r>
+              <a:rPr lang="en-US" baseline="0" dirty="0" smtClean="0"/>
+              <a:t> </a:t>
+            </a:r>
+            <a:r>
+              <a:rPr lang="en-US" baseline="0" dirty="0" err="1" smtClean="0"/>
+              <a:t>sử</a:t>
+            </a:r>
+            <a:r>
+              <a:rPr lang="en-US" baseline="0" dirty="0" smtClean="0"/>
+              <a:t> </a:t>
+            </a:r>
+            <a:r>
+              <a:rPr lang="en-US" baseline="0" dirty="0" err="1" smtClean="0"/>
+              <a:t>dụng</a:t>
+            </a:r>
+            <a:r>
+              <a:rPr lang="en-US" baseline="0" dirty="0" smtClean="0"/>
+              <a:t> adapter filter </a:t>
+            </a:r>
+            <a:r>
+              <a:rPr lang="en-US" baseline="0" dirty="0" err="1" smtClean="0"/>
+              <a:t>để</a:t>
+            </a:r>
+            <a:r>
+              <a:rPr lang="en-US" baseline="0" dirty="0" smtClean="0"/>
+              <a:t> </a:t>
+            </a:r>
+            <a:r>
+              <a:rPr lang="en-US" baseline="0" dirty="0" err="1" smtClean="0"/>
+              <a:t>khỏi</a:t>
+            </a:r>
+            <a:r>
+              <a:rPr lang="en-US" baseline="0" dirty="0" smtClean="0"/>
+              <a:t> </a:t>
+            </a:r>
+            <a:r>
+              <a:rPr lang="en-US" baseline="0" dirty="0" err="1" smtClean="0"/>
+              <a:t>phải</a:t>
+            </a:r>
+            <a:r>
+              <a:rPr lang="en-US" baseline="0" dirty="0" smtClean="0"/>
+              <a:t> query </a:t>
+            </a:r>
+            <a:r>
+              <a:rPr lang="en-US" baseline="0" dirty="0" err="1" smtClean="0"/>
+              <a:t>lại</a:t>
+            </a:r>
+            <a:r>
+              <a:rPr lang="en-US" baseline="0" dirty="0" smtClean="0"/>
+              <a:t> </a:t>
+            </a:r>
+            <a:r>
+              <a:rPr lang="en-US" baseline="0" dirty="0" err="1" smtClean="0"/>
+              <a:t>dữ</a:t>
+            </a:r>
+            <a:r>
+              <a:rPr lang="en-US" baseline="0" dirty="0" smtClean="0"/>
+              <a:t> </a:t>
+            </a:r>
+            <a:r>
+              <a:rPr lang="en-US" baseline="0" dirty="0" err="1" smtClean="0"/>
+              <a:t>liệu</a:t>
+            </a:r>
+            <a:r>
+              <a:rPr lang="en-US" baseline="0" dirty="0" smtClean="0"/>
+              <a:t> </a:t>
+            </a:r>
+            <a:r>
+              <a:rPr lang="en-US" baseline="0" dirty="0" err="1" smtClean="0"/>
+              <a:t>từ</a:t>
+            </a:r>
+            <a:r>
+              <a:rPr lang="en-US" baseline="0" dirty="0" smtClean="0"/>
+              <a:t> SQLite</a:t>
+            </a:r>
+            <a:endParaRPr lang="en-US" dirty="0"/>
+          </a:p>
+        </p:txBody>
+      </p:sp>
+      <p:sp>
+        <p:nvSpPr>
+          <p:cNvPr id="4" name="Slide Number Placeholder 3"/>
+          <p:cNvSpPr>
+            <a:spLocks noGrp="1"/>
+          </p:cNvSpPr>
+          <p:nvPr>
+            <p:ph type="sldNum" sz="quarter" idx="10"/>
+          </p:nvPr>
+        </p:nvSpPr>
+        <p:spPr/>
+        <p:txBody>
+          <a:bodyPr/>
+          <a:lstStyle/>
+          <a:p>
+            <a:fld id="{D8F4D0B3-74D8-494A-8A9D-528819ECFAA0}" type="slidenum">
+              <a:rPr lang="en-US" smtClean="0"/>
+              <a:t>13</a:t>
+            </a:fld>
+            <a:endParaRPr lang="en-US"/>
+          </a:p>
+        </p:txBody>
+      </p:sp>
+    </p:spTree>
+    <p:extLst>
+      <p:ext uri="{BB962C8B-B14F-4D97-AF65-F5344CB8AC3E}">
+        <p14:creationId xmlns:p14="http://schemas.microsoft.com/office/powerpoint/2010/main" val="2114474307"/>
+      </p:ext>
+    </p:extLst>
+  </p:cSld>
+  <p:clrMapOvr>
+    <a:masterClrMapping/>
+  </p:clrMapOvr>
+</p:notes>
+</file>
+
+<file path=ppt/notesSlides/notesSlide11.xml><?xml version="1.0" encoding="utf-8"?>
+<p:notes xmlns:a="http://schemas.openxmlformats.org/drawingml/2006/main" xmlns:r="http://schemas.openxmlformats.org/officeDocument/2006/relationships" xmlns:p="http://schemas.openxmlformats.org/presentationml/2006/main">
+  <p:cSld>
+    <p:spTree>
+      <p:nvGrpSpPr>
+        <p:cNvPr id="1" name=""/>
+        <p:cNvGrpSpPr/>
+        <p:nvPr/>
+      </p:nvGrpSpPr>
+      <p:grpSpPr>
+        <a:xfrm>
+          <a:off x="0" y="0"/>
+          <a:ext cx="0" cy="0"/>
+          <a:chOff x="0" y="0"/>
+          <a:chExt cx="0" cy="0"/>
+        </a:xfrm>
+      </p:grpSpPr>
+      <p:sp>
+        <p:nvSpPr>
+          <p:cNvPr id="2" name="Slide Image Placeholder 1"/>
+          <p:cNvSpPr>
+            <a:spLocks noGrp="1" noRot="1" noChangeAspect="1"/>
+          </p:cNvSpPr>
+          <p:nvPr>
+            <p:ph type="sldImg"/>
+          </p:nvPr>
+        </p:nvSpPr>
+        <p:spPr/>
+      </p:sp>
+      <p:sp>
+        <p:nvSpPr>
+          <p:cNvPr id="3" name="Notes Placeholder 2"/>
+          <p:cNvSpPr>
+            <a:spLocks noGrp="1"/>
+          </p:cNvSpPr>
+          <p:nvPr>
+            <p:ph type="body" idx="1"/>
+          </p:nvPr>
+        </p:nvSpPr>
+        <p:spPr/>
+        <p:txBody>
+          <a:bodyPr/>
+          <a:lstStyle/>
+          <a:p>
+            <a:r>
+              <a:rPr lang="en-US" dirty="0" err="1" smtClean="0"/>
+              <a:t>Các</a:t>
+            </a:r>
+            <a:r>
+              <a:rPr lang="en-US" baseline="0" dirty="0" smtClean="0"/>
+              <a:t> adapter </a:t>
+            </a:r>
+            <a:r>
+              <a:rPr lang="en-US" baseline="0" dirty="0" err="1" smtClean="0"/>
+              <a:t>sẽ</a:t>
+            </a:r>
+            <a:r>
+              <a:rPr lang="en-US" baseline="0" dirty="0" smtClean="0"/>
+              <a:t> load </a:t>
+            </a:r>
+            <a:r>
+              <a:rPr lang="en-US" baseline="0" dirty="0" err="1" smtClean="0"/>
+              <a:t>giao</a:t>
+            </a:r>
+            <a:r>
+              <a:rPr lang="en-US" baseline="0" dirty="0" smtClean="0"/>
+              <a:t> </a:t>
+            </a:r>
+            <a:r>
+              <a:rPr lang="en-US" baseline="0" dirty="0" err="1" smtClean="0"/>
+              <a:t>diện</a:t>
+            </a:r>
+            <a:r>
+              <a:rPr lang="en-US" baseline="0" dirty="0" smtClean="0"/>
+              <a:t> </a:t>
+            </a:r>
+            <a:r>
+              <a:rPr lang="en-US" baseline="0" dirty="0" err="1" smtClean="0"/>
+              <a:t>được</a:t>
+            </a:r>
+            <a:r>
+              <a:rPr lang="en-US" baseline="0" dirty="0" smtClean="0"/>
+              <a:t> </a:t>
+            </a:r>
+            <a:r>
+              <a:rPr lang="en-US" baseline="0" dirty="0" err="1" smtClean="0"/>
+              <a:t>cấu</a:t>
+            </a:r>
+            <a:r>
+              <a:rPr lang="en-US" baseline="0" dirty="0" smtClean="0"/>
+              <a:t> </a:t>
+            </a:r>
+            <a:r>
+              <a:rPr lang="en-US" baseline="0" dirty="0" err="1" smtClean="0"/>
+              <a:t>hình</a:t>
+            </a:r>
+            <a:r>
+              <a:rPr lang="en-US" baseline="0" dirty="0" smtClean="0"/>
+              <a:t> </a:t>
+            </a:r>
+            <a:r>
+              <a:rPr lang="en-US" baseline="0" dirty="0" err="1" smtClean="0"/>
+              <a:t>trong</a:t>
+            </a:r>
+            <a:r>
+              <a:rPr lang="en-US" baseline="0" dirty="0" smtClean="0"/>
+              <a:t> file </a:t>
+            </a:r>
+            <a:r>
+              <a:rPr lang="en-US" baseline="0" dirty="0" err="1" smtClean="0"/>
+              <a:t>cấu</a:t>
+            </a:r>
+            <a:r>
+              <a:rPr lang="en-US" baseline="0" dirty="0" smtClean="0"/>
+              <a:t> </a:t>
+            </a:r>
+            <a:r>
+              <a:rPr lang="en-US" baseline="0" dirty="0" err="1" smtClean="0"/>
+              <a:t>hình</a:t>
+            </a:r>
+            <a:r>
+              <a:rPr lang="en-US" baseline="0" dirty="0" smtClean="0"/>
+              <a:t> </a:t>
+            </a:r>
+            <a:r>
+              <a:rPr lang="en-US" baseline="0" dirty="0" err="1" smtClean="0"/>
+              <a:t>giao</a:t>
+            </a:r>
+            <a:r>
+              <a:rPr lang="en-US" baseline="0" dirty="0" smtClean="0"/>
+              <a:t> </a:t>
+            </a:r>
+            <a:r>
+              <a:rPr lang="en-US" baseline="0" dirty="0" err="1" smtClean="0"/>
+              <a:t>diện</a:t>
+            </a:r>
+            <a:r>
+              <a:rPr lang="en-US" baseline="0" dirty="0" smtClean="0"/>
+              <a:t> xml </a:t>
+            </a:r>
+            <a:r>
+              <a:rPr lang="en-US" baseline="0" dirty="0" err="1" smtClean="0"/>
+              <a:t>tương</a:t>
+            </a:r>
+            <a:r>
+              <a:rPr lang="en-US" baseline="0" dirty="0" smtClean="0"/>
+              <a:t> </a:t>
+            </a:r>
+            <a:r>
+              <a:rPr lang="en-US" baseline="0" dirty="0" err="1" smtClean="0"/>
+              <a:t>ứng</a:t>
+            </a:r>
+            <a:endParaRPr lang="en-US" dirty="0"/>
+          </a:p>
+        </p:txBody>
+      </p:sp>
+      <p:sp>
+        <p:nvSpPr>
+          <p:cNvPr id="4" name="Slide Number Placeholder 3"/>
+          <p:cNvSpPr>
+            <a:spLocks noGrp="1"/>
+          </p:cNvSpPr>
+          <p:nvPr>
+            <p:ph type="sldNum" sz="quarter" idx="10"/>
+          </p:nvPr>
+        </p:nvSpPr>
+        <p:spPr/>
+        <p:txBody>
+          <a:bodyPr/>
+          <a:lstStyle/>
+          <a:p>
+            <a:fld id="{D8F4D0B3-74D8-494A-8A9D-528819ECFAA0}" type="slidenum">
+              <a:rPr lang="en-US" smtClean="0"/>
+              <a:t>15</a:t>
+            </a:fld>
+            <a:endParaRPr lang="en-US"/>
+          </a:p>
+        </p:txBody>
+      </p:sp>
+    </p:spTree>
+    <p:extLst>
+      <p:ext uri="{BB962C8B-B14F-4D97-AF65-F5344CB8AC3E}">
+        <p14:creationId xmlns:p14="http://schemas.microsoft.com/office/powerpoint/2010/main" val="378705947"/>
       </p:ext>
     </p:extLst>
   </p:cSld>
@@ -1014,11 +1553,7 @@
             </a:r>
             <a:r>
               <a:rPr lang="en-US" baseline="0" dirty="0" smtClean="0"/>
-              <a:t> </a:t>
-            </a:r>
-            <a:r>
-              <a:rPr lang="en-US" baseline="0" dirty="0" smtClean="0"/>
-              <a:t>login. </a:t>
+              <a:t> login. </a:t>
             </a:r>
             <a:r>
               <a:rPr lang="en-US" baseline="0" dirty="0" err="1" smtClean="0"/>
@@ -1165,12 +1700,8 @@
               <a:t> component </a:t>
             </a:r>
             <a:r>
-              <a:rPr lang="en-US" baseline="0" dirty="0" err="1" smtClean="0"/>
-              <a:t>LeanerLayout</a:t>
-            </a:r>
-            <a:r>
-              <a:rPr lang="en-US" baseline="0" dirty="0" smtClean="0"/>
-              <a:t> </a:t>
+              <a:rPr lang="en-US" baseline="0" dirty="0" smtClean="0"/>
+              <a:t>Leaner Layout </a:t>
             </a:r>
             <a:r>
               <a:rPr lang="en-US" baseline="0" dirty="0" err="1" smtClean="0"/>
@@ -1202,7 +1733,27 @@
             </a:r>
             <a:r>
               <a:rPr lang="en-US" baseline="0" dirty="0" smtClean="0"/>
-              <a:t> form </a:t>
+              <a:t> </a:t>
+            </a:r>
+            <a:r>
+              <a:rPr lang="en-US" baseline="0" dirty="0" smtClean="0"/>
+              <a:t>form </a:t>
+            </a:r>
+            <a:r>
+              <a:rPr lang="en-US" baseline="0" dirty="0" err="1" smtClean="0"/>
+              <a:t>giao</a:t>
+            </a:r>
+            <a:r>
+              <a:rPr lang="en-US" baseline="0" dirty="0" smtClean="0"/>
+              <a:t> </a:t>
+            </a:r>
+            <a:r>
+              <a:rPr lang="en-US" baseline="0" dirty="0" err="1" smtClean="0"/>
+              <a:t>diện</a:t>
+            </a:r>
+            <a:r>
+              <a:rPr lang="en-US" baseline="0" dirty="0" smtClean="0"/>
+              <a:t> </a:t>
             </a:r>
             <a:r>
               <a:rPr lang="en-US" baseline="0" dirty="0" err="1" smtClean="0"/>
@@ -1219,6 +1770,14 @@
             <a:r>
               <a:rPr lang="en-US" baseline="0" dirty="0" smtClean="0"/>
               <a:t> </a:t>
+            </a:r>
+            <a:r>
+              <a:rPr lang="en-US" baseline="0" dirty="0" err="1" smtClean="0"/>
+              <a:t>của</a:t>
+            </a:r>
+            <a:r>
+              <a:rPr lang="en-US" baseline="0" dirty="0" smtClean="0"/>
+              <a:t> login activity </a:t>
             </a:r>
             <a:r>
               <a:rPr lang="en-US" baseline="0" dirty="0" err="1" smtClean="0"/>
@@ -1338,15 +1897,23 @@
           <a:p>
             <a:r>
               <a:rPr lang="en-US" dirty="0" err="1" smtClean="0"/>
-              <a:t>Chức</a:t>
-            </a:r>
-            <a:r>
-              <a:rPr lang="en-US" baseline="0" dirty="0" smtClean="0"/>
-              <a:t> </a:t>
-            </a:r>
-            <a:r>
-              <a:rPr lang="en-US" baseline="0" dirty="0" err="1" smtClean="0"/>
-              <a:t>năng</a:t>
+              <a:t>Tính</a:t>
+            </a:r>
+            <a:r>
+              <a:rPr lang="en-US" baseline="0" dirty="0" smtClean="0"/>
+              <a:t> </a:t>
+            </a:r>
+            <a:r>
+              <a:rPr lang="en-US" baseline="0" dirty="0" err="1" smtClean="0"/>
+              <a:t>bảo</a:t>
+            </a:r>
+            <a:r>
+              <a:rPr lang="en-US" baseline="0" dirty="0" smtClean="0"/>
+              <a:t> </a:t>
+            </a:r>
+            <a:r>
+              <a:rPr lang="en-US" baseline="0" dirty="0" err="1" smtClean="0"/>
+              <a:t>mật</a:t>
             </a:r>
             <a:r>
               <a:rPr lang="en-US" baseline="0" dirty="0" smtClean="0"/>
@@ -1362,14 +1929,6 @@
             </a:r>
             <a:r>
               <a:rPr lang="en-US" baseline="0" dirty="0" err="1" smtClean="0"/>
-              <a:t>chính</a:t>
-            </a:r>
-            <a:r>
-              <a:rPr lang="en-US" baseline="0" dirty="0" smtClean="0"/>
-              <a:t> </a:t>
-            </a:r>
-            <a:r>
-              <a:rPr lang="en-US" baseline="0" dirty="0" err="1" smtClean="0"/>
               <a:t>là</a:t>
             </a:r>
             <a:r>
@@ -1378,6 +1937,141 @@
             </a:r>
             <a:r>
               <a:rPr lang="en-US" baseline="0" dirty="0" err="1" smtClean="0"/>
+              <a:t>lưu</a:t>
+            </a:r>
+            <a:r>
+              <a:rPr lang="en-US" baseline="0" dirty="0" smtClean="0"/>
+              <a:t> </a:t>
+            </a:r>
+            <a:r>
+              <a:rPr lang="en-US" baseline="0" dirty="0" err="1" smtClean="0"/>
+              <a:t>trữ</a:t>
+            </a:r>
+            <a:r>
+              <a:rPr lang="en-US" baseline="0" dirty="0" smtClean="0"/>
+              <a:t> </a:t>
+            </a:r>
+            <a:r>
+              <a:rPr lang="en-US" baseline="0" dirty="0" err="1" smtClean="0"/>
+              <a:t>mật</a:t>
+            </a:r>
+            <a:r>
+              <a:rPr lang="en-US" baseline="0" dirty="0" smtClean="0"/>
+              <a:t> </a:t>
+            </a:r>
+            <a:r>
+              <a:rPr lang="en-US" baseline="0" dirty="0" err="1" smtClean="0"/>
+              <a:t>khẩu</a:t>
+            </a:r>
+            <a:r>
+              <a:rPr lang="en-US" baseline="0" dirty="0" smtClean="0"/>
+              <a:t> </a:t>
+            </a:r>
+            <a:r>
+              <a:rPr lang="en-US" baseline="0" dirty="0" err="1" smtClean="0"/>
+              <a:t>và</a:t>
+            </a:r>
+            <a:r>
+              <a:rPr lang="en-US" baseline="0" dirty="0" smtClean="0"/>
+              <a:t> </a:t>
+            </a:r>
+            <a:r>
+              <a:rPr lang="en-US" baseline="0" dirty="0" err="1" smtClean="0"/>
+              <a:t>các</a:t>
+            </a:r>
+            <a:r>
+              <a:rPr lang="en-US" baseline="0" dirty="0" smtClean="0"/>
+              <a:t> </a:t>
+            </a:r>
+            <a:r>
+              <a:rPr lang="en-US" baseline="0" dirty="0" err="1" smtClean="0"/>
+              <a:t>thông</a:t>
+            </a:r>
+            <a:r>
+              <a:rPr lang="en-US" baseline="0" dirty="0" smtClean="0"/>
+              <a:t> tin </a:t>
+            </a:r>
+            <a:r>
+              <a:rPr lang="en-US" baseline="0" dirty="0" err="1" smtClean="0"/>
+              <a:t>về</a:t>
+            </a:r>
+            <a:r>
+              <a:rPr lang="en-US" baseline="0" dirty="0" smtClean="0"/>
+              <a:t> </a:t>
+            </a:r>
+            <a:r>
+              <a:rPr lang="en-US" baseline="0" dirty="0" err="1" smtClean="0"/>
+              <a:t>giao</a:t>
+            </a:r>
+            <a:r>
+              <a:rPr lang="en-US" baseline="0" dirty="0" smtClean="0"/>
+              <a:t> </a:t>
+            </a:r>
+            <a:r>
+              <a:rPr lang="en-US" baseline="0" dirty="0" err="1" smtClean="0"/>
+              <a:t>diện</a:t>
+            </a:r>
+            <a:r>
+              <a:rPr lang="en-US" baseline="0" dirty="0" smtClean="0"/>
+              <a:t> </a:t>
+            </a:r>
+            <a:r>
+              <a:rPr lang="en-US" baseline="0" dirty="0" err="1" smtClean="0"/>
+              <a:t>trang</a:t>
+            </a:r>
+            <a:r>
+              <a:rPr lang="en-US" baseline="0" dirty="0" smtClean="0"/>
+              <a:t> </a:t>
+            </a:r>
+            <a:r>
+              <a:rPr lang="en-US" baseline="0" dirty="0" err="1" smtClean="0"/>
+              <a:t>chủ</a:t>
+            </a:r>
+            <a:r>
+              <a:rPr lang="en-US" baseline="0" dirty="0" smtClean="0"/>
+              <a:t> </a:t>
+            </a:r>
+            <a:r>
+              <a:rPr lang="en-US" baseline="0" dirty="0" err="1" smtClean="0"/>
+              <a:t>đều</a:t>
+            </a:r>
+            <a:r>
+              <a:rPr lang="en-US" baseline="0" dirty="0" smtClean="0"/>
+              <a:t> </a:t>
+            </a:r>
+            <a:r>
+              <a:rPr lang="en-US" baseline="0" dirty="0" err="1" smtClean="0"/>
+              <a:t>sử</a:t>
+            </a:r>
+            <a:r>
+              <a:rPr lang="en-US" baseline="0" dirty="0" smtClean="0"/>
+              <a:t> </a:t>
+            </a:r>
+            <a:r>
+              <a:rPr lang="en-US" baseline="0" dirty="0" err="1" smtClean="0"/>
+              <a:t>dụng</a:t>
+            </a:r>
+            <a:r>
+              <a:rPr lang="en-US" baseline="0" dirty="0" smtClean="0"/>
+              <a:t> </a:t>
+            </a:r>
+            <a:r>
+              <a:rPr lang="en-US" baseline="0" dirty="0" err="1" smtClean="0"/>
+              <a:t>sharedpreferences</a:t>
+            </a:r>
+            <a:endParaRPr lang="en-US" baseline="0" dirty="0" smtClean="0"/>
+          </a:p>
+          <a:p>
+            <a:r>
+              <a:rPr lang="en-US" baseline="0" dirty="0" err="1" smtClean="0"/>
+              <a:t>Về</a:t>
+            </a:r>
+            <a:r>
+              <a:rPr lang="en-US" baseline="0" dirty="0" smtClean="0"/>
+              <a:t> </a:t>
+            </a:r>
+            <a:r>
+              <a:rPr lang="en-US" baseline="0" dirty="0" err="1" smtClean="0"/>
               <a:t>bảo</a:t>
             </a:r>
             <a:r>
@@ -1390,83 +2084,51 @@
             </a:r>
             <a:r>
               <a:rPr lang="en-US" baseline="0" dirty="0" smtClean="0"/>
-              <a:t>, </a:t>
-            </a:r>
-            <a:r>
-              <a:rPr lang="en-US" baseline="0" dirty="0" err="1" smtClean="0"/>
-              <a:t>sau</a:t>
-            </a:r>
-            <a:r>
-              <a:rPr lang="en-US" baseline="0" dirty="0" smtClean="0"/>
-              <a:t> </a:t>
-            </a:r>
-            <a:r>
-              <a:rPr lang="en-US" baseline="0" dirty="0" err="1" smtClean="0"/>
-              <a:t>là</a:t>
-            </a:r>
-            <a:r>
-              <a:rPr lang="en-US" baseline="0" dirty="0" smtClean="0"/>
-              <a:t> </a:t>
-            </a:r>
-            <a:r>
-              <a:rPr lang="en-US" baseline="0" dirty="0" err="1" smtClean="0"/>
-              <a:t>lưu</a:t>
-            </a:r>
-            <a:r>
-              <a:rPr lang="en-US" baseline="0" dirty="0" smtClean="0"/>
-              <a:t> </a:t>
-            </a:r>
-            <a:r>
-              <a:rPr lang="en-US" baseline="0" dirty="0" err="1" smtClean="0"/>
-              <a:t>trữ</a:t>
-            </a:r>
-            <a:r>
-              <a:rPr lang="en-US" baseline="0" dirty="0" smtClean="0"/>
-              <a:t> </a:t>
-            </a:r>
-            <a:r>
-              <a:rPr lang="en-US" baseline="0" dirty="0" err="1" smtClean="0"/>
-              <a:t>các</a:t>
-            </a:r>
-            <a:r>
-              <a:rPr lang="en-US" baseline="0" dirty="0" smtClean="0"/>
-              <a:t> </a:t>
-            </a:r>
-            <a:r>
-              <a:rPr lang="en-US" baseline="0" dirty="0" err="1" smtClean="0"/>
-              <a:t>thông</a:t>
-            </a:r>
-            <a:r>
-              <a:rPr lang="en-US" baseline="0" dirty="0" smtClean="0"/>
-              <a:t> tin </a:t>
-            </a:r>
-            <a:r>
-              <a:rPr lang="en-US" baseline="0" dirty="0" err="1" smtClean="0"/>
-              <a:t>về</a:t>
-            </a:r>
-            <a:r>
-              <a:rPr lang="en-US" baseline="0" dirty="0" smtClean="0"/>
-              <a:t> </a:t>
-            </a:r>
-            <a:r>
-              <a:rPr lang="en-US" baseline="0" dirty="0" err="1" smtClean="0"/>
-              <a:t>giao</a:t>
-            </a:r>
-            <a:r>
-              <a:rPr lang="en-US" baseline="0" dirty="0" smtClean="0"/>
-              <a:t> </a:t>
-            </a:r>
-            <a:r>
-              <a:rPr lang="en-US" baseline="0" dirty="0" err="1" smtClean="0"/>
-              <a:t>diện</a:t>
-            </a:r>
-            <a:r>
-              <a:rPr lang="en-US" baseline="0" dirty="0" smtClean="0"/>
-              <a:t> </a:t>
-            </a:r>
-            <a:r>
-              <a:rPr lang="en-US" baseline="0" dirty="0" err="1" smtClean="0"/>
-              <a:t>trang</a:t>
+              <a:t> </a:t>
+            </a:r>
+            <a:r>
+              <a:rPr lang="en-US" baseline="0" dirty="0" err="1" smtClean="0"/>
+              <a:t>khi</a:t>
+            </a:r>
+            <a:r>
+              <a:rPr lang="en-US" baseline="0" dirty="0" smtClean="0"/>
+              <a:t> </a:t>
+            </a:r>
+            <a:r>
+              <a:rPr lang="en-US" baseline="0" dirty="0" err="1" smtClean="0"/>
+              <a:t>không</a:t>
+            </a:r>
+            <a:r>
+              <a:rPr lang="en-US" baseline="0" dirty="0" smtClean="0"/>
+              <a:t> </a:t>
+            </a:r>
+            <a:r>
+              <a:rPr lang="en-US" baseline="0" dirty="0" err="1" smtClean="0"/>
+              <a:t>dùng</a:t>
+            </a:r>
+            <a:r>
+              <a:rPr lang="en-US" baseline="0" dirty="0" smtClean="0"/>
+              <a:t> </a:t>
+            </a:r>
+            <a:r>
+              <a:rPr lang="en-US" baseline="0" dirty="0" err="1" smtClean="0"/>
+              <a:t>thì</a:t>
+            </a:r>
+            <a:r>
+              <a:rPr lang="en-US" baseline="0" dirty="0" smtClean="0"/>
+              <a:t> </a:t>
+            </a:r>
+            <a:r>
+              <a:rPr lang="en-US" baseline="0" dirty="0" err="1" smtClean="0"/>
+              <a:t>có</a:t>
+            </a:r>
+            <a:r>
+              <a:rPr lang="en-US" baseline="0" dirty="0" smtClean="0"/>
+              <a:t> </a:t>
+            </a:r>
+            <a:r>
+              <a:rPr lang="en-US" baseline="0" dirty="0" err="1" smtClean="0"/>
+              <a:t>thể</a:t>
             </a:r>
             <a:r>
               <a:rPr lang="en-US" baseline="0" dirty="0" smtClean="0"/>
@@ -1482,15 +2144,23 @@
             </a:r>
             <a:r>
               <a:rPr lang="en-US" baseline="0" dirty="0" err="1" smtClean="0"/>
-              <a:t>đều</a:t>
-            </a:r>
-            <a:r>
-              <a:rPr lang="en-US" baseline="0" dirty="0" smtClean="0"/>
-              <a:t> </a:t>
-            </a:r>
-            <a:r>
-              <a:rPr lang="en-US" baseline="0" dirty="0" err="1" smtClean="0"/>
-              <a:t>sử</a:t>
+              <a:t>động</a:t>
+            </a:r>
+            <a:r>
+              <a:rPr lang="en-US" baseline="0" dirty="0" smtClean="0"/>
+              <a:t> </a:t>
+            </a:r>
+            <a:r>
+              <a:rPr lang="en-US" baseline="0" dirty="0" err="1" smtClean="0"/>
+              <a:t>khóa</a:t>
+            </a:r>
+            <a:r>
+              <a:rPr lang="en-US" baseline="0" dirty="0" smtClean="0"/>
+              <a:t> </a:t>
+            </a:r>
+            <a:r>
+              <a:rPr lang="en-US" baseline="0" dirty="0" err="1" smtClean="0"/>
+              <a:t>ứng</a:t>
             </a:r>
             <a:r>
               <a:rPr lang="en-US" baseline="0" dirty="0" smtClean="0"/>
@@ -1506,141 +2176,6 @@
             </a:r>
             <a:r>
               <a:rPr lang="en-US" baseline="0" dirty="0" err="1" smtClean="0"/>
-              <a:t>sharedpreferences</a:t>
-            </a:r>
-            <a:r>
-              <a:rPr lang="en-US" baseline="0" dirty="0" smtClean="0"/>
-              <a:t> </a:t>
-            </a:r>
-            <a:r>
-              <a:rPr lang="en-US" baseline="0" dirty="0" err="1" smtClean="0"/>
-              <a:t>để</a:t>
-            </a:r>
-            <a:r>
-              <a:rPr lang="en-US" baseline="0" dirty="0" smtClean="0"/>
-              <a:t> </a:t>
-            </a:r>
-            <a:r>
-              <a:rPr lang="en-US" baseline="0" dirty="0" err="1" smtClean="0"/>
-              <a:t>lưu</a:t>
-            </a:r>
-            <a:endParaRPr lang="en-US" baseline="0" dirty="0" smtClean="0"/>
-          </a:p>
-          <a:p>
-            <a:r>
-              <a:rPr lang="en-US" baseline="0" dirty="0" err="1" smtClean="0"/>
-              <a:t>Về</a:t>
-            </a:r>
-            <a:r>
-              <a:rPr lang="en-US" baseline="0" dirty="0" smtClean="0"/>
-              <a:t> </a:t>
-            </a:r>
-            <a:r>
-              <a:rPr lang="en-US" baseline="0" dirty="0" err="1" smtClean="0"/>
-              <a:t>bảo</a:t>
-            </a:r>
-            <a:r>
-              <a:rPr lang="en-US" baseline="0" dirty="0" smtClean="0"/>
-              <a:t> </a:t>
-            </a:r>
-            <a:r>
-              <a:rPr lang="en-US" baseline="0" dirty="0" err="1" smtClean="0"/>
-              <a:t>mật</a:t>
-            </a:r>
-            <a:r>
-              <a:rPr lang="en-US" baseline="0" dirty="0" smtClean="0"/>
-              <a:t> </a:t>
-            </a:r>
-            <a:r>
-              <a:rPr lang="en-US" baseline="0" dirty="0" err="1" smtClean="0"/>
-              <a:t>khi</a:t>
-            </a:r>
-            <a:r>
-              <a:rPr lang="en-US" baseline="0" dirty="0" smtClean="0"/>
-              <a:t> </a:t>
-            </a:r>
-            <a:r>
-              <a:rPr lang="en-US" baseline="0" dirty="0" err="1" smtClean="0"/>
-              <a:t>không</a:t>
-            </a:r>
-            <a:r>
-              <a:rPr lang="en-US" baseline="0" dirty="0" smtClean="0"/>
-              <a:t> </a:t>
-            </a:r>
-            <a:r>
-              <a:rPr lang="en-US" baseline="0" dirty="0" err="1" smtClean="0"/>
-              <a:t>dùng</a:t>
-            </a:r>
-            <a:r>
-              <a:rPr lang="en-US" baseline="0" dirty="0" smtClean="0"/>
-              <a:t> </a:t>
-            </a:r>
-            <a:r>
-              <a:rPr lang="en-US" baseline="0" dirty="0" err="1" smtClean="0"/>
-              <a:t>thì</a:t>
-            </a:r>
-            <a:r>
-              <a:rPr lang="en-US" baseline="0" dirty="0" smtClean="0"/>
-              <a:t> </a:t>
-            </a:r>
-            <a:r>
-              <a:rPr lang="en-US" baseline="0" dirty="0" err="1" smtClean="0"/>
-              <a:t>có</a:t>
-            </a:r>
-            <a:r>
-              <a:rPr lang="en-US" baseline="0" dirty="0" smtClean="0"/>
-              <a:t> </a:t>
-            </a:r>
-            <a:r>
-              <a:rPr lang="en-US" baseline="0" dirty="0" err="1" smtClean="0"/>
-              <a:t>thể</a:t>
-            </a:r>
-            <a:r>
-              <a:rPr lang="en-US" baseline="0" dirty="0" smtClean="0"/>
-              <a:t> </a:t>
-            </a:r>
-            <a:r>
-              <a:rPr lang="en-US" baseline="0" dirty="0" err="1" smtClean="0"/>
-              <a:t>chủ</a:t>
-            </a:r>
-            <a:r>
-              <a:rPr lang="en-US" baseline="0" dirty="0" smtClean="0"/>
-              <a:t> </a:t>
-            </a:r>
-            <a:r>
-              <a:rPr lang="en-US" baseline="0" dirty="0" err="1" smtClean="0"/>
-              <a:t>động</a:t>
-            </a:r>
-            <a:r>
-              <a:rPr lang="en-US" baseline="0" dirty="0" smtClean="0"/>
-              <a:t> </a:t>
-            </a:r>
-            <a:r>
-              <a:rPr lang="en-US" baseline="0" dirty="0" err="1" smtClean="0"/>
-              <a:t>khóa</a:t>
-            </a:r>
-            <a:r>
-              <a:rPr lang="en-US" baseline="0" dirty="0" smtClean="0"/>
-              <a:t> </a:t>
-            </a:r>
-            <a:r>
-              <a:rPr lang="en-US" baseline="0" dirty="0" err="1" smtClean="0"/>
-              <a:t>ứng</a:t>
-            </a:r>
-            <a:r>
-              <a:rPr lang="en-US" baseline="0" dirty="0" smtClean="0"/>
-              <a:t> </a:t>
-            </a:r>
-            <a:r>
-              <a:rPr lang="en-US" baseline="0" dirty="0" err="1" smtClean="0"/>
-              <a:t>dụng</a:t>
-            </a:r>
-            <a:r>
-              <a:rPr lang="en-US" baseline="0" dirty="0" smtClean="0"/>
-              <a:t> </a:t>
-            </a:r>
-            <a:r>
-              <a:rPr lang="en-US" baseline="0" dirty="0" err="1" smtClean="0"/>
               <a:t>lại</a:t>
             </a:r>
             <a:r>
@@ -1677,7 +2212,15 @@
             </a:r>
             <a:r>
               <a:rPr lang="en-US" baseline="0" dirty="0" smtClean="0"/>
-              <a:t> button </a:t>
+              <a:t> </a:t>
+            </a:r>
+            <a:r>
+              <a:rPr lang="en-US" baseline="0" dirty="0" err="1" smtClean="0"/>
+              <a:t>nút</a:t>
+            </a:r>
+            <a:r>
+              <a:rPr lang="en-US" baseline="0" dirty="0" smtClean="0"/>
+              <a:t> </a:t>
             </a:r>
             <a:r>
               <a:rPr lang="en-US" baseline="0" dirty="0" err="1" smtClean="0"/>
@@ -2229,7 +2772,27 @@
             </a:r>
             <a:r>
               <a:rPr lang="en-US" baseline="0" dirty="0" smtClean="0"/>
-              <a:t> xml </a:t>
+              <a:t> </a:t>
+            </a:r>
+            <a:r>
+              <a:rPr lang="en-US" baseline="0" dirty="0" smtClean="0"/>
+              <a:t>xml </a:t>
+            </a:r>
+            <a:r>
+              <a:rPr lang="en-US" baseline="0" dirty="0" err="1" smtClean="0"/>
+              <a:t>có</a:t>
+            </a:r>
+            <a:r>
+              <a:rPr lang="en-US" baseline="0" dirty="0" smtClean="0"/>
+              <a:t> </a:t>
+            </a:r>
+            <a:r>
+              <a:rPr lang="en-US" baseline="0" dirty="0" err="1" smtClean="0"/>
+              <a:t>tên</a:t>
+            </a:r>
+            <a:r>
+              <a:rPr lang="en-US" baseline="0" dirty="0" smtClean="0"/>
+              <a:t> activity_login.xml</a:t>
             </a:r>
             <a:endParaRPr lang="en-US" dirty="0"/>
           </a:p>
@@ -2315,93 +2878,42 @@
           <a:bodyPr/>
           <a:lstStyle/>
           <a:p>
-            <a:r>
-              <a:rPr lang="en-US" dirty="0" err="1" smtClean="0"/>
-              <a:t>Với</a:t>
-            </a:r>
-            <a:r>
-              <a:rPr lang="en-US" baseline="0" dirty="0" smtClean="0"/>
-              <a:t> </a:t>
-            </a:r>
-            <a:r>
-              <a:rPr lang="en-US" baseline="0" dirty="0" err="1" smtClean="0"/>
-              <a:t>việc</a:t>
-            </a:r>
-            <a:r>
-              <a:rPr lang="en-US" baseline="0" dirty="0" smtClean="0"/>
-              <a:t> </a:t>
-            </a:r>
-            <a:r>
-              <a:rPr lang="en-US" baseline="0" dirty="0" err="1" smtClean="0"/>
-              <a:t>sử</a:t>
-            </a:r>
-            <a:r>
-              <a:rPr lang="en-US" baseline="0" dirty="0" smtClean="0"/>
-              <a:t> </a:t>
-            </a:r>
-            <a:r>
-              <a:rPr lang="en-US" baseline="0" dirty="0" err="1" smtClean="0"/>
-              <a:t>dụng</a:t>
-            </a:r>
-            <a:r>
-              <a:rPr lang="en-US" baseline="0" dirty="0" smtClean="0"/>
-              <a:t> adapter </a:t>
-            </a:r>
-            <a:r>
-              <a:rPr lang="en-US" baseline="0" dirty="0" err="1" smtClean="0"/>
-              <a:t>và</a:t>
-            </a:r>
-            <a:r>
-              <a:rPr lang="en-US" baseline="0" dirty="0" smtClean="0"/>
-              <a:t> query </a:t>
-            </a:r>
-            <a:r>
-              <a:rPr lang="en-US" baseline="0" dirty="0" err="1" smtClean="0"/>
-              <a:t>dữ</a:t>
-            </a:r>
-            <a:r>
-              <a:rPr lang="en-US" baseline="0" dirty="0" smtClean="0"/>
-              <a:t> </a:t>
-            </a:r>
-            <a:r>
-              <a:rPr lang="en-US" baseline="0" dirty="0" err="1" smtClean="0"/>
-              <a:t>liệu</a:t>
-            </a:r>
-            <a:r>
-              <a:rPr lang="en-US" baseline="0" dirty="0" smtClean="0"/>
-              <a:t> </a:t>
-            </a:r>
-            <a:r>
-              <a:rPr lang="en-US" baseline="0" dirty="0" err="1" smtClean="0"/>
-              <a:t>từ</a:t>
-            </a:r>
-            <a:r>
-              <a:rPr lang="en-US" baseline="0" dirty="0" smtClean="0"/>
-              <a:t> </a:t>
-            </a:r>
-            <a:r>
-              <a:rPr lang="en-US" baseline="0" dirty="0" err="1" smtClean="0"/>
-              <a:t>sqlite</a:t>
-            </a:r>
-            <a:r>
-              <a:rPr lang="en-US" baseline="0" dirty="0" smtClean="0"/>
-              <a:t>, </a:t>
-            </a:r>
-            <a:r>
-              <a:rPr lang="en-US" baseline="0" dirty="0" err="1" smtClean="0"/>
-              <a:t>giao</a:t>
-            </a:r>
-            <a:r>
-              <a:rPr lang="en-US" baseline="0" dirty="0" smtClean="0"/>
-              <a:t> </a:t>
-            </a:r>
-            <a:r>
-              <a:rPr lang="en-US" baseline="0" dirty="0" err="1" smtClean="0"/>
-              <a:t>diện</a:t>
-            </a:r>
-            <a:r>
-              <a:rPr lang="en-US" baseline="0" dirty="0" smtClean="0"/>
-              <a:t> </a:t>
+            <a:pPr marL="0" marR="0" indent="0" algn="l" defTabSz="914400" rtl="0" eaLnBrk="1" fontAlgn="auto" latinLnBrk="0" hangingPunct="1">
+              <a:lnSpc>
+                <a:spcPct val="100000"/>
+              </a:lnSpc>
+              <a:spcBef>
+                <a:spcPts val="0"/>
+              </a:spcBef>
+              <a:spcAft>
+                <a:spcPts val="0"/>
+              </a:spcAft>
+              <a:buClrTx/>
+              <a:buSzTx/>
+              <a:buFontTx/>
+              <a:buNone/>
+              <a:tabLst/>
+              <a:defRPr/>
+            </a:pPr>
+            <a:r>
+              <a:rPr lang="en-US" baseline="0" dirty="0" smtClean="0"/>
+              <a:t>ở </a:t>
+            </a:r>
+            <a:r>
+              <a:rPr lang="en-US" baseline="0" dirty="0" err="1" smtClean="0"/>
+              <a:t>đây</a:t>
+            </a:r>
+            <a:r>
+              <a:rPr lang="en-US" baseline="0" dirty="0" smtClean="0"/>
+              <a:t> chia </a:t>
+            </a:r>
+            <a:r>
+              <a:rPr lang="en-US" baseline="0" dirty="0" err="1" smtClean="0"/>
+              <a:t>thành</a:t>
+            </a:r>
+            <a:r>
+              <a:rPr lang="en-US" baseline="0" dirty="0" smtClean="0"/>
+              <a:t> 3 layout </a:t>
             </a:r>
             <a:r>
               <a:rPr lang="en-US" baseline="0" dirty="0" err="1" smtClean="0"/>
@@ -2409,6 +2921,14 @@
             </a:r>
             <a:r>
               <a:rPr lang="en-US" baseline="0" dirty="0" smtClean="0"/>
+              <a:t>, 1 layout </a:t>
+            </a:r>
+            <a:r>
+              <a:rPr lang="en-US" baseline="0" dirty="0" err="1" smtClean="0"/>
+              <a:t>cho</a:t>
+            </a:r>
+            <a:r>
+              <a:rPr lang="en-US" baseline="0" dirty="0" smtClean="0"/>
               <a:t> </a:t>
             </a:r>
             <a:r>
@@ -2421,96 +2941,63 @@
             </a:r>
             <a:r>
               <a:rPr lang="en-US" baseline="0" dirty="0" err="1" smtClean="0"/>
-              <a:t>danh</a:t>
-            </a:r>
-            <a:r>
-              <a:rPr lang="en-US" baseline="0" dirty="0" smtClean="0"/>
-              <a:t> </a:t>
-            </a:r>
-            <a:r>
-              <a:rPr lang="en-US" baseline="0" dirty="0" err="1" smtClean="0"/>
-              <a:t>sách</a:t>
-            </a:r>
-            <a:r>
-              <a:rPr lang="en-US" baseline="0" dirty="0" smtClean="0"/>
-              <a:t> </a:t>
-            </a:r>
-            <a:r>
-              <a:rPr lang="en-US" baseline="0" dirty="0" err="1" smtClean="0"/>
-              <a:t>ghi</a:t>
-            </a:r>
-            <a:r>
-              <a:rPr lang="en-US" baseline="0" dirty="0" smtClean="0"/>
-              <a:t> </a:t>
-            </a:r>
-            <a:r>
-              <a:rPr lang="en-US" baseline="0" dirty="0" err="1" smtClean="0"/>
-              <a:t>chú</a:t>
-            </a:r>
-            <a:r>
-              <a:rPr lang="en-US" baseline="0" dirty="0" smtClean="0"/>
-              <a:t> </a:t>
-            </a:r>
-            <a:r>
-              <a:rPr lang="en-US" baseline="0" dirty="0" err="1" smtClean="0"/>
-              <a:t>đã</a:t>
-            </a:r>
-            <a:r>
-              <a:rPr lang="en-US" baseline="0" dirty="0" smtClean="0"/>
-              <a:t> </a:t>
-            </a:r>
-            <a:r>
-              <a:rPr lang="en-US" baseline="0" dirty="0" err="1" smtClean="0"/>
-              <a:t>lưu</a:t>
-            </a:r>
-            <a:r>
-              <a:rPr lang="en-US" baseline="0" dirty="0" smtClean="0"/>
-              <a:t> </a:t>
-            </a:r>
-            <a:r>
-              <a:rPr lang="en-US" baseline="0" dirty="0" err="1" smtClean="0"/>
-              <a:t>cũng</a:t>
-            </a:r>
-            <a:r>
-              <a:rPr lang="en-US" baseline="0" dirty="0" smtClean="0"/>
-              <a:t> </a:t>
-            </a:r>
-            <a:r>
-              <a:rPr lang="en-US" baseline="0" dirty="0" err="1" smtClean="0"/>
-              <a:t>như</a:t>
-            </a:r>
-            <a:r>
-              <a:rPr lang="en-US" baseline="0" dirty="0" smtClean="0"/>
-              <a:t> </a:t>
-            </a:r>
-            <a:r>
-              <a:rPr lang="en-US" baseline="0" dirty="0" err="1" smtClean="0"/>
-              <a:t>các</a:t>
-            </a:r>
-            <a:r>
-              <a:rPr lang="en-US" baseline="0" dirty="0" smtClean="0"/>
-              <a:t> </a:t>
-            </a:r>
-            <a:r>
-              <a:rPr lang="en-US" baseline="0" dirty="0" err="1" smtClean="0"/>
-              <a:t>nút</a:t>
-            </a:r>
-            <a:r>
-              <a:rPr lang="en-US" baseline="0" dirty="0" smtClean="0"/>
-              <a:t> </a:t>
-            </a:r>
-            <a:r>
-              <a:rPr lang="en-US" baseline="0" dirty="0" err="1" smtClean="0"/>
-              <a:t>chức</a:t>
-            </a:r>
-            <a:r>
-              <a:rPr lang="en-US" baseline="0" dirty="0" smtClean="0"/>
-              <a:t> </a:t>
-            </a:r>
-            <a:r>
-              <a:rPr lang="en-US" baseline="0" dirty="0" err="1" smtClean="0"/>
-              <a:t>năng</a:t>
-            </a:r>
+              <a:t>ảnh</a:t>
+            </a:r>
+            <a:r>
+              <a:rPr lang="en-US" baseline="0" dirty="0" smtClean="0"/>
+              <a:t> quay, 1 layout </a:t>
+            </a:r>
+            <a:r>
+              <a:rPr lang="en-US" baseline="0" dirty="0" err="1" smtClean="0"/>
+              <a:t>cho</a:t>
+            </a:r>
+            <a:r>
+              <a:rPr lang="en-US" baseline="0" dirty="0" smtClean="0"/>
+              <a:t> </a:t>
+            </a:r>
+            <a:r>
+              <a:rPr lang="en-US" baseline="0" dirty="0" err="1" smtClean="0"/>
+              <a:t>hiện</a:t>
+            </a:r>
+            <a:r>
+              <a:rPr lang="en-US" baseline="0" dirty="0" smtClean="0"/>
+              <a:t> from </a:t>
+            </a:r>
+            <a:r>
+              <a:rPr lang="en-US" baseline="0" dirty="0" err="1" smtClean="0"/>
+              <a:t>tạo</a:t>
+            </a:r>
+            <a:r>
+              <a:rPr lang="en-US" baseline="0" dirty="0" smtClean="0"/>
+              <a:t> </a:t>
+            </a:r>
+            <a:r>
+              <a:rPr lang="en-US" baseline="0" dirty="0" err="1" smtClean="0"/>
+              <a:t>mật</a:t>
+            </a:r>
+            <a:r>
+              <a:rPr lang="en-US" baseline="0" dirty="0" smtClean="0"/>
+              <a:t> </a:t>
+            </a:r>
+            <a:r>
+              <a:rPr lang="en-US" baseline="0" dirty="0" err="1" smtClean="0"/>
+              <a:t>khẩu</a:t>
+            </a:r>
+            <a:r>
+              <a:rPr lang="en-US" baseline="0" dirty="0" smtClean="0"/>
+              <a:t>, 1 layout </a:t>
+            </a:r>
+            <a:r>
+              <a:rPr lang="en-US" baseline="0" dirty="0" err="1" smtClean="0"/>
+              <a:t>hiện</a:t>
+            </a:r>
+            <a:r>
+              <a:rPr lang="en-US" baseline="0" dirty="0" smtClean="0"/>
+              <a:t> form login </a:t>
+            </a:r>
+            <a:endParaRPr lang="en-US" dirty="0" smtClean="0"/>
+          </a:p>
+          <a:p>
             <a:endParaRPr lang="en-US" dirty="0"/>
           </a:p>
         </p:txBody>
@@ -2532,7 +3019,7 @@
           <a:p>
             <a:fld id="{D8F4D0B3-74D8-494A-8A9D-528819ECFAA0}" type="slidenum">
               <a:rPr lang="en-US" smtClean="0"/>
-              <a:t>11</a:t>
+              <a:t>9</a:t>
             </a:fld>
             <a:endParaRPr lang="en-US"/>
           </a:p>
@@ -2541,7 +3028,7 @@
     </p:spTree>
     <p:extLst>
       <p:ext uri="{BB962C8B-B14F-4D97-AF65-F5344CB8AC3E}">
-        <p14:creationId xmlns:p14="http://schemas.microsoft.com/office/powerpoint/2010/main" val="3924279292"/>
+        <p14:creationId xmlns:p14="http://schemas.microsoft.com/office/powerpoint/2010/main" val="3776729803"/>
       </p:ext>
     </p:extLst>
   </p:cSld>
@@ -2597,78 +3084,14 @@
           <a:p>
             <a:r>
               <a:rPr lang="en-US" dirty="0" err="1" smtClean="0"/>
-              <a:t>Việc</a:t>
-            </a:r>
-            <a:r>
-              <a:rPr lang="en-US" baseline="0" dirty="0" smtClean="0"/>
-              <a:t> </a:t>
-            </a:r>
-            <a:r>
-              <a:rPr lang="en-US" baseline="0" dirty="0" err="1" smtClean="0"/>
-              <a:t>chạm</a:t>
-            </a:r>
-            <a:r>
-              <a:rPr lang="en-US" baseline="0" dirty="0" smtClean="0"/>
-              <a:t> </a:t>
-            </a:r>
-            <a:r>
-              <a:rPr lang="en-US" baseline="0" dirty="0" err="1" smtClean="0"/>
-              <a:t>vào</a:t>
-            </a:r>
-            <a:r>
-              <a:rPr lang="en-US" baseline="0" dirty="0" smtClean="0"/>
-              <a:t> </a:t>
-            </a:r>
-            <a:r>
-              <a:rPr lang="en-US" baseline="0" dirty="0" err="1" smtClean="0"/>
-              <a:t>nút</a:t>
-            </a:r>
-            <a:r>
-              <a:rPr lang="en-US" baseline="0" dirty="0" smtClean="0"/>
-              <a:t> </a:t>
-            </a:r>
-            <a:r>
-              <a:rPr lang="en-US" baseline="0" dirty="0" err="1" smtClean="0"/>
-              <a:t>chức</a:t>
-            </a:r>
-            <a:r>
-              <a:rPr lang="en-US" baseline="0" dirty="0" smtClean="0"/>
-              <a:t> </a:t>
-            </a:r>
-            <a:r>
-              <a:rPr lang="en-US" baseline="0" dirty="0" err="1" smtClean="0"/>
-              <a:t>năng</a:t>
-            </a:r>
-            <a:r>
-              <a:rPr lang="en-US" baseline="0" dirty="0" smtClean="0"/>
-              <a:t> </a:t>
-            </a:r>
-            <a:r>
-              <a:rPr lang="en-US" baseline="0" dirty="0" err="1" smtClean="0"/>
-              <a:t>chuyển</a:t>
-            </a:r>
-            <a:r>
-              <a:rPr lang="en-US" baseline="0" dirty="0" smtClean="0"/>
-              <a:t> view, </a:t>
-            </a:r>
-            <a:r>
-              <a:rPr lang="en-US" baseline="0" dirty="0" err="1" smtClean="0"/>
-              <a:t>và</a:t>
-            </a:r>
-            <a:r>
-              <a:rPr lang="en-US" baseline="0" dirty="0" smtClean="0"/>
-              <a:t> load </a:t>
-            </a:r>
-            <a:r>
-              <a:rPr lang="en-US" baseline="0" dirty="0" err="1" smtClean="0"/>
-              <a:t>lại</a:t>
-            </a:r>
-            <a:r>
-              <a:rPr lang="en-US" baseline="0" dirty="0" smtClean="0"/>
-              <a:t> </a:t>
-            </a:r>
-            <a:r>
-              <a:rPr lang="en-US" baseline="0" dirty="0" err="1" smtClean="0"/>
+              <a:t>Lấy</a:t>
+            </a:r>
+            <a:r>
+              <a:rPr lang="en-US" dirty="0" smtClean="0"/>
+              <a:t> </a:t>
+            </a:r>
+            <a:r>
+              <a:rPr lang="en-US" dirty="0" err="1" smtClean="0"/>
               <a:t>dữ</a:t>
             </a:r>
             <a:r>
@@ -2685,23 +3108,112 @@
             </a:r>
             <a:r>
               <a:rPr lang="en-US" baseline="0" dirty="0" err="1" smtClean="0"/>
-              <a:t>với</a:t>
-            </a:r>
-            <a:r>
-              <a:rPr lang="en-US" baseline="0" dirty="0" smtClean="0"/>
-              <a:t> adapter  </a:t>
-            </a:r>
-            <a:r>
-              <a:rPr lang="en-US" baseline="0" dirty="0" err="1" smtClean="0"/>
-              <a:t>khác</a:t>
-            </a:r>
-            <a:r>
-              <a:rPr lang="en-US" baseline="0" dirty="0" smtClean="0"/>
-              <a:t> </a:t>
-            </a:r>
-            <a:r>
-              <a:rPr lang="en-US" baseline="0" dirty="0" err="1" smtClean="0"/>
-              <a:t>chúng</a:t>
+              <a:t>thông</a:t>
+            </a:r>
+            <a:r>
+              <a:rPr lang="en-US" baseline="0" dirty="0" smtClean="0"/>
+              <a:t> qua </a:t>
+            </a:r>
+            <a:r>
+              <a:rPr lang="en-US" baseline="0" dirty="0" err="1" smtClean="0"/>
+              <a:t>hàm</a:t>
+            </a:r>
+            <a:r>
+              <a:rPr lang="en-US" baseline="0" dirty="0" smtClean="0"/>
+              <a:t> </a:t>
+            </a:r>
+            <a:r>
+              <a:rPr lang="en-US" baseline="0" dirty="0" err="1" smtClean="0"/>
+              <a:t>getSharedPreferences</a:t>
+            </a:r>
+            <a:endParaRPr lang="en-US" baseline="0" dirty="0" smtClean="0"/>
+          </a:p>
+          <a:p>
+            <a:r>
+              <a:rPr lang="en-US" baseline="0" dirty="0" err="1" smtClean="0"/>
+              <a:t>Lưu</a:t>
+            </a:r>
+            <a:r>
+              <a:rPr lang="en-US" baseline="0" dirty="0" smtClean="0"/>
+              <a:t> </a:t>
+            </a:r>
+            <a:r>
+              <a:rPr lang="en-US" baseline="0" dirty="0" err="1" smtClean="0"/>
+              <a:t>dữ</a:t>
+            </a:r>
+            <a:r>
+              <a:rPr lang="en-US" baseline="0" dirty="0" smtClean="0"/>
+              <a:t> </a:t>
+            </a:r>
+            <a:r>
+              <a:rPr lang="en-US" baseline="0" dirty="0" err="1" smtClean="0"/>
+              <a:t>liệu</a:t>
+            </a:r>
+            <a:r>
+              <a:rPr lang="en-US" baseline="0" dirty="0" smtClean="0"/>
+              <a:t> </a:t>
+            </a:r>
+            <a:r>
+              <a:rPr lang="en-US" baseline="0" dirty="0" err="1" smtClean="0"/>
+              <a:t>thông</a:t>
+            </a:r>
+            <a:r>
+              <a:rPr lang="en-US" baseline="0" dirty="0" smtClean="0"/>
+              <a:t> qua </a:t>
+            </a:r>
+            <a:r>
+              <a:rPr lang="en-US" baseline="0" dirty="0" err="1" smtClean="0"/>
+              <a:t>hàm</a:t>
+            </a:r>
+            <a:r>
+              <a:rPr lang="en-US" baseline="0" dirty="0" smtClean="0"/>
+              <a:t> </a:t>
+            </a:r>
+            <a:r>
+              <a:rPr lang="en-US" baseline="0" dirty="0" err="1" smtClean="0"/>
+              <a:t>editor.putString</a:t>
+            </a:r>
+            <a:r>
+              <a:rPr lang="en-US" baseline="0" dirty="0" smtClean="0"/>
+              <a:t>(PREFS_KEY, p1); </a:t>
+            </a:r>
+            <a:r>
+              <a:rPr lang="en-US" baseline="0" dirty="0" err="1" smtClean="0"/>
+              <a:t>editor.commit</a:t>
+            </a:r>
+            <a:r>
+              <a:rPr lang="en-US" baseline="0" dirty="0" smtClean="0"/>
+              <a:t>();</a:t>
+            </a:r>
+          </a:p>
+          <a:p>
+            <a:r>
+              <a:rPr lang="en-US" baseline="0" dirty="0" err="1" smtClean="0"/>
+              <a:t>Tương</a:t>
+            </a:r>
+            <a:r>
+              <a:rPr lang="en-US" baseline="0" dirty="0" smtClean="0"/>
+              <a:t> </a:t>
+            </a:r>
+            <a:r>
+              <a:rPr lang="en-US" baseline="0" dirty="0" err="1" smtClean="0"/>
+              <a:t>tự</a:t>
+            </a:r>
+            <a:r>
+              <a:rPr lang="en-US" baseline="0" dirty="0" smtClean="0"/>
+              <a:t> </a:t>
+            </a:r>
+            <a:r>
+              <a:rPr lang="en-US" baseline="0" dirty="0" err="1" smtClean="0"/>
+              <a:t>như</a:t>
+            </a:r>
+            <a:r>
+              <a:rPr lang="en-US" baseline="0" dirty="0" smtClean="0"/>
+              <a:t> </a:t>
+            </a:r>
+            <a:r>
+              <a:rPr lang="en-US" baseline="0" dirty="0" err="1" smtClean="0"/>
+              <a:t>thế</a:t>
             </a:r>
             <a:r>
               <a:rPr lang="en-US" baseline="0" dirty="0" smtClean="0"/>
@@ -2709,15 +3221,31 @@
             </a:r>
             <a:r>
               <a:rPr lang="en-US" baseline="0" dirty="0" err="1" smtClean="0"/>
-              <a:t>sẽ</a:t>
-            </a:r>
-            <a:r>
-              <a:rPr lang="en-US" baseline="0" dirty="0" smtClean="0"/>
-              <a:t> </a:t>
-            </a:r>
-            <a:r>
-              <a:rPr lang="en-US" baseline="0" dirty="0" err="1" smtClean="0"/>
-              <a:t>thấy</a:t>
+              <a:t>lưu</a:t>
+            </a:r>
+            <a:r>
+              <a:rPr lang="en-US" baseline="0" dirty="0" smtClean="0"/>
+              <a:t> </a:t>
+            </a:r>
+            <a:r>
+              <a:rPr lang="en-US" baseline="0" dirty="0" err="1" smtClean="0"/>
+              <a:t>việc</a:t>
+            </a:r>
+            <a:r>
+              <a:rPr lang="en-US" baseline="0" dirty="0" smtClean="0"/>
+              <a:t> </a:t>
+            </a:r>
+            <a:r>
+              <a:rPr lang="en-US" baseline="0" dirty="0" err="1" smtClean="0"/>
+              <a:t>thiết</a:t>
+            </a:r>
+            <a:r>
+              <a:rPr lang="en-US" baseline="0" dirty="0" smtClean="0"/>
+              <a:t> </a:t>
+            </a:r>
+            <a:r>
+              <a:rPr lang="en-US" baseline="0" dirty="0" err="1" smtClean="0"/>
+              <a:t>đặt</a:t>
             </a:r>
             <a:r>
               <a:rPr lang="en-US" baseline="0" dirty="0" smtClean="0"/>
@@ -2737,23 +3265,176 @@
             </a:r>
             <a:r>
               <a:rPr lang="en-US" baseline="0" dirty="0" smtClean="0"/>
-              <a:t> </a:t>
-            </a:r>
-            <a:r>
-              <a:rPr lang="en-US" baseline="0" dirty="0" err="1" smtClean="0"/>
-              <a:t>thay</a:t>
-            </a:r>
-            <a:r>
-              <a:rPr lang="en-US" baseline="0" dirty="0" smtClean="0"/>
-              <a:t> </a:t>
-            </a:r>
-            <a:r>
-              <a:rPr lang="en-US" baseline="0" dirty="0" err="1" smtClean="0"/>
-              <a:t>đổi</a:t>
-            </a:r>
-            <a:r>
-              <a:rPr lang="en-US" baseline="0" dirty="0" smtClean="0"/>
-              <a:t> </a:t>
+              <a:t> home </a:t>
+            </a:r>
+            <a:r>
+              <a:rPr lang="en-US" baseline="0" dirty="0" err="1" smtClean="0"/>
+              <a:t>theo</a:t>
+            </a:r>
+            <a:r>
+              <a:rPr lang="en-US" baseline="0" dirty="0" smtClean="0"/>
+              <a:t> </a:t>
+            </a:r>
+            <a:r>
+              <a:rPr lang="en-US" baseline="0" dirty="0" err="1" smtClean="0"/>
+              <a:t>dạng</a:t>
+            </a:r>
+            <a:r>
+              <a:rPr lang="en-US" baseline="0" dirty="0" smtClean="0"/>
+              <a:t> </a:t>
+            </a:r>
+            <a:r>
+              <a:rPr lang="en-US" baseline="0" dirty="0" err="1" smtClean="0"/>
+              <a:t>danh</a:t>
+            </a:r>
+            <a:r>
+              <a:rPr lang="en-US" baseline="0" dirty="0" smtClean="0"/>
+              <a:t> </a:t>
+            </a:r>
+            <a:r>
+              <a:rPr lang="en-US" baseline="0" dirty="0" err="1" smtClean="0"/>
+              <a:t>sách</a:t>
+            </a:r>
+            <a:r>
+              <a:rPr lang="en-US" baseline="0" dirty="0" smtClean="0"/>
+              <a:t> hay </a:t>
+            </a:r>
+            <a:r>
+              <a:rPr lang="en-US" baseline="0" dirty="0" err="1" smtClean="0"/>
+              <a:t>dạng</a:t>
+            </a:r>
+            <a:r>
+              <a:rPr lang="en-US" baseline="0" dirty="0" smtClean="0"/>
+              <a:t> </a:t>
+            </a:r>
+            <a:r>
+              <a:rPr lang="en-US" baseline="0" dirty="0" err="1" smtClean="0"/>
+              <a:t>khối</a:t>
+            </a:r>
+            <a:r>
+              <a:rPr lang="en-US" baseline="0" dirty="0" smtClean="0"/>
+              <a:t> </a:t>
+            </a:r>
+            <a:r>
+              <a:rPr lang="en-US" baseline="0" dirty="0" err="1" smtClean="0"/>
+              <a:t>cũng</a:t>
+            </a:r>
+            <a:r>
+              <a:rPr lang="en-US" baseline="0" dirty="0" smtClean="0"/>
+              <a:t> </a:t>
+            </a:r>
+            <a:r>
+              <a:rPr lang="en-US" baseline="0" dirty="0" err="1" smtClean="0"/>
+              <a:t>trong</a:t>
+            </a:r>
+            <a:r>
+              <a:rPr lang="en-US" baseline="0" dirty="0" smtClean="0"/>
+              <a:t> </a:t>
+            </a:r>
+            <a:r>
+              <a:rPr lang="en-US" baseline="0" dirty="0" err="1" smtClean="0"/>
+              <a:t>sharedprefrencens</a:t>
+            </a:r>
+            <a:r>
+              <a:rPr lang="en-US" baseline="0" dirty="0" smtClean="0"/>
+              <a:t> </a:t>
+            </a:r>
+          </a:p>
+          <a:p>
+            <a:endParaRPr lang="en-US" baseline="0" dirty="0" smtClean="0"/>
+          </a:p>
+          <a:p>
+            <a:r>
+              <a:rPr lang="en-US" baseline="0" dirty="0" err="1" smtClean="0"/>
+              <a:t>Sau</a:t>
+            </a:r>
+            <a:r>
+              <a:rPr lang="en-US" baseline="0" dirty="0" smtClean="0"/>
+              <a:t> </a:t>
+            </a:r>
+            <a:r>
+              <a:rPr lang="en-US" baseline="0" dirty="0" err="1" smtClean="0"/>
+              <a:t>đây</a:t>
+            </a:r>
+            <a:r>
+              <a:rPr lang="en-US" baseline="0" dirty="0" smtClean="0"/>
+              <a:t> </a:t>
+            </a:r>
+            <a:r>
+              <a:rPr lang="en-US" baseline="0" dirty="0" err="1" smtClean="0"/>
+              <a:t>xin</a:t>
+            </a:r>
+            <a:r>
+              <a:rPr lang="en-US" baseline="0" dirty="0" smtClean="0"/>
+              <a:t> </a:t>
+            </a:r>
+            <a:r>
+              <a:rPr lang="en-US" baseline="0" dirty="0" err="1" smtClean="0"/>
+              <a:t>mời</a:t>
+            </a:r>
+            <a:r>
+              <a:rPr lang="en-US" baseline="0" dirty="0" smtClean="0"/>
+              <a:t> </a:t>
+            </a:r>
+            <a:r>
+              <a:rPr lang="en-US" baseline="0" dirty="0" err="1" smtClean="0"/>
+              <a:t>phần</a:t>
+            </a:r>
+            <a:r>
+              <a:rPr lang="en-US" baseline="0" dirty="0" smtClean="0"/>
+              <a:t> </a:t>
+            </a:r>
+            <a:r>
+              <a:rPr lang="en-US" baseline="0" dirty="0" err="1" smtClean="0"/>
+              <a:t>trình</a:t>
+            </a:r>
+            <a:r>
+              <a:rPr lang="en-US" baseline="0" dirty="0" smtClean="0"/>
+              <a:t> </a:t>
+            </a:r>
+            <a:r>
+              <a:rPr lang="en-US" baseline="0" dirty="0" err="1" smtClean="0"/>
+              <a:t>bầy</a:t>
+            </a:r>
+            <a:r>
+              <a:rPr lang="en-US" baseline="0" dirty="0" smtClean="0"/>
+              <a:t> </a:t>
+            </a:r>
+            <a:r>
+              <a:rPr lang="en-US" baseline="0" dirty="0" err="1" smtClean="0"/>
+              <a:t>của</a:t>
+            </a:r>
+            <a:r>
+              <a:rPr lang="en-US" baseline="0" dirty="0" smtClean="0"/>
+              <a:t> </a:t>
+            </a:r>
+            <a:r>
+              <a:rPr lang="en-US" baseline="0" dirty="0" err="1" smtClean="0"/>
+              <a:t>Trần</a:t>
+            </a:r>
+            <a:r>
+              <a:rPr lang="en-US" baseline="0" dirty="0" smtClean="0"/>
+              <a:t> </a:t>
+            </a:r>
+            <a:r>
+              <a:rPr lang="en-US" baseline="0" dirty="0" err="1" smtClean="0"/>
+              <a:t>Thị</a:t>
+            </a:r>
+            <a:r>
+              <a:rPr lang="en-US" baseline="0" dirty="0" smtClean="0"/>
+              <a:t> </a:t>
+            </a:r>
+            <a:r>
+              <a:rPr lang="en-US" baseline="0" dirty="0" err="1" smtClean="0"/>
+              <a:t>Như</a:t>
+            </a:r>
+            <a:r>
+              <a:rPr lang="en-US" baseline="0" dirty="0" smtClean="0"/>
+              <a:t> </a:t>
+            </a:r>
+            <a:r>
+              <a:rPr lang="en-US" baseline="0" smtClean="0"/>
+              <a:t>Hoa</a:t>
             </a:r>
             <a:endParaRPr lang="en-US" dirty="0"/>
           </a:p>
@@ -2776,7 +3457,7 @@
           <a:p>
             <a:fld id="{D8F4D0B3-74D8-494A-8A9D-528819ECFAA0}" type="slidenum">
               <a:rPr lang="en-US" smtClean="0"/>
-              <a:t>12</a:t>
+              <a:t>10</a:t>
             </a:fld>
             <a:endParaRPr lang="en-US"/>
           </a:p>
@@ -2785,7 +3466,7 @@
     </p:spTree>
     <p:extLst>
       <p:ext uri="{BB962C8B-B14F-4D97-AF65-F5344CB8AC3E}">
-        <p14:creationId xmlns:p14="http://schemas.microsoft.com/office/powerpoint/2010/main" val="3015981322"/>
+        <p14:creationId xmlns:p14="http://schemas.microsoft.com/office/powerpoint/2010/main" val="1060406343"/>
       </p:ext>
     </p:extLst>
   </p:cSld>
@@ -2841,39 +3522,15 @@
           <a:p>
             <a:r>
               <a:rPr lang="en-US" dirty="0" err="1" smtClean="0"/>
-              <a:t>Việc</a:t>
-            </a:r>
-            <a:r>
-              <a:rPr lang="en-US" baseline="0" dirty="0" smtClean="0"/>
-              <a:t> </a:t>
-            </a:r>
-            <a:r>
-              <a:rPr lang="en-US" baseline="0" dirty="0" err="1" smtClean="0"/>
-              <a:t>cài</a:t>
-            </a:r>
-            <a:r>
-              <a:rPr lang="en-US" baseline="0" dirty="0" smtClean="0"/>
-              <a:t> </a:t>
-            </a:r>
-            <a:r>
-              <a:rPr lang="en-US" baseline="0" dirty="0" err="1" smtClean="0"/>
-              <a:t>đặt</a:t>
-            </a:r>
-            <a:r>
-              <a:rPr lang="en-US" baseline="0" dirty="0" smtClean="0"/>
-              <a:t> </a:t>
-            </a:r>
-            <a:r>
-              <a:rPr lang="en-US" baseline="0" dirty="0" err="1" smtClean="0"/>
-              <a:t>tìm</a:t>
-            </a:r>
-            <a:r>
-              <a:rPr lang="en-US" baseline="0" dirty="0" smtClean="0"/>
-              <a:t> </a:t>
-            </a:r>
-            <a:r>
-              <a:rPr lang="en-US" baseline="0" dirty="0" err="1" smtClean="0"/>
-              <a:t>kiếm</a:t>
+              <a:t>Với</a:t>
+            </a:r>
+            <a:r>
+              <a:rPr lang="en-US" baseline="0" dirty="0" smtClean="0"/>
+              <a:t> </a:t>
+            </a:r>
+            <a:r>
+              <a:rPr lang="en-US" baseline="0" dirty="0" err="1" smtClean="0"/>
+              <a:t>việc</a:t>
             </a:r>
             <a:r>
               <a:rPr lang="en-US" baseline="0" dirty="0" smtClean="0"/>
@@ -2893,27 +3550,11 @@
             </a:r>
             <a:r>
               <a:rPr lang="en-US" baseline="0" dirty="0" smtClean="0"/>
-              <a:t> adapter filter </a:t>
-            </a:r>
-            <a:r>
-              <a:rPr lang="en-US" baseline="0" dirty="0" err="1" smtClean="0"/>
-              <a:t>để</a:t>
-            </a:r>
-            <a:r>
-              <a:rPr lang="en-US" baseline="0" dirty="0" smtClean="0"/>
-              <a:t> </a:t>
-            </a:r>
-            <a:r>
-              <a:rPr lang="en-US" baseline="0" dirty="0" err="1" smtClean="0"/>
-              <a:t>khỏi</a:t>
-            </a:r>
-            <a:r>
-              <a:rPr lang="en-US" baseline="0" dirty="0" smtClean="0"/>
-              <a:t> </a:t>
-            </a:r>
-            <a:r>
-              <a:rPr lang="en-US" baseline="0" dirty="0" err="1" smtClean="0"/>
-              <a:t>phải</a:t>
+              <a:t> adapter </a:t>
+            </a:r>
+            <a:r>
+              <a:rPr lang="en-US" baseline="0" dirty="0" err="1" smtClean="0"/>
+              <a:t>và</a:t>
             </a:r>
             <a:r>
               <a:rPr lang="en-US" baseline="0" dirty="0" smtClean="0"/>
@@ -2921,14 +3562,6 @@
             </a:r>
             <a:r>
               <a:rPr lang="en-US" baseline="0" dirty="0" err="1" smtClean="0"/>
-              <a:t>lại</a:t>
-            </a:r>
-            <a:r>
-              <a:rPr lang="en-US" baseline="0" dirty="0" smtClean="0"/>
-              <a:t> </a:t>
-            </a:r>
-            <a:r>
-              <a:rPr lang="en-US" baseline="0" dirty="0" err="1" smtClean="0"/>
               <a:t>dữ</a:t>
             </a:r>
             <a:r>
@@ -2949,7 +3582,139 @@
             </a:r>
             <a:r>
               <a:rPr lang="en-US" baseline="0" dirty="0" smtClean="0"/>
-              <a:t> SQLite</a:t>
+              <a:t> </a:t>
+            </a:r>
+            <a:r>
+              <a:rPr lang="en-US" baseline="0" dirty="0" err="1" smtClean="0"/>
+              <a:t>sqlite</a:t>
+            </a:r>
+            <a:r>
+              <a:rPr lang="en-US" baseline="0" dirty="0" smtClean="0"/>
+              <a:t>, </a:t>
+            </a:r>
+            <a:r>
+              <a:rPr lang="en-US" baseline="0" dirty="0" err="1" smtClean="0"/>
+              <a:t>giao</a:t>
+            </a:r>
+            <a:r>
+              <a:rPr lang="en-US" baseline="0" dirty="0" smtClean="0"/>
+              <a:t> </a:t>
+            </a:r>
+            <a:r>
+              <a:rPr lang="en-US" baseline="0" dirty="0" err="1" smtClean="0"/>
+              <a:t>diện</a:t>
+            </a:r>
+            <a:r>
+              <a:rPr lang="en-US" baseline="0" dirty="0" smtClean="0"/>
+              <a:t> </a:t>
+            </a:r>
+            <a:r>
+              <a:rPr lang="en-US" baseline="0" dirty="0" err="1" smtClean="0"/>
+              <a:t>chính</a:t>
+            </a:r>
+            <a:r>
+              <a:rPr lang="en-US" baseline="0" dirty="0" smtClean="0"/>
+              <a:t> </a:t>
+            </a:r>
+            <a:r>
+              <a:rPr lang="en-US" baseline="0" dirty="0" err="1" smtClean="0"/>
+              <a:t>hiện</a:t>
+            </a:r>
+            <a:r>
+              <a:rPr lang="en-US" baseline="0" dirty="0" smtClean="0"/>
+              <a:t> </a:t>
+            </a:r>
+            <a:r>
+              <a:rPr lang="en-US" baseline="0" dirty="0" err="1" smtClean="0"/>
+              <a:t>danh</a:t>
+            </a:r>
+            <a:r>
+              <a:rPr lang="en-US" baseline="0" dirty="0" smtClean="0"/>
+              <a:t> </a:t>
+            </a:r>
+            <a:r>
+              <a:rPr lang="en-US" baseline="0" dirty="0" err="1" smtClean="0"/>
+              <a:t>sách</a:t>
+            </a:r>
+            <a:r>
+              <a:rPr lang="en-US" baseline="0" dirty="0" smtClean="0"/>
+              <a:t> </a:t>
+            </a:r>
+            <a:r>
+              <a:rPr lang="en-US" baseline="0" dirty="0" err="1" smtClean="0"/>
+              <a:t>ghi</a:t>
+            </a:r>
+            <a:r>
+              <a:rPr lang="en-US" baseline="0" dirty="0" smtClean="0"/>
+              <a:t> </a:t>
+            </a:r>
+            <a:r>
+              <a:rPr lang="en-US" baseline="0" dirty="0" err="1" smtClean="0"/>
+              <a:t>chú</a:t>
+            </a:r>
+            <a:r>
+              <a:rPr lang="en-US" baseline="0" dirty="0" smtClean="0"/>
+              <a:t> </a:t>
+            </a:r>
+            <a:r>
+              <a:rPr lang="en-US" baseline="0" dirty="0" err="1" smtClean="0"/>
+              <a:t>đã</a:t>
+            </a:r>
+            <a:r>
+              <a:rPr lang="en-US" baseline="0" dirty="0" smtClean="0"/>
+              <a:t> </a:t>
+            </a:r>
+            <a:r>
+              <a:rPr lang="en-US" baseline="0" dirty="0" err="1" smtClean="0"/>
+              <a:t>lưu</a:t>
+            </a:r>
+            <a:r>
+              <a:rPr lang="en-US" baseline="0" dirty="0" smtClean="0"/>
+              <a:t> </a:t>
+            </a:r>
+            <a:r>
+              <a:rPr lang="en-US" baseline="0" dirty="0" err="1" smtClean="0"/>
+              <a:t>cũng</a:t>
+            </a:r>
+            <a:r>
+              <a:rPr lang="en-US" baseline="0" dirty="0" smtClean="0"/>
+              <a:t> </a:t>
+            </a:r>
+            <a:r>
+              <a:rPr lang="en-US" baseline="0" dirty="0" err="1" smtClean="0"/>
+              <a:t>như</a:t>
+            </a:r>
+            <a:r>
+              <a:rPr lang="en-US" baseline="0" dirty="0" smtClean="0"/>
+              <a:t> </a:t>
+            </a:r>
+            <a:r>
+              <a:rPr lang="en-US" baseline="0" dirty="0" err="1" smtClean="0"/>
+              <a:t>các</a:t>
+            </a:r>
+            <a:r>
+              <a:rPr lang="en-US" baseline="0" dirty="0" smtClean="0"/>
+              <a:t> </a:t>
+            </a:r>
+            <a:r>
+              <a:rPr lang="en-US" baseline="0" dirty="0" err="1" smtClean="0"/>
+              <a:t>nút</a:t>
+            </a:r>
+            <a:r>
+              <a:rPr lang="en-US" baseline="0" dirty="0" smtClean="0"/>
+              <a:t> </a:t>
+            </a:r>
+            <a:r>
+              <a:rPr lang="en-US" baseline="0" dirty="0" err="1" smtClean="0"/>
+              <a:t>chức</a:t>
+            </a:r>
+            <a:r>
+              <a:rPr lang="en-US" baseline="0" dirty="0" smtClean="0"/>
+              <a:t> </a:t>
+            </a:r>
+            <a:r>
+              <a:rPr lang="en-US" baseline="0" dirty="0" err="1" smtClean="0"/>
+              <a:t>năng</a:t>
             </a:r>
             <a:endParaRPr lang="en-US" dirty="0"/>
           </a:p>
@@ -2972,7 +3737,7 @@
           <a:p>
             <a:fld id="{D8F4D0B3-74D8-494A-8A9D-528819ECFAA0}" type="slidenum">
               <a:rPr lang="en-US" smtClean="0"/>
-              <a:t>13</a:t>
+              <a:t>11</a:t>
             </a:fld>
             <a:endParaRPr lang="en-US"/>
           </a:p>
@@ -2981,7 +3746,7 @@
     </p:spTree>
     <p:extLst>
       <p:ext uri="{BB962C8B-B14F-4D97-AF65-F5344CB8AC3E}">
-        <p14:creationId xmlns:p14="http://schemas.microsoft.com/office/powerpoint/2010/main" val="2114474307"/>
+        <p14:creationId xmlns:p14="http://schemas.microsoft.com/office/powerpoint/2010/main" val="3924279292"/>
       </p:ext>
     </p:extLst>
   </p:cSld>
@@ -3037,11 +3802,115 @@
           <a:p>
             <a:r>
               <a:rPr lang="en-US" dirty="0" err="1" smtClean="0"/>
-              <a:t>Các</a:t>
-            </a:r>
-            <a:r>
-              <a:rPr lang="en-US" baseline="0" dirty="0" smtClean="0"/>
-              <a:t> adapter </a:t>
+              <a:t>Việc</a:t>
+            </a:r>
+            <a:r>
+              <a:rPr lang="en-US" baseline="0" dirty="0" smtClean="0"/>
+              <a:t> </a:t>
+            </a:r>
+            <a:r>
+              <a:rPr lang="en-US" baseline="0" dirty="0" err="1" smtClean="0"/>
+              <a:t>chạm</a:t>
+            </a:r>
+            <a:r>
+              <a:rPr lang="en-US" baseline="0" dirty="0" smtClean="0"/>
+              <a:t> </a:t>
+            </a:r>
+            <a:r>
+              <a:rPr lang="en-US" baseline="0" dirty="0" err="1" smtClean="0"/>
+              <a:t>vào</a:t>
+            </a:r>
+            <a:r>
+              <a:rPr lang="en-US" baseline="0" dirty="0" smtClean="0"/>
+              <a:t> </a:t>
+            </a:r>
+            <a:r>
+              <a:rPr lang="en-US" baseline="0" dirty="0" err="1" smtClean="0"/>
+              <a:t>nút</a:t>
+            </a:r>
+            <a:r>
+              <a:rPr lang="en-US" baseline="0" dirty="0" smtClean="0"/>
+              <a:t> </a:t>
+            </a:r>
+            <a:r>
+              <a:rPr lang="en-US" baseline="0" dirty="0" err="1" smtClean="0"/>
+              <a:t>chức</a:t>
+            </a:r>
+            <a:r>
+              <a:rPr lang="en-US" baseline="0" dirty="0" smtClean="0"/>
+              <a:t> </a:t>
+            </a:r>
+            <a:r>
+              <a:rPr lang="en-US" baseline="0" dirty="0" err="1" smtClean="0"/>
+              <a:t>năng</a:t>
+            </a:r>
+            <a:r>
+              <a:rPr lang="en-US" baseline="0" dirty="0" smtClean="0"/>
+              <a:t> </a:t>
+            </a:r>
+            <a:r>
+              <a:rPr lang="en-US" baseline="0" dirty="0" err="1" smtClean="0"/>
+              <a:t>chuyển</a:t>
+            </a:r>
+            <a:r>
+              <a:rPr lang="en-US" baseline="0" dirty="0" smtClean="0"/>
+              <a:t> view, </a:t>
+            </a:r>
+            <a:r>
+              <a:rPr lang="en-US" baseline="0" dirty="0" err="1" smtClean="0"/>
+              <a:t>và</a:t>
+            </a:r>
+            <a:r>
+              <a:rPr lang="en-US" baseline="0" dirty="0" smtClean="0"/>
+              <a:t> load </a:t>
+            </a:r>
+            <a:r>
+              <a:rPr lang="en-US" baseline="0" dirty="0" err="1" smtClean="0"/>
+              <a:t>lại</a:t>
+            </a:r>
+            <a:r>
+              <a:rPr lang="en-US" baseline="0" dirty="0" smtClean="0"/>
+              <a:t> </a:t>
+            </a:r>
+            <a:r>
+              <a:rPr lang="en-US" baseline="0" dirty="0" err="1" smtClean="0"/>
+              <a:t>dữ</a:t>
+            </a:r>
+            <a:r>
+              <a:rPr lang="en-US" baseline="0" dirty="0" smtClean="0"/>
+              <a:t> </a:t>
+            </a:r>
+            <a:r>
+              <a:rPr lang="en-US" baseline="0" dirty="0" err="1" smtClean="0"/>
+              <a:t>liệu</a:t>
+            </a:r>
+            <a:r>
+              <a:rPr lang="en-US" baseline="0" dirty="0" smtClean="0"/>
+              <a:t> </a:t>
+            </a:r>
+            <a:r>
+              <a:rPr lang="en-US" baseline="0" dirty="0" err="1" smtClean="0"/>
+              <a:t>với</a:t>
+            </a:r>
+            <a:r>
+              <a:rPr lang="en-US" baseline="0" dirty="0" smtClean="0"/>
+              <a:t> adapter  </a:t>
+            </a:r>
+            <a:r>
+              <a:rPr lang="en-US" baseline="0" dirty="0" err="1" smtClean="0"/>
+              <a:t>khác</a:t>
+            </a:r>
+            <a:r>
+              <a:rPr lang="en-US" baseline="0" dirty="0" smtClean="0"/>
+              <a:t> </a:t>
+            </a:r>
+            <a:r>
+              <a:rPr lang="en-US" baseline="0" dirty="0" err="1" smtClean="0"/>
+              <a:t>chúng</a:t>
+            </a:r>
+            <a:r>
+              <a:rPr lang="en-US" baseline="0" dirty="0" smtClean="0"/>
+              <a:t> ta </a:t>
             </a:r>
             <a:r>
               <a:rPr lang="en-US" baseline="0" dirty="0" err="1" smtClean="0"/>
@@ -3049,7 +3918,15 @@
             </a:r>
             <a:r>
               <a:rPr lang="en-US" baseline="0" dirty="0" smtClean="0"/>
-              <a:t> load </a:t>
+              <a:t> </a:t>
+            </a:r>
+            <a:r>
+              <a:rPr lang="en-US" baseline="0" dirty="0" err="1" smtClean="0"/>
+              <a:t>thấy</a:t>
+            </a:r>
+            <a:r>
+              <a:rPr lang="en-US" baseline="0" dirty="0" smtClean="0"/>
+              <a:t> </a:t>
             </a:r>
             <a:r>
               <a:rPr lang="en-US" baseline="0" dirty="0" err="1" smtClean="0"/>
@@ -3069,79 +3946,19 @@
             </a:r>
             <a:r>
               <a:rPr lang="en-US" baseline="0" dirty="0" err="1" smtClean="0"/>
-              <a:t>được</a:t>
-            </a:r>
-            <a:r>
-              <a:rPr lang="en-US" baseline="0" dirty="0" smtClean="0"/>
-              <a:t> </a:t>
-            </a:r>
-            <a:r>
-              <a:rPr lang="en-US" baseline="0" dirty="0" err="1" smtClean="0"/>
-              <a:t>cấu</a:t>
-            </a:r>
-            <a:r>
-              <a:rPr lang="en-US" baseline="0" dirty="0" smtClean="0"/>
-              <a:t> </a:t>
-            </a:r>
-            <a:r>
-              <a:rPr lang="en-US" baseline="0" dirty="0" err="1" smtClean="0"/>
-              <a:t>hình</a:t>
-            </a:r>
-            <a:r>
-              <a:rPr lang="en-US" baseline="0" dirty="0" smtClean="0"/>
-              <a:t> </a:t>
-            </a:r>
-            <a:r>
-              <a:rPr lang="en-US" baseline="0" dirty="0" err="1" smtClean="0"/>
-              <a:t>trong</a:t>
-            </a:r>
-            <a:r>
-              <a:rPr lang="en-US" baseline="0" dirty="0" smtClean="0"/>
-              <a:t> file </a:t>
-            </a:r>
-            <a:r>
-              <a:rPr lang="en-US" baseline="0" dirty="0" err="1" smtClean="0"/>
-              <a:t>cấu</a:t>
-            </a:r>
-            <a:r>
-              <a:rPr lang="en-US" baseline="0" dirty="0" smtClean="0"/>
-              <a:t> </a:t>
-            </a:r>
-            <a:r>
-              <a:rPr lang="en-US" baseline="0" dirty="0" err="1" smtClean="0"/>
-              <a:t>hình</a:t>
-            </a:r>
-            <a:r>
-              <a:rPr lang="en-US" baseline="0" dirty="0" smtClean="0"/>
-              <a:t> </a:t>
-            </a:r>
-            <a:r>
-              <a:rPr lang="en-US" baseline="0" dirty="0" err="1" smtClean="0"/>
-              <a:t>giao</a:t>
-            </a:r>
-            <a:r>
-              <a:rPr lang="en-US" baseline="0" dirty="0" smtClean="0"/>
-              <a:t> </a:t>
-            </a:r>
-            <a:r>
-              <a:rPr lang="en-US" baseline="0" dirty="0" err="1" smtClean="0"/>
-              <a:t>diện</a:t>
-            </a:r>
-            <a:r>
-              <a:rPr lang="en-US" baseline="0" dirty="0" smtClean="0"/>
-              <a:t> xml </a:t>
-            </a:r>
-            <a:r>
-              <a:rPr lang="en-US" baseline="0" dirty="0" err="1" smtClean="0"/>
-              <a:t>tương</a:t>
-            </a:r>
-            <a:r>
-              <a:rPr lang="en-US" baseline="0" dirty="0" smtClean="0"/>
-              <a:t> </a:t>
-            </a:r>
-            <a:r>
-              <a:rPr lang="en-US" baseline="0" dirty="0" err="1" smtClean="0"/>
-              <a:t>ứng</a:t>
+              <a:t>thay</a:t>
+            </a:r>
+            <a:r>
+              <a:rPr lang="en-US" baseline="0" dirty="0" smtClean="0"/>
+              <a:t> </a:t>
+            </a:r>
+            <a:r>
+              <a:rPr lang="en-US" baseline="0" dirty="0" err="1" smtClean="0"/>
+              <a:t>đổi</a:t>
+            </a:r>
+            <a:r>
+              <a:rPr lang="en-US" baseline="0" dirty="0" smtClean="0"/>
+              <a:t> </a:t>
             </a:r>
             <a:endParaRPr lang="en-US" dirty="0"/>
           </a:p>
@@ -3164,7 +3981,7 @@
           <a:p>
             <a:fld id="{D8F4D0B3-74D8-494A-8A9D-528819ECFAA0}" type="slidenum">
               <a:rPr lang="en-US" smtClean="0"/>
-              <a:t>15</a:t>
+              <a:t>12</a:t>
             </a:fld>
             <a:endParaRPr lang="en-US"/>
           </a:p>
@@ -3173,7 +3990,7 @@
     </p:spTree>
     <p:extLst>
       <p:ext uri="{BB962C8B-B14F-4D97-AF65-F5344CB8AC3E}">
-        <p14:creationId xmlns:p14="http://schemas.microsoft.com/office/powerpoint/2010/main" val="378705947"/>
+        <p14:creationId xmlns:p14="http://schemas.microsoft.com/office/powerpoint/2010/main" val="3015981322"/>
       </p:ext>
     </p:extLst>
   </p:cSld>

--- a/hoan_thien/Công nghệ phát triển ứng dụng trên thiết bị di động.pptx
+++ b/hoan_thien/Công nghệ phát triển ứng dụng trên thiết bị di động.pptx
@@ -219,7 +219,7 @@
           <a:p>
             <a:fld id="{5BDF486E-ECEA-4CDA-BE1D-F63746FE71C8}" type="datetimeFigureOut">
               <a:rPr lang="en-US" smtClean="0"/>
-              <a:t>1/6/2016</a:t>
+              <a:t>1/9/2016</a:t>
             </a:fld>
             <a:endParaRPr lang="en-US"/>
           </a:p>
@@ -1145,7 +1145,121 @@
             </a:r>
             <a:r>
               <a:rPr lang="en-US" baseline="0" dirty="0" smtClean="0"/>
-              <a:t> SQLite</a:t>
+              <a:t> </a:t>
+            </a:r>
+            <a:r>
+              <a:rPr lang="en-US" baseline="0" dirty="0" smtClean="0"/>
+              <a:t>SQLite</a:t>
+            </a:r>
+          </a:p>
+          <a:p>
+            <a:r>
+              <a:rPr lang="en-US" baseline="0" dirty="0" err="1" smtClean="0"/>
+              <a:t>Tìm</a:t>
+            </a:r>
+            <a:r>
+              <a:rPr lang="en-US" baseline="0" dirty="0" smtClean="0"/>
+              <a:t> </a:t>
+            </a:r>
+            <a:r>
+              <a:rPr lang="en-US" baseline="0" dirty="0" err="1" smtClean="0"/>
+              <a:t>kiếm</a:t>
+            </a:r>
+            <a:r>
+              <a:rPr lang="en-US" baseline="0" dirty="0" smtClean="0"/>
+              <a:t> </a:t>
+            </a:r>
+            <a:r>
+              <a:rPr lang="en-US" baseline="0" dirty="0" err="1" smtClean="0"/>
+              <a:t>theo</a:t>
+            </a:r>
+            <a:r>
+              <a:rPr lang="en-US" baseline="0" dirty="0" smtClean="0"/>
+              <a:t> 2 </a:t>
+            </a:r>
+            <a:r>
+              <a:rPr lang="en-US" baseline="0" dirty="0" err="1" smtClean="0"/>
+              <a:t>tiêu</a:t>
+            </a:r>
+            <a:r>
+              <a:rPr lang="en-US" baseline="0" dirty="0" smtClean="0"/>
+              <a:t> </a:t>
+            </a:r>
+            <a:r>
+              <a:rPr lang="en-US" baseline="0" dirty="0" err="1" smtClean="0"/>
+              <a:t>chí</a:t>
+            </a:r>
+            <a:r>
+              <a:rPr lang="en-US" baseline="0" dirty="0" smtClean="0"/>
+              <a:t>, </a:t>
+            </a:r>
+            <a:r>
+              <a:rPr lang="en-US" baseline="0" dirty="0" err="1" smtClean="0"/>
+              <a:t>là</a:t>
+            </a:r>
+            <a:r>
+              <a:rPr lang="en-US" baseline="0" dirty="0" smtClean="0"/>
+              <a:t> </a:t>
+            </a:r>
+            <a:r>
+              <a:rPr lang="en-US" baseline="0" dirty="0" err="1" smtClean="0"/>
+              <a:t>nội</a:t>
+            </a:r>
+            <a:r>
+              <a:rPr lang="en-US" baseline="0" dirty="0" smtClean="0"/>
+              <a:t> dung </a:t>
+            </a:r>
+            <a:r>
+              <a:rPr lang="en-US" baseline="0" dirty="0" err="1" smtClean="0"/>
+              <a:t>ghi</a:t>
+            </a:r>
+            <a:r>
+              <a:rPr lang="en-US" baseline="0" dirty="0" smtClean="0"/>
+              <a:t> </a:t>
+            </a:r>
+            <a:r>
+              <a:rPr lang="en-US" baseline="0" dirty="0" err="1" smtClean="0"/>
+              <a:t>chú</a:t>
+            </a:r>
+            <a:r>
+              <a:rPr lang="en-US" baseline="0" dirty="0" smtClean="0"/>
+              <a:t> </a:t>
+            </a:r>
+            <a:r>
+              <a:rPr lang="en-US" baseline="0" dirty="0" err="1" smtClean="0"/>
+              <a:t>và</a:t>
+            </a:r>
+            <a:r>
+              <a:rPr lang="en-US" baseline="0" dirty="0" smtClean="0"/>
+              <a:t> </a:t>
+            </a:r>
+            <a:r>
+              <a:rPr lang="en-US" baseline="0" dirty="0" err="1" smtClean="0"/>
+              <a:t>địa</a:t>
+            </a:r>
+            <a:r>
+              <a:rPr lang="en-US" baseline="0" dirty="0" smtClean="0"/>
+              <a:t> </a:t>
+            </a:r>
+            <a:r>
+              <a:rPr lang="en-US" baseline="0" dirty="0" err="1" smtClean="0"/>
+              <a:t>điểm</a:t>
+            </a:r>
+            <a:r>
+              <a:rPr lang="en-US" baseline="0" dirty="0" smtClean="0"/>
+              <a:t> </a:t>
+            </a:r>
+            <a:r>
+              <a:rPr lang="en-US" baseline="0" dirty="0" err="1" smtClean="0"/>
+              <a:t>ghi</a:t>
+            </a:r>
+            <a:r>
+              <a:rPr lang="en-US" baseline="0" dirty="0" smtClean="0"/>
+              <a:t> </a:t>
+            </a:r>
+            <a:r>
+              <a:rPr lang="en-US" baseline="0" dirty="0" err="1" smtClean="0"/>
+              <a:t>chú</a:t>
             </a:r>
             <a:endParaRPr lang="en-US" dirty="0"/>
           </a:p>
@@ -1233,6 +1347,290 @@
           <a:p>
             <a:r>
               <a:rPr lang="en-US" dirty="0" err="1" smtClean="0"/>
+              <a:t>Thiết</a:t>
+            </a:r>
+            <a:r>
+              <a:rPr lang="en-US" dirty="0" smtClean="0"/>
+              <a:t> </a:t>
+            </a:r>
+            <a:r>
+              <a:rPr lang="en-US" dirty="0" err="1" smtClean="0"/>
+              <a:t>kế</a:t>
+            </a:r>
+            <a:r>
+              <a:rPr lang="en-US" baseline="0" dirty="0" smtClean="0"/>
+              <a:t> </a:t>
+            </a:r>
+            <a:r>
+              <a:rPr lang="en-US" baseline="0" dirty="0" err="1" smtClean="0"/>
+              <a:t>dùng</a:t>
+            </a:r>
+            <a:r>
+              <a:rPr lang="en-US" baseline="0" dirty="0" smtClean="0"/>
+              <a:t> 1 file xml </a:t>
+            </a:r>
+          </a:p>
+          <a:p>
+            <a:r>
+              <a:rPr lang="en-US" baseline="0" dirty="0" err="1" smtClean="0"/>
+              <a:t>Với</a:t>
+            </a:r>
+            <a:r>
+              <a:rPr lang="en-US" baseline="0" dirty="0" smtClean="0"/>
+              <a:t> 1 list view </a:t>
+            </a:r>
+            <a:r>
+              <a:rPr lang="en-US" baseline="0" dirty="0" err="1" smtClean="0"/>
+              <a:t>để</a:t>
+            </a:r>
+            <a:r>
+              <a:rPr lang="en-US" baseline="0" dirty="0" smtClean="0"/>
+              <a:t> </a:t>
+            </a:r>
+            <a:r>
+              <a:rPr lang="en-US" baseline="0" dirty="0" err="1" smtClean="0"/>
+              <a:t>ánh</a:t>
+            </a:r>
+            <a:r>
+              <a:rPr lang="en-US" baseline="0" dirty="0" smtClean="0"/>
+              <a:t> </a:t>
+            </a:r>
+            <a:r>
+              <a:rPr lang="en-US" baseline="0" dirty="0" err="1" smtClean="0"/>
+              <a:t>xạ</a:t>
+            </a:r>
+            <a:r>
+              <a:rPr lang="en-US" baseline="0" dirty="0" smtClean="0"/>
+              <a:t> </a:t>
+            </a:r>
+            <a:r>
+              <a:rPr lang="en-US" baseline="0" dirty="0" err="1" smtClean="0"/>
+              <a:t>giữ</a:t>
+            </a:r>
+            <a:r>
+              <a:rPr lang="en-US" baseline="0" dirty="0" smtClean="0"/>
+              <a:t> </a:t>
+            </a:r>
+            <a:r>
+              <a:rPr lang="en-US" baseline="0" dirty="0" err="1" smtClean="0"/>
+              <a:t>liệu</a:t>
+            </a:r>
+            <a:r>
+              <a:rPr lang="en-US" baseline="0" dirty="0" smtClean="0"/>
+              <a:t> qua adapter </a:t>
+            </a:r>
+          </a:p>
+          <a:p>
+            <a:r>
+              <a:rPr lang="en-US" baseline="0" dirty="0" err="1" smtClean="0"/>
+              <a:t>Và</a:t>
+            </a:r>
+            <a:r>
+              <a:rPr lang="en-US" baseline="0" dirty="0" smtClean="0"/>
+              <a:t> include file menu xml ( menu </a:t>
+            </a:r>
+            <a:r>
+              <a:rPr lang="en-US" baseline="0" dirty="0" err="1" smtClean="0"/>
+              <a:t>này</a:t>
+            </a:r>
+            <a:r>
+              <a:rPr lang="en-US" baseline="0" dirty="0" smtClean="0"/>
+              <a:t> </a:t>
+            </a:r>
+            <a:r>
+              <a:rPr lang="en-US" baseline="0" dirty="0" err="1" smtClean="0"/>
+              <a:t>là</a:t>
+            </a:r>
+            <a:r>
+              <a:rPr lang="en-US" baseline="0" dirty="0" smtClean="0"/>
+              <a:t> menu </a:t>
+            </a:r>
+            <a:r>
+              <a:rPr lang="en-US" baseline="0" dirty="0" err="1" smtClean="0"/>
+              <a:t>dùng</a:t>
+            </a:r>
+            <a:r>
+              <a:rPr lang="en-US" baseline="0" dirty="0" smtClean="0"/>
+              <a:t> </a:t>
+            </a:r>
+            <a:r>
+              <a:rPr lang="en-US" baseline="0" dirty="0" err="1" smtClean="0"/>
+              <a:t>chung</a:t>
+            </a:r>
+            <a:r>
+              <a:rPr lang="en-US" baseline="0" dirty="0" smtClean="0"/>
+              <a:t> </a:t>
+            </a:r>
+            <a:r>
+              <a:rPr lang="en-US" baseline="0" dirty="0" err="1" smtClean="0"/>
+              <a:t>cho</a:t>
+            </a:r>
+            <a:r>
+              <a:rPr lang="en-US" baseline="0" dirty="0" smtClean="0"/>
+              <a:t> </a:t>
+            </a:r>
+            <a:r>
+              <a:rPr lang="en-US" baseline="0" dirty="0" err="1" smtClean="0"/>
+              <a:t>toàn</a:t>
+            </a:r>
+            <a:r>
+              <a:rPr lang="en-US" baseline="0" dirty="0" smtClean="0"/>
+              <a:t> </a:t>
+            </a:r>
+            <a:r>
+              <a:rPr lang="en-US" baseline="0" dirty="0" err="1" smtClean="0"/>
+              <a:t>bộ</a:t>
+            </a:r>
+            <a:r>
+              <a:rPr lang="en-US" baseline="0" dirty="0" smtClean="0"/>
+              <a:t> </a:t>
+            </a:r>
+            <a:r>
+              <a:rPr lang="en-US" baseline="0" dirty="0" err="1" smtClean="0"/>
+              <a:t>ứng</a:t>
+            </a:r>
+            <a:r>
+              <a:rPr lang="en-US" baseline="0" dirty="0" smtClean="0"/>
+              <a:t> </a:t>
+            </a:r>
+            <a:r>
+              <a:rPr lang="en-US" baseline="0" dirty="0" err="1" smtClean="0"/>
+              <a:t>dụng</a:t>
+            </a:r>
+            <a:r>
+              <a:rPr lang="en-US" baseline="0" dirty="0" smtClean="0"/>
+              <a:t>) </a:t>
+            </a:r>
+            <a:r>
+              <a:rPr lang="en-US" baseline="0" dirty="0" err="1" smtClean="0"/>
+              <a:t>để</a:t>
+            </a:r>
+            <a:r>
+              <a:rPr lang="en-US" baseline="0" dirty="0" smtClean="0"/>
+              <a:t> </a:t>
+            </a:r>
+            <a:r>
+              <a:rPr lang="en-US" baseline="0" dirty="0" err="1" smtClean="0"/>
+              <a:t>hiện</a:t>
+            </a:r>
+            <a:r>
+              <a:rPr lang="en-US" baseline="0" dirty="0" smtClean="0"/>
+              <a:t> </a:t>
+            </a:r>
+            <a:r>
+              <a:rPr lang="en-US" baseline="0" dirty="0" err="1" smtClean="0"/>
+              <a:t>các</a:t>
+            </a:r>
+            <a:r>
+              <a:rPr lang="en-US" baseline="0" dirty="0" smtClean="0"/>
+              <a:t> </a:t>
+            </a:r>
+            <a:r>
+              <a:rPr lang="en-US" baseline="0" dirty="0" err="1" smtClean="0"/>
+              <a:t>nút</a:t>
+            </a:r>
+            <a:r>
+              <a:rPr lang="en-US" baseline="0" dirty="0" smtClean="0"/>
+              <a:t> </a:t>
+            </a:r>
+            <a:r>
+              <a:rPr lang="en-US" baseline="0" dirty="0" err="1" smtClean="0"/>
+              <a:t>chức</a:t>
+            </a:r>
+            <a:r>
+              <a:rPr lang="en-US" baseline="0" dirty="0" smtClean="0"/>
+              <a:t> </a:t>
+            </a:r>
+            <a:r>
+              <a:rPr lang="en-US" baseline="0" dirty="0" err="1" smtClean="0"/>
+              <a:t>năng</a:t>
+            </a:r>
+            <a:endParaRPr lang="en-US" dirty="0"/>
+          </a:p>
+        </p:txBody>
+      </p:sp>
+      <p:sp>
+        <p:nvSpPr>
+          <p:cNvPr id="4" name="Slide Number Placeholder 3"/>
+          <p:cNvSpPr>
+            <a:spLocks noGrp="1"/>
+          </p:cNvSpPr>
+          <p:nvPr>
+            <p:ph type="sldNum" sz="quarter" idx="10"/>
+          </p:nvPr>
+        </p:nvSpPr>
+        <p:spPr/>
+        <p:txBody>
+          <a:bodyPr/>
+          <a:lstStyle/>
+          <a:p>
+            <a:fld id="{D8F4D0B3-74D8-494A-8A9D-528819ECFAA0}" type="slidenum">
+              <a:rPr lang="en-US" smtClean="0"/>
+              <a:t>14</a:t>
+            </a:fld>
+            <a:endParaRPr lang="en-US"/>
+          </a:p>
+        </p:txBody>
+      </p:sp>
+    </p:spTree>
+    <p:extLst>
+      <p:ext uri="{BB962C8B-B14F-4D97-AF65-F5344CB8AC3E}">
+        <p14:creationId xmlns:p14="http://schemas.microsoft.com/office/powerpoint/2010/main" val="4039931340"/>
+      </p:ext>
+    </p:extLst>
+  </p:cSld>
+  <p:clrMapOvr>
+    <a:masterClrMapping/>
+  </p:clrMapOvr>
+</p:notes>
+</file>
+
+<file path=ppt/notesSlides/notesSlide12.xml><?xml version="1.0" encoding="utf-8"?>
+<p:notes xmlns:a="http://schemas.openxmlformats.org/drawingml/2006/main" xmlns:r="http://schemas.openxmlformats.org/officeDocument/2006/relationships" xmlns:p="http://schemas.openxmlformats.org/presentationml/2006/main">
+  <p:cSld>
+    <p:spTree>
+      <p:nvGrpSpPr>
+        <p:cNvPr id="1" name=""/>
+        <p:cNvGrpSpPr/>
+        <p:nvPr/>
+      </p:nvGrpSpPr>
+      <p:grpSpPr>
+        <a:xfrm>
+          <a:off x="0" y="0"/>
+          <a:ext cx="0" cy="0"/>
+          <a:chOff x="0" y="0"/>
+          <a:chExt cx="0" cy="0"/>
+        </a:xfrm>
+      </p:grpSpPr>
+      <p:sp>
+        <p:nvSpPr>
+          <p:cNvPr id="2" name="Slide Image Placeholder 1"/>
+          <p:cNvSpPr>
+            <a:spLocks noGrp="1" noRot="1" noChangeAspect="1"/>
+          </p:cNvSpPr>
+          <p:nvPr>
+            <p:ph type="sldImg"/>
+          </p:nvPr>
+        </p:nvSpPr>
+        <p:spPr/>
+      </p:sp>
+      <p:sp>
+        <p:nvSpPr>
+          <p:cNvPr id="3" name="Notes Placeholder 2"/>
+          <p:cNvSpPr>
+            <a:spLocks noGrp="1"/>
+          </p:cNvSpPr>
+          <p:nvPr>
+            <p:ph type="body" idx="1"/>
+          </p:nvPr>
+        </p:nvSpPr>
+        <p:spPr/>
+        <p:txBody>
+          <a:bodyPr/>
+          <a:lstStyle/>
+          <a:p>
+            <a:r>
+              <a:rPr lang="en-US" dirty="0" err="1" smtClean="0"/>
               <a:t>Các</a:t>
             </a:r>
             <a:r>
@@ -1697,11 +2095,7 @@
             </a:r>
             <a:r>
               <a:rPr lang="en-US" baseline="0" dirty="0" smtClean="0"/>
-              <a:t> component </a:t>
-            </a:r>
-            <a:r>
-              <a:rPr lang="en-US" baseline="0" dirty="0" smtClean="0"/>
-              <a:t>Leaner Layout </a:t>
+              <a:t> component Leaner Layout </a:t>
             </a:r>
             <a:r>
               <a:rPr lang="en-US" baseline="0" dirty="0" err="1" smtClean="0"/>
@@ -1733,11 +2127,7 @@
             </a:r>
             <a:r>
               <a:rPr lang="en-US" baseline="0" dirty="0" smtClean="0"/>
-              <a:t> </a:t>
-            </a:r>
-            <a:r>
-              <a:rPr lang="en-US" baseline="0" dirty="0" smtClean="0"/>
-              <a:t>form </a:t>
+              <a:t> form </a:t>
             </a:r>
             <a:r>
               <a:rPr lang="en-US" baseline="0" dirty="0" err="1" smtClean="0"/>
@@ -2610,6 +3000,145 @@
               <a:rPr lang="en-US" baseline="0" dirty="0" err="1" smtClean="0"/>
               <a:t>lên</a:t>
             </a:r>
+            <a:endParaRPr lang="en-US" baseline="0" dirty="0" smtClean="0"/>
+          </a:p>
+          <a:p>
+            <a:r>
+              <a:rPr lang="en-US" baseline="0" dirty="0" smtClean="0"/>
+              <a:t>Login </a:t>
+            </a:r>
+            <a:r>
+              <a:rPr lang="en-US" baseline="0" dirty="0" err="1" smtClean="0"/>
+              <a:t>thành</a:t>
+            </a:r>
+            <a:r>
+              <a:rPr lang="en-US" baseline="0" dirty="0" smtClean="0"/>
+              <a:t> </a:t>
+            </a:r>
+            <a:r>
+              <a:rPr lang="en-US" baseline="0" dirty="0" err="1" smtClean="0"/>
+              <a:t>công</a:t>
+            </a:r>
+            <a:r>
+              <a:rPr lang="en-US" baseline="0" dirty="0" smtClean="0"/>
+              <a:t> </a:t>
+            </a:r>
+            <a:r>
+              <a:rPr lang="en-US" baseline="0" dirty="0" err="1" smtClean="0"/>
+              <a:t>khi</a:t>
+            </a:r>
+            <a:r>
+              <a:rPr lang="en-US" baseline="0" dirty="0" smtClean="0"/>
+              <a:t> </a:t>
+            </a:r>
+            <a:r>
+              <a:rPr lang="en-US" baseline="0" dirty="0" err="1" smtClean="0"/>
+              <a:t>mật</a:t>
+            </a:r>
+            <a:r>
+              <a:rPr lang="en-US" baseline="0" dirty="0" smtClean="0"/>
+              <a:t> </a:t>
+            </a:r>
+            <a:r>
+              <a:rPr lang="en-US" baseline="0" dirty="0" err="1" smtClean="0"/>
+              <a:t>khẩu</a:t>
+            </a:r>
+            <a:r>
+              <a:rPr lang="en-US" baseline="0" dirty="0" smtClean="0"/>
+              <a:t> </a:t>
+            </a:r>
+            <a:r>
+              <a:rPr lang="en-US" baseline="0" dirty="0" err="1" smtClean="0"/>
+              <a:t>trùng</a:t>
+            </a:r>
+            <a:r>
+              <a:rPr lang="en-US" baseline="0" dirty="0" smtClean="0"/>
+              <a:t> </a:t>
+            </a:r>
+            <a:r>
+              <a:rPr lang="en-US" baseline="0" dirty="0" err="1" smtClean="0"/>
+              <a:t>khớp</a:t>
+            </a:r>
+            <a:r>
+              <a:rPr lang="en-US" baseline="0" dirty="0" smtClean="0"/>
+              <a:t> </a:t>
+            </a:r>
+            <a:r>
+              <a:rPr lang="en-US" baseline="0" dirty="0" err="1" smtClean="0"/>
+              <a:t>với</a:t>
+            </a:r>
+            <a:r>
+              <a:rPr lang="en-US" baseline="0" dirty="0" smtClean="0"/>
+              <a:t> </a:t>
+            </a:r>
+            <a:r>
+              <a:rPr lang="en-US" baseline="0" dirty="0" err="1" smtClean="0"/>
+              <a:t>mật</a:t>
+            </a:r>
+            <a:r>
+              <a:rPr lang="en-US" baseline="0" dirty="0" smtClean="0"/>
+              <a:t> </a:t>
+            </a:r>
+            <a:r>
+              <a:rPr lang="en-US" baseline="0" dirty="0" err="1" smtClean="0"/>
+              <a:t>khẩu</a:t>
+            </a:r>
+            <a:r>
+              <a:rPr lang="en-US" baseline="0" dirty="0" smtClean="0"/>
+              <a:t> </a:t>
+            </a:r>
+            <a:r>
+              <a:rPr lang="en-US" baseline="0" dirty="0" err="1" smtClean="0"/>
+              <a:t>đã</a:t>
+            </a:r>
+            <a:r>
+              <a:rPr lang="en-US" baseline="0" dirty="0" smtClean="0"/>
+              <a:t> </a:t>
+            </a:r>
+            <a:r>
+              <a:rPr lang="en-US" baseline="0" dirty="0" err="1" smtClean="0"/>
+              <a:t>lưu</a:t>
+            </a:r>
+            <a:r>
+              <a:rPr lang="en-US" baseline="0" dirty="0" smtClean="0"/>
+              <a:t> </a:t>
+            </a:r>
+            <a:r>
+              <a:rPr lang="en-US" baseline="0" dirty="0" err="1" smtClean="0"/>
+              <a:t>trong</a:t>
+            </a:r>
+            <a:r>
+              <a:rPr lang="en-US" baseline="0" dirty="0" smtClean="0"/>
+              <a:t> </a:t>
+            </a:r>
+            <a:r>
+              <a:rPr lang="en-US" baseline="0" dirty="0" err="1" smtClean="0"/>
+              <a:t>sharedpreferences</a:t>
+            </a:r>
+            <a:r>
+              <a:rPr lang="en-US" baseline="0" dirty="0" smtClean="0"/>
+              <a:t> </a:t>
+            </a:r>
+            <a:r>
+              <a:rPr lang="en-US" baseline="0" dirty="0" err="1" smtClean="0"/>
+              <a:t>của</a:t>
+            </a:r>
+            <a:r>
+              <a:rPr lang="en-US" baseline="0" dirty="0" smtClean="0"/>
+              <a:t> </a:t>
+            </a:r>
+            <a:r>
+              <a:rPr lang="en-US" baseline="0" dirty="0" err="1" smtClean="0"/>
+              <a:t>ứng</a:t>
+            </a:r>
+            <a:r>
+              <a:rPr lang="en-US" baseline="0" dirty="0" smtClean="0"/>
+              <a:t> </a:t>
+            </a:r>
+            <a:r>
+              <a:rPr lang="en-US" baseline="0" dirty="0" err="1" smtClean="0"/>
+              <a:t>dụng</a:t>
+            </a:r>
             <a:endParaRPr lang="en-US" dirty="0"/>
           </a:p>
         </p:txBody>
@@ -2772,11 +3301,7 @@
             </a:r>
             <a:r>
               <a:rPr lang="en-US" baseline="0" dirty="0" smtClean="0"/>
-              <a:t> </a:t>
-            </a:r>
-            <a:r>
-              <a:rPr lang="en-US" baseline="0" dirty="0" smtClean="0"/>
-              <a:t>xml </a:t>
+              <a:t> xml </a:t>
             </a:r>
             <a:r>
               <a:rPr lang="en-US" baseline="0" dirty="0" err="1" smtClean="0"/>
@@ -2792,8 +3317,14 @@
             </a:r>
             <a:r>
               <a:rPr lang="en-US" baseline="0" dirty="0" smtClean="0"/>
-              <a:t> activity_login.xml</a:t>
-            </a:r>
+              <a:t> </a:t>
+            </a:r>
+            <a:r>
+              <a:rPr lang="en-US" baseline="0" dirty="0" smtClean="0"/>
+              <a:t>activity_login.xml</a:t>
+            </a:r>
+          </a:p>
+          <a:p>
             <a:endParaRPr lang="en-US" dirty="0"/>
           </a:p>
         </p:txBody>
@@ -3433,7 +3964,7 @@
               <a:t> </a:t>
             </a:r>
             <a:r>
-              <a:rPr lang="en-US" baseline="0" smtClean="0"/>
+              <a:rPr lang="en-US" baseline="0" dirty="0" err="1" smtClean="0"/>
               <a:t>Hoa</a:t>
             </a:r>
             <a:endParaRPr lang="en-US" dirty="0"/>
@@ -3538,6 +4069,112 @@
             </a:r>
             <a:r>
               <a:rPr lang="en-US" baseline="0" dirty="0" err="1" smtClean="0"/>
+              <a:t>đăng</a:t>
+            </a:r>
+            <a:r>
+              <a:rPr lang="en-US" baseline="0" dirty="0" smtClean="0"/>
+              <a:t> </a:t>
+            </a:r>
+            <a:r>
+              <a:rPr lang="en-US" baseline="0" dirty="0" err="1" smtClean="0"/>
+              <a:t>nhập</a:t>
+            </a:r>
+            <a:r>
+              <a:rPr lang="en-US" baseline="0" dirty="0" smtClean="0"/>
+              <a:t> </a:t>
+            </a:r>
+            <a:r>
+              <a:rPr lang="en-US" baseline="0" dirty="0" err="1" smtClean="0"/>
+              <a:t>thành</a:t>
+            </a:r>
+            <a:r>
+              <a:rPr lang="en-US" baseline="0" dirty="0" smtClean="0"/>
+              <a:t> </a:t>
+            </a:r>
+            <a:r>
+              <a:rPr lang="en-US" baseline="0" dirty="0" err="1" smtClean="0"/>
+              <a:t>công</a:t>
+            </a:r>
+            <a:r>
+              <a:rPr lang="en-US" baseline="0" dirty="0" smtClean="0"/>
+              <a:t>, </a:t>
+            </a:r>
+            <a:r>
+              <a:rPr lang="en-US" baseline="0" dirty="0" err="1" smtClean="0"/>
+              <a:t>thì</a:t>
+            </a:r>
+            <a:r>
+              <a:rPr lang="en-US" baseline="0" dirty="0" smtClean="0"/>
+              <a:t> </a:t>
+            </a:r>
+            <a:r>
+              <a:rPr lang="en-US" baseline="0" dirty="0" err="1" smtClean="0"/>
+              <a:t>ứng</a:t>
+            </a:r>
+            <a:r>
+              <a:rPr lang="en-US" baseline="0" dirty="0" smtClean="0"/>
+              <a:t> </a:t>
+            </a:r>
+            <a:r>
+              <a:rPr lang="en-US" baseline="0" dirty="0" err="1" smtClean="0"/>
+              <a:t>dụng</a:t>
+            </a:r>
+            <a:r>
+              <a:rPr lang="en-US" baseline="0" dirty="0" smtClean="0"/>
+              <a:t> </a:t>
+            </a:r>
+            <a:r>
+              <a:rPr lang="en-US" baseline="0" dirty="0" err="1" smtClean="0"/>
+              <a:t>sẽ</a:t>
+            </a:r>
+            <a:r>
+              <a:rPr lang="en-US" baseline="0" dirty="0" smtClean="0"/>
+              <a:t> </a:t>
+            </a:r>
+            <a:r>
+              <a:rPr lang="en-US" baseline="0" dirty="0" err="1" smtClean="0"/>
+              <a:t>mở</a:t>
+            </a:r>
+            <a:r>
+              <a:rPr lang="en-US" baseline="0" dirty="0" smtClean="0"/>
+              <a:t> </a:t>
+            </a:r>
+            <a:r>
+              <a:rPr lang="en-US" baseline="0" dirty="0" err="1" smtClean="0"/>
+              <a:t>homeactivity</a:t>
+            </a:r>
+            <a:r>
+              <a:rPr lang="en-US" baseline="0" dirty="0" smtClean="0"/>
+              <a:t>, </a:t>
+            </a:r>
+            <a:r>
+              <a:rPr lang="en-US" baseline="0" dirty="0" err="1" smtClean="0"/>
+              <a:t>trong</a:t>
+            </a:r>
+            <a:r>
+              <a:rPr lang="en-US" baseline="0" dirty="0" smtClean="0"/>
+              <a:t> home activity</a:t>
+            </a:r>
+          </a:p>
+          <a:p>
+            <a:r>
+              <a:rPr lang="en-US" dirty="0" err="1" smtClean="0"/>
+              <a:t>Với</a:t>
+            </a:r>
+            <a:r>
+              <a:rPr lang="en-US" baseline="0" dirty="0" smtClean="0"/>
+              <a:t> </a:t>
+            </a:r>
+            <a:r>
+              <a:rPr lang="en-US" baseline="0" dirty="0" err="1" smtClean="0"/>
+              <a:t>việc</a:t>
+            </a:r>
+            <a:r>
+              <a:rPr lang="en-US" baseline="0" dirty="0" smtClean="0"/>
+              <a:t> </a:t>
+            </a:r>
+            <a:r>
+              <a:rPr lang="en-US" baseline="0" dirty="0" err="1" smtClean="0"/>
               <a:t>sử</a:t>
             </a:r>
             <a:r>
@@ -3652,37 +4289,148 @@
               <a:rPr lang="en-US" baseline="0" dirty="0" err="1" smtClean="0"/>
               <a:t>chú</a:t>
             </a:r>
-            <a:r>
-              <a:rPr lang="en-US" baseline="0" dirty="0" smtClean="0"/>
-              <a:t> </a:t>
-            </a:r>
-            <a:r>
-              <a:rPr lang="en-US" baseline="0" dirty="0" err="1" smtClean="0"/>
-              <a:t>đã</a:t>
-            </a:r>
-            <a:r>
-              <a:rPr lang="en-US" baseline="0" dirty="0" smtClean="0"/>
-              <a:t> </a:t>
-            </a:r>
-            <a:r>
-              <a:rPr lang="en-US" baseline="0" dirty="0" err="1" smtClean="0"/>
-              <a:t>lưu</a:t>
-            </a:r>
-            <a:r>
-              <a:rPr lang="en-US" baseline="0" dirty="0" smtClean="0"/>
-              <a:t> </a:t>
-            </a:r>
-            <a:r>
-              <a:rPr lang="en-US" baseline="0" dirty="0" err="1" smtClean="0"/>
-              <a:t>cũng</a:t>
-            </a:r>
-            <a:r>
-              <a:rPr lang="en-US" baseline="0" dirty="0" smtClean="0"/>
-              <a:t> </a:t>
-            </a:r>
-            <a:r>
-              <a:rPr lang="en-US" baseline="0" dirty="0" err="1" smtClean="0"/>
-              <a:t>như</a:t>
+            <a:endParaRPr lang="en-US" baseline="0" dirty="0" smtClean="0"/>
+          </a:p>
+          <a:p>
+            <a:r>
+              <a:rPr lang="en-US" baseline="0" dirty="0" smtClean="0"/>
+              <a:t> </a:t>
+            </a:r>
+            <a:r>
+              <a:rPr lang="en-US" baseline="0" dirty="0" err="1" smtClean="0"/>
+              <a:t>hiện</a:t>
+            </a:r>
+            <a:r>
+              <a:rPr lang="en-US" baseline="0" dirty="0" smtClean="0"/>
+              <a:t> </a:t>
+            </a:r>
+            <a:r>
+              <a:rPr lang="en-US" baseline="0" dirty="0" err="1" smtClean="0"/>
+              <a:t>danh</a:t>
+            </a:r>
+            <a:r>
+              <a:rPr lang="en-US" baseline="0" dirty="0" smtClean="0"/>
+              <a:t> </a:t>
+            </a:r>
+            <a:r>
+              <a:rPr lang="en-US" baseline="0" dirty="0" err="1" smtClean="0"/>
+              <a:t>sách</a:t>
+            </a:r>
+            <a:r>
+              <a:rPr lang="en-US" baseline="0" dirty="0" smtClean="0"/>
+              <a:t> </a:t>
+            </a:r>
+            <a:r>
+              <a:rPr lang="en-US" baseline="0" dirty="0" err="1" smtClean="0"/>
+              <a:t>ghi</a:t>
+            </a:r>
+            <a:r>
+              <a:rPr lang="en-US" baseline="0" dirty="0" smtClean="0"/>
+              <a:t> </a:t>
+            </a:r>
+            <a:r>
+              <a:rPr lang="en-US" baseline="0" dirty="0" err="1" smtClean="0"/>
+              <a:t>chú</a:t>
+            </a:r>
+            <a:r>
+              <a:rPr lang="en-US" baseline="0" dirty="0" smtClean="0"/>
+              <a:t> </a:t>
+            </a:r>
+            <a:r>
+              <a:rPr lang="en-US" baseline="0" dirty="0" err="1" smtClean="0"/>
+              <a:t>mặc</a:t>
+            </a:r>
+            <a:r>
+              <a:rPr lang="en-US" baseline="0" dirty="0" smtClean="0"/>
+              <a:t> </a:t>
+            </a:r>
+            <a:r>
+              <a:rPr lang="en-US" baseline="0" dirty="0" err="1" smtClean="0"/>
+              <a:t>định</a:t>
+            </a:r>
+            <a:r>
+              <a:rPr lang="en-US" baseline="0" dirty="0" smtClean="0"/>
+              <a:t> ban </a:t>
+            </a:r>
+            <a:r>
+              <a:rPr lang="en-US" baseline="0" dirty="0" err="1" smtClean="0"/>
+              <a:t>đầu</a:t>
+            </a:r>
+            <a:r>
+              <a:rPr lang="en-US" baseline="0" dirty="0" smtClean="0"/>
+              <a:t> </a:t>
+            </a:r>
+            <a:r>
+              <a:rPr lang="en-US" baseline="0" dirty="0" err="1" smtClean="0"/>
+              <a:t>kiểu</a:t>
+            </a:r>
+            <a:r>
+              <a:rPr lang="en-US" baseline="0" dirty="0" smtClean="0"/>
+              <a:t> list</a:t>
+            </a:r>
+          </a:p>
+          <a:p>
+            <a:r>
+              <a:rPr lang="en-US" baseline="0" dirty="0" err="1" smtClean="0"/>
+              <a:t>Bên</a:t>
+            </a:r>
+            <a:r>
+              <a:rPr lang="en-US" baseline="0" dirty="0" smtClean="0"/>
+              <a:t> </a:t>
+            </a:r>
+            <a:r>
+              <a:rPr lang="en-US" baseline="0" dirty="0" err="1" smtClean="0"/>
+              <a:t>trên</a:t>
+            </a:r>
+            <a:r>
+              <a:rPr lang="en-US" baseline="0" dirty="0" smtClean="0"/>
+              <a:t> </a:t>
+            </a:r>
+            <a:r>
+              <a:rPr lang="en-US" baseline="0" dirty="0" err="1" smtClean="0"/>
+              <a:t>là</a:t>
+            </a:r>
+            <a:r>
+              <a:rPr lang="en-US" baseline="0" dirty="0" smtClean="0"/>
+              <a:t> 1 ô </a:t>
+            </a:r>
+            <a:r>
+              <a:rPr lang="en-US" baseline="0" dirty="0" err="1" smtClean="0"/>
+              <a:t>tìm</a:t>
+            </a:r>
+            <a:r>
+              <a:rPr lang="en-US" baseline="0" dirty="0" smtClean="0"/>
+              <a:t> </a:t>
+            </a:r>
+            <a:r>
+              <a:rPr lang="en-US" baseline="0" dirty="0" err="1" smtClean="0"/>
+              <a:t>kiếm</a:t>
+            </a:r>
+            <a:r>
+              <a:rPr lang="en-US" baseline="0" dirty="0" smtClean="0"/>
+              <a:t> </a:t>
+            </a:r>
+          </a:p>
+          <a:p>
+            <a:r>
+              <a:rPr lang="en-US" baseline="0" dirty="0" err="1" smtClean="0"/>
+              <a:t>Bên</a:t>
+            </a:r>
+            <a:r>
+              <a:rPr lang="en-US" baseline="0" dirty="0" smtClean="0"/>
+              <a:t> </a:t>
+            </a:r>
+            <a:r>
+              <a:rPr lang="en-US" baseline="0" dirty="0" err="1" smtClean="0"/>
+              <a:t>dưới</a:t>
+            </a:r>
+            <a:r>
+              <a:rPr lang="en-US" baseline="0" dirty="0" smtClean="0"/>
+              <a:t> </a:t>
+            </a:r>
+            <a:r>
+              <a:rPr lang="en-US" baseline="0" dirty="0" err="1" smtClean="0"/>
+              <a:t>là</a:t>
             </a:r>
             <a:r>
               <a:rPr lang="en-US" baseline="0" dirty="0" smtClean="0"/>
@@ -3716,7 +4464,74 @@
               <a:rPr lang="en-US" baseline="0" dirty="0" err="1" smtClean="0"/>
               <a:t>năng</a:t>
             </a:r>
-            <a:endParaRPr lang="en-US" dirty="0"/>
+            <a:r>
+              <a:rPr lang="en-US" baseline="0" dirty="0" smtClean="0"/>
+              <a:t>: </a:t>
+            </a:r>
+            <a:r>
+              <a:rPr lang="en-US" baseline="0" dirty="0" err="1" smtClean="0"/>
+              <a:t>thêm</a:t>
+            </a:r>
+            <a:r>
+              <a:rPr lang="en-US" baseline="0" dirty="0" smtClean="0"/>
+              <a:t> </a:t>
+            </a:r>
+            <a:r>
+              <a:rPr lang="en-US" baseline="0" dirty="0" err="1" smtClean="0"/>
+              <a:t>mới</a:t>
+            </a:r>
+            <a:r>
+              <a:rPr lang="en-US" baseline="0" dirty="0" smtClean="0"/>
+              <a:t>, </a:t>
+            </a:r>
+            <a:r>
+              <a:rPr lang="en-US" baseline="0" dirty="0" err="1" smtClean="0"/>
+              <a:t>thay</a:t>
+            </a:r>
+            <a:r>
+              <a:rPr lang="en-US" baseline="0" dirty="0" smtClean="0"/>
+              <a:t> </a:t>
+            </a:r>
+            <a:r>
+              <a:rPr lang="en-US" baseline="0" dirty="0" err="1" smtClean="0"/>
+              <a:t>đổi</a:t>
+            </a:r>
+            <a:r>
+              <a:rPr lang="en-US" baseline="0" dirty="0" smtClean="0"/>
+              <a:t> </a:t>
+            </a:r>
+            <a:r>
+              <a:rPr lang="en-US" baseline="0" dirty="0" err="1" smtClean="0"/>
+              <a:t>dạng</a:t>
+            </a:r>
+            <a:r>
+              <a:rPr lang="en-US" baseline="0" dirty="0" smtClean="0"/>
+              <a:t> view, </a:t>
+            </a:r>
+            <a:r>
+              <a:rPr lang="en-US" baseline="0" dirty="0" err="1" smtClean="0"/>
+              <a:t>khóa</a:t>
+            </a:r>
+            <a:r>
+              <a:rPr lang="en-US" baseline="0" dirty="0" smtClean="0"/>
+              <a:t> </a:t>
+            </a:r>
+            <a:r>
+              <a:rPr lang="en-US" baseline="0" dirty="0" err="1" smtClean="0"/>
+              <a:t>ứng</a:t>
+            </a:r>
+            <a:r>
+              <a:rPr lang="en-US" baseline="0" dirty="0" smtClean="0"/>
+              <a:t> </a:t>
+            </a:r>
+            <a:r>
+              <a:rPr lang="en-US" baseline="0" dirty="0" err="1" smtClean="0"/>
+              <a:t>dụng</a:t>
+            </a:r>
+            <a:endParaRPr lang="en-US" baseline="0" dirty="0" smtClean="0"/>
+          </a:p>
+          <a:p>
+            <a:endParaRPr lang="en-US" dirty="0" smtClean="0"/>
           </a:p>
         </p:txBody>
       </p:sp>
@@ -3894,6 +4709,14 @@
             </a:r>
             <a:r>
               <a:rPr lang="en-US" baseline="0" dirty="0" smtClean="0"/>
+              <a:t> </a:t>
+            </a:r>
+            <a:r>
+              <a:rPr lang="en-US" baseline="0" dirty="0" err="1" smtClean="0"/>
+              <a:t>một</a:t>
+            </a:r>
+            <a:r>
+              <a:rPr lang="en-US" baseline="0" dirty="0" smtClean="0"/>
               <a:t> adapter  </a:t>
             </a:r>
             <a:r>
@@ -3959,6 +4782,42 @@
             <a:r>
               <a:rPr lang="en-US" baseline="0" dirty="0" smtClean="0"/>
               <a:t> </a:t>
+            </a:r>
+            <a:r>
+              <a:rPr lang="en-US" baseline="0" dirty="0" err="1" smtClean="0"/>
+              <a:t>dạng</a:t>
+            </a:r>
+            <a:r>
+              <a:rPr lang="en-US" baseline="0" dirty="0" smtClean="0"/>
+              <a:t> </a:t>
+            </a:r>
+            <a:r>
+              <a:rPr lang="en-US" baseline="0" dirty="0" err="1" smtClean="0"/>
+              <a:t>khối</a:t>
+            </a:r>
+            <a:r>
+              <a:rPr lang="en-US" baseline="0" dirty="0" smtClean="0"/>
+              <a:t> </a:t>
+            </a:r>
+            <a:r>
+              <a:rPr lang="en-US" baseline="0" dirty="0" err="1" smtClean="0"/>
+              <a:t>hoặc</a:t>
+            </a:r>
+            <a:r>
+              <a:rPr lang="en-US" baseline="0" dirty="0" smtClean="0"/>
+              <a:t> </a:t>
+            </a:r>
+            <a:r>
+              <a:rPr lang="en-US" baseline="0" dirty="0" err="1" smtClean="0"/>
+              <a:t>ngược</a:t>
+            </a:r>
+            <a:r>
+              <a:rPr lang="en-US" baseline="0" dirty="0" smtClean="0"/>
+              <a:t> </a:t>
+            </a:r>
+            <a:r>
+              <a:rPr lang="en-US" baseline="0" dirty="0" err="1" smtClean="0"/>
+              <a:t>lại</a:t>
             </a:r>
             <a:endParaRPr lang="en-US" dirty="0"/>
           </a:p>
@@ -4362,7 +5221,7 @@
           <a:p>
             <a:fld id="{99F266A1-A384-4047-B0AF-32F24A57C403}" type="datetime1">
               <a:rPr lang="en-US" smtClean="0"/>
-              <a:t>1/6/2016</a:t>
+              <a:t>1/9/2016</a:t>
             </a:fld>
             <a:endParaRPr lang="en-US"/>
           </a:p>
@@ -4557,7 +5416,7 @@
           <a:p>
             <a:fld id="{5478140A-FCCC-4A88-B2B4-427043C232B6}" type="datetime1">
               <a:rPr lang="en-US" smtClean="0"/>
-              <a:t>1/6/2016</a:t>
+              <a:t>1/9/2016</a:t>
             </a:fld>
             <a:endParaRPr lang="en-US"/>
           </a:p>
@@ -4758,7 +5617,7 @@
             <a:fld id="{757EEB5B-71C9-44B2-BDDD-CD7AEB474150}" type="datetime1">
               <a:rPr lang="en-US" smtClean="0"/>
               <a:pPr/>
-              <a:t>1/6/2016</a:t>
+              <a:t>1/9/2016</a:t>
             </a:fld>
             <a:endParaRPr lang="en-US" dirty="0"/>
           </a:p>
@@ -5028,7 +5887,7 @@
           <a:p>
             <a:fld id="{00A95821-A266-4A82-A0E3-6601523D4481}" type="datetime1">
               <a:rPr lang="en-US" smtClean="0"/>
-              <a:t>1/6/2016</a:t>
+              <a:t>1/9/2016</a:t>
             </a:fld>
             <a:endParaRPr lang="en-US"/>
           </a:p>
@@ -5324,7 +6183,7 @@
           <a:p>
             <a:fld id="{C2BA552F-26F9-4241-8B8D-59BDDB1539FF}" type="datetime1">
               <a:rPr lang="en-US" smtClean="0"/>
-              <a:t>1/6/2016</a:t>
+              <a:t>1/9/2016</a:t>
             </a:fld>
             <a:endParaRPr lang="en-US"/>
           </a:p>
@@ -5760,7 +6619,7 @@
           <a:p>
             <a:fld id="{D6EED506-2E2F-458F-B10D-BB6775FCE25F}" type="datetime1">
               <a:rPr lang="en-US" smtClean="0"/>
-              <a:t>1/6/2016</a:t>
+              <a:t>1/9/2016</a:t>
             </a:fld>
             <a:endParaRPr lang="en-US"/>
           </a:p>
@@ -5891,7 +6750,7 @@
           <a:p>
             <a:fld id="{72664905-B1CD-4D5B-AF9E-52854CF892C4}" type="datetime1">
               <a:rPr lang="en-US" smtClean="0"/>
-              <a:t>1/6/2016</a:t>
+              <a:t>1/9/2016</a:t>
             </a:fld>
             <a:endParaRPr lang="en-US"/>
           </a:p>
@@ -5999,7 +6858,7 @@
           <a:p>
             <a:fld id="{95C2E03D-677C-45E8-A863-5D3635C86927}" type="datetime1">
               <a:rPr lang="en-US" smtClean="0"/>
-              <a:t>1/6/2016</a:t>
+              <a:t>1/9/2016</a:t>
             </a:fld>
             <a:endParaRPr lang="en-US"/>
           </a:p>
@@ -6273,7 +7132,7 @@
           <a:p>
             <a:fld id="{A8FAE27D-8FC8-4606-BC7C-32645CC6B67C}" type="datetime1">
               <a:rPr lang="en-US" smtClean="0"/>
-              <a:t>1/6/2016</a:t>
+              <a:t>1/9/2016</a:t>
             </a:fld>
             <a:endParaRPr lang="en-US"/>
           </a:p>
@@ -6642,7 +7501,7 @@
           <a:p>
             <a:fld id="{3BB4EC30-D2A2-4148-89EA-F21CC26554F7}" type="datetime1">
               <a:rPr lang="en-US" smtClean="0"/>
-              <a:t>1/6/2016</a:t>
+              <a:t>1/9/2016</a:t>
             </a:fld>
             <a:endParaRPr lang="en-US"/>
           </a:p>
@@ -7002,7 +7861,7 @@
           <a:p>
             <a:fld id="{1D8BBDF7-3817-4E06-BCE6-6201650DEFC6}" type="datetime1">
               <a:rPr lang="en-US" smtClean="0"/>
-              <a:t>1/6/2016</a:t>
+              <a:t>1/9/2016</a:t>
             </a:fld>
             <a:endParaRPr lang="en-US" dirty="0"/>
           </a:p>
@@ -8177,7 +9036,7 @@
           <a:p>
             <a:fld id="{46F261CE-3BB8-4F7C-AEDB-72481A5CA746}" type="datetime1">
               <a:rPr lang="en-US" smtClean="0"/>
-              <a:t>1/6/2016</a:t>
+              <a:t>1/9/2016</a:t>
             </a:fld>
             <a:endParaRPr lang="en-US"/>
           </a:p>
@@ -8534,7 +9393,7 @@
           <a:p>
             <a:fld id="{D92010B6-16BC-48DE-B722-5DF7E71D4815}" type="datetime1">
               <a:rPr lang="en-US" smtClean="0"/>
-              <a:t>1/6/2016</a:t>
+              <a:t>1/9/2016</a:t>
             </a:fld>
             <a:endParaRPr lang="en-US"/>
           </a:p>
@@ -8836,7 +9695,7 @@
           <a:p>
             <a:fld id="{6B65B16D-5CFB-43C4-BE82-6641C7AE2740}" type="datetime1">
               <a:rPr lang="en-US" smtClean="0"/>
-              <a:t>1/6/2016</a:t>
+              <a:t>1/9/2016</a:t>
             </a:fld>
             <a:endParaRPr lang="en-US"/>
           </a:p>
@@ -9211,7 +10070,7 @@
           <a:p>
             <a:fld id="{05CC888C-3EDD-4F50-A455-3C839C508034}" type="datetime1">
               <a:rPr lang="en-US" smtClean="0"/>
-              <a:t>1/6/2016</a:t>
+              <a:t>1/9/2016</a:t>
             </a:fld>
             <a:endParaRPr lang="en-US"/>
           </a:p>
@@ -9441,7 +10300,7 @@
           <a:p>
             <a:fld id="{186C2310-EDBE-4FF7-8EA3-74B1F2F1EB65}" type="datetime1">
               <a:rPr lang="en-US" smtClean="0"/>
-              <a:t>1/6/2016</a:t>
+              <a:t>1/9/2016</a:t>
             </a:fld>
             <a:endParaRPr lang="en-US"/>
           </a:p>
@@ -9737,7 +10596,7 @@
           <a:p>
             <a:fld id="{E39B4C1A-4E7A-4400-BA1B-1EDBEF103909}" type="datetime1">
               <a:rPr lang="en-US" smtClean="0"/>
-              <a:t>1/6/2016</a:t>
+              <a:t>1/9/2016</a:t>
             </a:fld>
             <a:endParaRPr lang="en-US"/>
           </a:p>
@@ -10204,7 +11063,7 @@
           <a:p>
             <a:fld id="{E05A0667-8F2E-4E72-B2A0-60F415AA6FC9}" type="datetime1">
               <a:rPr lang="en-US" smtClean="0"/>
-              <a:t>1/6/2016</a:t>
+              <a:t>1/9/2016</a:t>
             </a:fld>
             <a:endParaRPr lang="en-US"/>
           </a:p>
@@ -10488,7 +11347,7 @@
           <a:p>
             <a:fld id="{E63A7278-5CCD-4000-B371-DDC363862F98}" type="datetime1">
               <a:rPr lang="en-US" smtClean="0"/>
-              <a:t>1/6/2016</a:t>
+              <a:t>1/9/2016</a:t>
             </a:fld>
             <a:endParaRPr lang="en-US"/>
           </a:p>
@@ -10792,7 +11651,7 @@
           <a:p>
             <a:fld id="{7F56F263-DF34-4470-9061-7F3BA75918F1}" type="datetime1">
               <a:rPr lang="en-US" smtClean="0"/>
-              <a:t>1/6/2016</a:t>
+              <a:t>1/9/2016</a:t>
             </a:fld>
             <a:endParaRPr lang="en-US"/>
           </a:p>
@@ -11239,7 +12098,7 @@
           <a:p>
             <a:fld id="{B7B1D4CD-1360-4C53-AF87-2B2FDED253A6}" type="datetime1">
               <a:rPr lang="en-US" smtClean="0"/>
-              <a:t>1/6/2016</a:t>
+              <a:t>1/9/2016</a:t>
             </a:fld>
             <a:endParaRPr lang="en-US"/>
           </a:p>
@@ -11550,7 +12409,7 @@
           <a:p>
             <a:fld id="{BFD8FB92-8B38-44B0-A08A-8D3AC7D8AC79}" type="datetime1">
               <a:rPr lang="en-US" smtClean="0"/>
-              <a:t>1/6/2016</a:t>
+              <a:t>1/9/2016</a:t>
             </a:fld>
             <a:endParaRPr lang="en-US" dirty="0"/>
           </a:p>
@@ -11899,7 +12758,7 @@
           <a:p>
             <a:fld id="{B7B1D4CD-1360-4C53-AF87-2B2FDED253A6}" type="datetime1">
               <a:rPr lang="en-US" smtClean="0"/>
-              <a:t>1/6/2016</a:t>
+              <a:t>1/9/2016</a:t>
             </a:fld>
             <a:endParaRPr lang="en-US"/>
           </a:p>
@@ -12067,7 +12926,7 @@
           <a:p>
             <a:fld id="{AFDA7003-4906-421B-AEE6-B398DFDED997}" type="datetime1">
               <a:rPr lang="en-US" smtClean="0"/>
-              <a:t>1/6/2016</a:t>
+              <a:t>1/9/2016</a:t>
             </a:fld>
             <a:endParaRPr lang="en-US"/>
           </a:p>
@@ -12491,7 +13350,7 @@
           <a:p>
             <a:fld id="{38EF36A9-9CFB-48F1-B0D6-2EC22C10FF76}" type="datetime1">
               <a:rPr lang="en-US" smtClean="0"/>
-              <a:t>1/6/2016</a:t>
+              <a:t>1/9/2016</a:t>
             </a:fld>
             <a:endParaRPr lang="en-US"/>
           </a:p>
@@ -12648,7 +13507,7 @@
           <a:p>
             <a:fld id="{CF87E441-7704-47E6-88B5-C5B00846B13B}" type="datetime1">
               <a:rPr lang="en-US" smtClean="0"/>
-              <a:t>1/6/2016</a:t>
+              <a:t>1/9/2016</a:t>
             </a:fld>
             <a:endParaRPr lang="en-US"/>
           </a:p>
@@ -12879,7 +13738,7 @@
           <a:p>
             <a:fld id="{B10FCDA9-6AC7-4367-B4E3-5368B3CFA7F8}" type="datetime1">
               <a:rPr lang="en-US" smtClean="0"/>
-              <a:t>1/6/2016</a:t>
+              <a:t>1/9/2016</a:t>
             </a:fld>
             <a:endParaRPr lang="en-US"/>
           </a:p>
@@ -13175,7 +14034,7 @@
           <a:p>
             <a:fld id="{B10FCDA9-6AC7-4367-B4E3-5368B3CFA7F8}" type="datetime1">
               <a:rPr lang="en-US" smtClean="0"/>
-              <a:t>1/6/2016</a:t>
+              <a:t>1/9/2016</a:t>
             </a:fld>
             <a:endParaRPr lang="en-US"/>
           </a:p>
@@ -13837,7 +14696,7 @@
           <a:p>
             <a:fld id="{B10FCDA9-6AC7-4367-B4E3-5368B3CFA7F8}" type="datetime1">
               <a:rPr lang="en-US" smtClean="0"/>
-              <a:t>1/6/2016</a:t>
+              <a:t>1/9/2016</a:t>
             </a:fld>
             <a:endParaRPr lang="en-US"/>
           </a:p>
@@ -13992,7 +14851,7 @@
           <a:p>
             <a:fld id="{9EF226C4-8B4B-4FBC-B705-72131B738870}" type="datetime1">
               <a:rPr lang="en-US" smtClean="0"/>
-              <a:t>1/6/2016</a:t>
+              <a:t>1/9/2016</a:t>
             </a:fld>
             <a:endParaRPr lang="en-US"/>
           </a:p>
@@ -14138,7 +14997,7 @@
           <a:p>
             <a:fld id="{3D185893-06E4-43A5-99FB-F4D47D735F32}" type="datetime1">
               <a:rPr lang="en-US" smtClean="0"/>
-              <a:t>1/6/2016</a:t>
+              <a:t>1/9/2016</a:t>
             </a:fld>
             <a:endParaRPr lang="en-US"/>
           </a:p>
@@ -14406,7 +15265,7 @@
           <a:p>
             <a:fld id="{A6AD3434-D19F-43FF-B1AE-E87C02406ED7}" type="datetime1">
               <a:rPr lang="en-US" smtClean="0"/>
-              <a:t>1/6/2016</a:t>
+              <a:t>1/9/2016</a:t>
             </a:fld>
             <a:endParaRPr lang="en-US"/>
           </a:p>
@@ -14699,7 +15558,7 @@
           <a:p>
             <a:fld id="{8D88AEBA-C8BB-4F0C-B290-5DD88600AB56}" type="datetime1">
               <a:rPr lang="en-US" smtClean="0"/>
-              <a:t>1/6/2016</a:t>
+              <a:t>1/9/2016</a:t>
             </a:fld>
             <a:endParaRPr lang="en-US"/>
           </a:p>
@@ -14948,7 +15807,7 @@
           <a:p>
             <a:fld id="{5E854C09-E235-4402-BD7D-C345548C86E0}" type="datetime1">
               <a:rPr lang="en-US" smtClean="0"/>
-              <a:t>1/6/2016</a:t>
+              <a:t>1/9/2016</a:t>
             </a:fld>
             <a:endParaRPr lang="en-US"/>
           </a:p>
@@ -15162,7 +16021,7 @@
           <a:p>
             <a:fld id="{A80518D7-CB7C-413D-94EE-40C2CD1DA557}" type="datetime1">
               <a:rPr lang="en-US" smtClean="0"/>
-              <a:t>1/6/2016</a:t>
+              <a:t>1/9/2016</a:t>
             </a:fld>
             <a:endParaRPr lang="en-US"/>
           </a:p>
@@ -15437,7 +16296,7 @@
           <a:p>
             <a:fld id="{EA9C6536-9F2C-4953-BD8A-915882427163}" type="datetime1">
               <a:rPr lang="en-US" smtClean="0"/>
-              <a:t>1/6/2016</a:t>
+              <a:t>1/9/2016</a:t>
             </a:fld>
             <a:endParaRPr lang="en-US"/>
           </a:p>
@@ -15636,7 +16495,7 @@
           <a:p>
             <a:fld id="{9F4A2793-900C-4740-854D-CD0D99F99E45}" type="datetime1">
               <a:rPr lang="en-US" smtClean="0"/>
-              <a:t>1/6/2016</a:t>
+              <a:t>1/9/2016</a:t>
             </a:fld>
             <a:endParaRPr lang="en-US"/>
           </a:p>
@@ -15899,7 +16758,7 @@
           <a:p>
             <a:fld id="{C48452B9-5BCA-4088-99FE-BF9037E00CEF}" type="datetime1">
               <a:rPr lang="en-US" smtClean="0"/>
-              <a:t>1/6/2016</a:t>
+              <a:t>1/9/2016</a:t>
             </a:fld>
             <a:endParaRPr lang="en-US"/>
           </a:p>
